--- a/progress/樫本/2022_0203クラス内発表.pptx
+++ b/progress/樫本/2022_0203クラス内発表.pptx
@@ -11,24 +11,32 @@
     <p:sldId id="266" r:id="rId5"/>
     <p:sldId id="265" r:id="rId6"/>
     <p:sldId id="272" r:id="rId7"/>
-    <p:sldId id="276" r:id="rId8"/>
-    <p:sldId id="270" r:id="rId9"/>
-    <p:sldId id="271" r:id="rId10"/>
-    <p:sldId id="275" r:id="rId11"/>
-    <p:sldId id="268" r:id="rId12"/>
-    <p:sldId id="277" r:id="rId13"/>
-    <p:sldId id="279" r:id="rId14"/>
-    <p:sldId id="280" r:id="rId15"/>
-    <p:sldId id="273" r:id="rId16"/>
-    <p:sldId id="274" r:id="rId17"/>
-    <p:sldId id="281" r:id="rId18"/>
-    <p:sldId id="282" r:id="rId19"/>
-    <p:sldId id="283" r:id="rId20"/>
-    <p:sldId id="258" r:id="rId21"/>
-    <p:sldId id="259" r:id="rId22"/>
-    <p:sldId id="260" r:id="rId23"/>
-    <p:sldId id="278" r:id="rId24"/>
-    <p:sldId id="261" r:id="rId25"/>
+    <p:sldId id="294" r:id="rId8"/>
+    <p:sldId id="286" r:id="rId9"/>
+    <p:sldId id="276" r:id="rId10"/>
+    <p:sldId id="287" r:id="rId11"/>
+    <p:sldId id="270" r:id="rId12"/>
+    <p:sldId id="271" r:id="rId13"/>
+    <p:sldId id="275" r:id="rId14"/>
+    <p:sldId id="268" r:id="rId15"/>
+    <p:sldId id="277" r:id="rId16"/>
+    <p:sldId id="279" r:id="rId17"/>
+    <p:sldId id="280" r:id="rId18"/>
+    <p:sldId id="273" r:id="rId19"/>
+    <p:sldId id="274" r:id="rId20"/>
+    <p:sldId id="288" r:id="rId21"/>
+    <p:sldId id="289" r:id="rId22"/>
+    <p:sldId id="281" r:id="rId23"/>
+    <p:sldId id="282" r:id="rId24"/>
+    <p:sldId id="283" r:id="rId25"/>
+    <p:sldId id="260" r:id="rId26"/>
+    <p:sldId id="284" r:id="rId27"/>
+    <p:sldId id="261" r:id="rId28"/>
+    <p:sldId id="278" r:id="rId29"/>
+    <p:sldId id="285" r:id="rId30"/>
+    <p:sldId id="290" r:id="rId31"/>
+    <p:sldId id="292" r:id="rId32"/>
+    <p:sldId id="293" r:id="rId33"/>
   </p:sldIdLst>
   <p:sldSz cx="12192000" cy="6858000"/>
   <p:notesSz cx="6858000" cy="9144000"/>
@@ -3296,33 +3304,92 @@
         </p:nvSpPr>
         <p:spPr/>
         <p:txBody>
+          <a:bodyPr>
+            <a:normAutofit/>
+          </a:bodyPr>
+          <a:lstStyle/>
+          <a:p>
+            <a:r>
+              <a:rPr lang="ja-JP" altLang="en-US" sz="6600" dirty="0" smtClean="0">
+                <a:latin typeface="BIZ UDPゴシック" panose="020B0400000000000000" pitchFamily="50" charset="-128"/>
+                <a:ea typeface="BIZ UDPゴシック" panose="020B0400000000000000" pitchFamily="50" charset="-128"/>
+              </a:rPr>
+              <a:t>ポータルサイトにおける</a:t>
+            </a:r>
+            <a:r>
+              <a:rPr lang="en-US" altLang="ja-JP" sz="6600" dirty="0" smtClean="0">
+                <a:latin typeface="BIZ UDPゴシック" panose="020B0400000000000000" pitchFamily="50" charset="-128"/>
+                <a:ea typeface="BIZ UDPゴシック" panose="020B0400000000000000" pitchFamily="50" charset="-128"/>
+              </a:rPr>
+              <a:t/>
+            </a:r>
+            <a:br>
+              <a:rPr lang="en-US" altLang="ja-JP" sz="6600" dirty="0" smtClean="0">
+                <a:latin typeface="BIZ UDPゴシック" panose="020B0400000000000000" pitchFamily="50" charset="-128"/>
+                <a:ea typeface="BIZ UDPゴシック" panose="020B0400000000000000" pitchFamily="50" charset="-128"/>
+              </a:rPr>
+            </a:br>
+            <a:r>
+              <a:rPr lang="en-US" altLang="ja-JP" sz="6600" dirty="0" smtClean="0">
+                <a:latin typeface="BIZ UDPゴシック" panose="020B0400000000000000" pitchFamily="50" charset="-128"/>
+                <a:ea typeface="BIZ UDPゴシック" panose="020B0400000000000000" pitchFamily="50" charset="-128"/>
+              </a:rPr>
+              <a:t>UI</a:t>
+            </a:r>
+            <a:r>
+              <a:rPr lang="ja-JP" altLang="en-US" sz="6600" dirty="0" smtClean="0">
+                <a:latin typeface="BIZ UDPゴシック" panose="020B0400000000000000" pitchFamily="50" charset="-128"/>
+                <a:ea typeface="BIZ UDPゴシック" panose="020B0400000000000000" pitchFamily="50" charset="-128"/>
+              </a:rPr>
+              <a:t>デザインの</a:t>
+            </a:r>
+            <a:r>
+              <a:rPr lang="ja-JP" altLang="en-US" sz="6600" dirty="0">
+                <a:latin typeface="BIZ UDPゴシック" panose="020B0400000000000000" pitchFamily="50" charset="-128"/>
+                <a:ea typeface="BIZ UDPゴシック" panose="020B0400000000000000" pitchFamily="50" charset="-128"/>
+              </a:rPr>
+              <a:t>提案</a:t>
+            </a:r>
+            <a:endParaRPr lang="ja-JP" altLang="ja-JP" sz="6600" dirty="0">
+              <a:latin typeface="BIZ UDPゴシック" panose="020B0400000000000000" pitchFamily="50" charset="-128"/>
+              <a:ea typeface="BIZ UDPゴシック" panose="020B0400000000000000" pitchFamily="50" charset="-128"/>
+            </a:endParaRPr>
+          </a:p>
+        </p:txBody>
+      </p:sp>
+      <p:sp>
+        <p:nvSpPr>
+          <p:cNvPr id="3" name="サブタイトル 2"/>
+          <p:cNvSpPr>
+            <a:spLocks noGrp="1"/>
+          </p:cNvSpPr>
+          <p:nvPr>
+            <p:ph type="subTitle" idx="1"/>
+          </p:nvPr>
+        </p:nvSpPr>
+        <p:spPr>
+          <a:xfrm>
+            <a:off x="1524000" y="4106486"/>
+            <a:ext cx="9144000" cy="1151313"/>
+          </a:xfrm>
+        </p:spPr>
+        <p:txBody>
           <a:bodyPr/>
           <a:lstStyle/>
           <a:p>
             <a:r>
-              <a:rPr kumimoji="1" lang="ja-JP" altLang="en-US" dirty="0" smtClean="0"/>
-              <a:t>タイトル</a:t>
+              <a:rPr lang="ja-JP" altLang="en-US" dirty="0"/>
+              <a:t>北海道情報大学通信教育部無限大キャンパスに</a:t>
+            </a:r>
+            <a:r>
+              <a:rPr lang="ja-JP" altLang="en-US" dirty="0" smtClean="0"/>
+              <a:t>おける視覚的</a:t>
+            </a:r>
+            <a:r>
+              <a:rPr lang="ja-JP" altLang="en-US" dirty="0"/>
+              <a:t>研究</a:t>
             </a:r>
             <a:endParaRPr kumimoji="1" lang="ja-JP" altLang="en-US" dirty="0"/>
-          </a:p>
-        </p:txBody>
-      </p:sp>
-      <p:sp>
-        <p:nvSpPr>
-          <p:cNvPr id="3" name="サブタイトル 2"/>
-          <p:cNvSpPr>
-            <a:spLocks noGrp="1"/>
-          </p:cNvSpPr>
-          <p:nvPr>
-            <p:ph type="subTitle" idx="1"/>
-          </p:nvPr>
-        </p:nvSpPr>
-        <p:spPr/>
-        <p:txBody>
-          <a:bodyPr/>
-          <a:lstStyle/>
-          <a:p>
-            <a:endParaRPr kumimoji="1" lang="ja-JP" altLang="en-US"/>
           </a:p>
         </p:txBody>
       </p:sp>
@@ -3340,6 +3407,1051 @@
 </file>
 
 <file path=ppt/slides/slide10.xml><?xml version="1.0" encoding="utf-8"?>
+<p:sld xmlns:a="http://schemas.openxmlformats.org/drawingml/2006/main" xmlns:r="http://schemas.openxmlformats.org/officeDocument/2006/relationships" xmlns:p="http://schemas.openxmlformats.org/presentationml/2006/main">
+  <p:cSld>
+    <p:spTree>
+      <p:nvGrpSpPr>
+        <p:cNvPr id="1" name=""/>
+        <p:cNvGrpSpPr/>
+        <p:nvPr/>
+      </p:nvGrpSpPr>
+      <p:grpSpPr>
+        <a:xfrm>
+          <a:off x="0" y="0"/>
+          <a:ext cx="0" cy="0"/>
+          <a:chOff x="0" y="0"/>
+          <a:chExt cx="0" cy="0"/>
+        </a:xfrm>
+      </p:grpSpPr>
+      <p:sp>
+        <p:nvSpPr>
+          <p:cNvPr id="6" name="タイトル 5"/>
+          <p:cNvSpPr>
+            <a:spLocks noGrp="1"/>
+          </p:cNvSpPr>
+          <p:nvPr>
+            <p:ph type="ctrTitle"/>
+          </p:nvPr>
+        </p:nvSpPr>
+        <p:spPr/>
+        <p:txBody>
+          <a:bodyPr/>
+          <a:lstStyle/>
+          <a:p>
+            <a:r>
+              <a:rPr kumimoji="1" lang="ja-JP" altLang="en-US" dirty="0" smtClean="0"/>
+              <a:t>デザイン調査結果</a:t>
+            </a:r>
+            <a:endParaRPr kumimoji="1" lang="ja-JP" altLang="en-US" dirty="0"/>
+          </a:p>
+        </p:txBody>
+      </p:sp>
+      <p:sp>
+        <p:nvSpPr>
+          <p:cNvPr id="7" name="サブタイトル 6"/>
+          <p:cNvSpPr>
+            <a:spLocks noGrp="1"/>
+          </p:cNvSpPr>
+          <p:nvPr>
+            <p:ph type="subTitle" idx="1"/>
+          </p:nvPr>
+        </p:nvSpPr>
+        <p:spPr/>
+        <p:txBody>
+          <a:bodyPr/>
+          <a:lstStyle/>
+          <a:p>
+            <a:endParaRPr kumimoji="1" lang="ja-JP" altLang="en-US"/>
+          </a:p>
+        </p:txBody>
+      </p:sp>
+    </p:spTree>
+    <p:extLst>
+      <p:ext uri="{BB962C8B-B14F-4D97-AF65-F5344CB8AC3E}">
+        <p14:creationId xmlns:p14="http://schemas.microsoft.com/office/powerpoint/2010/main" val="2699330324"/>
+      </p:ext>
+    </p:extLst>
+  </p:cSld>
+  <p:clrMapOvr>
+    <a:masterClrMapping/>
+  </p:clrMapOvr>
+  <p:timing>
+    <p:tnLst>
+      <p:par>
+        <p:cTn id="1" dur="indefinite" restart="never" nodeType="tmRoot"/>
+      </p:par>
+    </p:tnLst>
+  </p:timing>
+</p:sld>
+</file>
+
+<file path=ppt/slides/slide11.xml><?xml version="1.0" encoding="utf-8"?>
+<p:sld xmlns:a="http://schemas.openxmlformats.org/drawingml/2006/main" xmlns:r="http://schemas.openxmlformats.org/officeDocument/2006/relationships" xmlns:p="http://schemas.openxmlformats.org/presentationml/2006/main">
+  <p:cSld>
+    <p:spTree>
+      <p:nvGrpSpPr>
+        <p:cNvPr id="1" name=""/>
+        <p:cNvGrpSpPr/>
+        <p:nvPr/>
+      </p:nvGrpSpPr>
+      <p:grpSpPr>
+        <a:xfrm>
+          <a:off x="0" y="0"/>
+          <a:ext cx="0" cy="0"/>
+          <a:chOff x="0" y="0"/>
+          <a:chExt cx="0" cy="0"/>
+        </a:xfrm>
+      </p:grpSpPr>
+      <p:sp>
+        <p:nvSpPr>
+          <p:cNvPr id="3" name="コンテンツ プレースホルダー 2"/>
+          <p:cNvSpPr>
+            <a:spLocks noGrp="1"/>
+          </p:cNvSpPr>
+          <p:nvPr>
+            <p:ph idx="1"/>
+          </p:nvPr>
+        </p:nvSpPr>
+        <p:spPr>
+          <a:xfrm>
+            <a:off x="838200" y="1289956"/>
+            <a:ext cx="10515600" cy="5290457"/>
+          </a:xfrm>
+        </p:spPr>
+        <p:txBody>
+          <a:bodyPr/>
+          <a:lstStyle/>
+          <a:p>
+            <a:pPr marL="514350" indent="-514350">
+              <a:buFont typeface="+mj-lt"/>
+              <a:buAutoNum type="alphaUcParenR"/>
+            </a:pPr>
+            <a:r>
+              <a:rPr kumimoji="1" lang="ja-JP" altLang="en-US" sz="3600" dirty="0" smtClean="0">
+                <a:effectLst>
+                  <a:outerShdw blurRad="38100" dist="38100" dir="2700000" algn="tl">
+                    <a:srgbClr val="000000">
+                      <a:alpha val="43137"/>
+                    </a:srgbClr>
+                  </a:outerShdw>
+                </a:effectLst>
+              </a:rPr>
+              <a:t>学生に対するインタビュー</a:t>
+            </a:r>
+            <a:endParaRPr kumimoji="1" lang="en-US" altLang="ja-JP" sz="3600" dirty="0" smtClean="0">
+              <a:effectLst>
+                <a:outerShdw blurRad="38100" dist="38100" dir="2700000" algn="tl">
+                  <a:srgbClr val="000000">
+                    <a:alpha val="43137"/>
+                  </a:srgbClr>
+                </a:outerShdw>
+              </a:effectLst>
+            </a:endParaRPr>
+          </a:p>
+          <a:p>
+            <a:pPr marL="0" indent="0">
+              <a:buNone/>
+            </a:pPr>
+            <a:r>
+              <a:rPr lang="ja-JP" altLang="en-US" dirty="0" smtClean="0"/>
+              <a:t>　</a:t>
+            </a:r>
+            <a:r>
+              <a:rPr lang="ja-JP" altLang="en-US" sz="2400" u="sng" dirty="0"/>
+              <a:t>対象</a:t>
+            </a:r>
+            <a:r>
+              <a:rPr lang="ja-JP" altLang="en-US" sz="2400" u="sng" dirty="0" smtClean="0"/>
+              <a:t>：北海道情報大学通信教育部 正科生</a:t>
+            </a:r>
+            <a:r>
+              <a:rPr lang="en-US" altLang="ja-JP" sz="2400" u="sng" dirty="0" smtClean="0"/>
+              <a:t>B</a:t>
+            </a:r>
+            <a:r>
+              <a:rPr lang="ja-JP" altLang="en-US" sz="2400" u="sng" dirty="0" smtClean="0"/>
+              <a:t>の</a:t>
+            </a:r>
+            <a:r>
+              <a:rPr lang="en-US" altLang="ja-JP" sz="2400" u="sng" dirty="0" smtClean="0"/>
+              <a:t>3</a:t>
+            </a:r>
+            <a:r>
+              <a:rPr lang="ja-JP" altLang="en-US" sz="2400" u="sng" dirty="0" smtClean="0"/>
+              <a:t>人</a:t>
+            </a:r>
+            <a:endParaRPr lang="en-US" altLang="ja-JP" sz="2400" u="sng" dirty="0" smtClean="0"/>
+          </a:p>
+          <a:p>
+            <a:pPr marL="0" indent="0">
+              <a:buNone/>
+            </a:pPr>
+            <a:r>
+              <a:rPr lang="ja-JP" altLang="en-US" dirty="0"/>
+              <a:t>　</a:t>
+            </a:r>
+            <a:r>
+              <a:rPr lang="ja-JP" altLang="en-US" dirty="0" smtClean="0"/>
+              <a:t>システムの利用状況、使用感、システムに期待することを中心にインタビューを行った。（定性的ユーザビリティ調査）</a:t>
+            </a:r>
+            <a:endParaRPr lang="en-US" altLang="ja-JP" dirty="0" smtClean="0"/>
+          </a:p>
+          <a:p>
+            <a:pPr marL="0" indent="0">
+              <a:buNone/>
+            </a:pPr>
+            <a:endParaRPr kumimoji="1" lang="en-US" altLang="ja-JP" dirty="0" smtClean="0"/>
+          </a:p>
+          <a:p>
+            <a:pPr marL="0" indent="0">
+              <a:buNone/>
+            </a:pPr>
+            <a:endParaRPr kumimoji="1" lang="en-US" altLang="ja-JP" dirty="0" smtClean="0"/>
+          </a:p>
+          <a:p>
+            <a:pPr marL="0" indent="0">
+              <a:buNone/>
+            </a:pPr>
+            <a:r>
+              <a:rPr lang="ja-JP" altLang="en-US" dirty="0" smtClean="0"/>
+              <a:t>結論：</a:t>
+            </a:r>
+            <a:endParaRPr lang="en-US" altLang="ja-JP" dirty="0"/>
+          </a:p>
+          <a:p>
+            <a:pPr marL="0" indent="0">
+              <a:buNone/>
+            </a:pPr>
+            <a:r>
+              <a:rPr lang="en-US" altLang="ja-JP" dirty="0" smtClean="0"/>
+              <a:t>3</a:t>
+            </a:r>
+            <a:r>
+              <a:rPr lang="ja-JP" altLang="en-US" dirty="0" smtClean="0"/>
+              <a:t>人それぞれが、使いにくい・満足度が低いと判断。</a:t>
+            </a:r>
+            <a:endParaRPr lang="en-US" altLang="ja-JP" dirty="0" smtClean="0"/>
+          </a:p>
+          <a:p>
+            <a:pPr marL="0" indent="0">
+              <a:buNone/>
+            </a:pPr>
+            <a:r>
+              <a:rPr lang="ja-JP" altLang="en-US" dirty="0" smtClean="0"/>
+              <a:t>少なからず、デザインに関して問題があるのではないか？</a:t>
+            </a:r>
+            <a:endParaRPr kumimoji="1" lang="en-US" altLang="ja-JP" dirty="0"/>
+          </a:p>
+          <a:p>
+            <a:pPr marL="0" indent="0">
+              <a:buNone/>
+            </a:pPr>
+            <a:endParaRPr kumimoji="1" lang="ja-JP" altLang="en-US" dirty="0"/>
+          </a:p>
+        </p:txBody>
+      </p:sp>
+      <p:sp>
+        <p:nvSpPr>
+          <p:cNvPr id="4" name="タイトル 1"/>
+          <p:cNvSpPr txBox="1">
+            <a:spLocks/>
+          </p:cNvSpPr>
+          <p:nvPr/>
+        </p:nvSpPr>
+        <p:spPr>
+          <a:xfrm>
+            <a:off x="838200" y="365126"/>
+            <a:ext cx="11353800" cy="761546"/>
+          </a:xfrm>
+          <a:prstGeom prst="rect">
+            <a:avLst/>
+          </a:prstGeom>
+        </p:spPr>
+        <p:txBody>
+          <a:bodyPr vert="horz" lIns="91440" tIns="45720" rIns="91440" bIns="45720" rtlCol="0" anchor="ctr">
+            <a:normAutofit/>
+          </a:bodyPr>
+          <a:lstStyle>
+            <a:lvl1pPr algn="l" defTabSz="914400" rtl="0" eaLnBrk="1" latinLnBrk="0" hangingPunct="1">
+              <a:lnSpc>
+                <a:spcPct val="90000"/>
+              </a:lnSpc>
+              <a:spcBef>
+                <a:spcPct val="0"/>
+              </a:spcBef>
+              <a:buNone/>
+              <a:defRPr kumimoji="1" sz="4400" kern="1200">
+                <a:solidFill>
+                  <a:schemeClr val="tx1"/>
+                </a:solidFill>
+                <a:latin typeface="+mj-lt"/>
+                <a:ea typeface="+mj-ea"/>
+                <a:cs typeface="+mj-cs"/>
+              </a:defRPr>
+            </a:lvl1pPr>
+          </a:lstStyle>
+          <a:p>
+            <a:r>
+              <a:rPr lang="ja-JP" altLang="en-US" dirty="0" smtClean="0">
+                <a:latin typeface="HG丸ｺﾞｼｯｸM-PRO" panose="020F0600000000000000" pitchFamily="50" charset="-128"/>
+                <a:ea typeface="HG丸ｺﾞｼｯｸM-PRO" panose="020F0600000000000000" pitchFamily="50" charset="-128"/>
+              </a:rPr>
+              <a:t>デザイン調査</a:t>
+            </a:r>
+            <a:endParaRPr lang="ja-JP" altLang="en-US" dirty="0">
+              <a:latin typeface="HG丸ｺﾞｼｯｸM-PRO" panose="020F0600000000000000" pitchFamily="50" charset="-128"/>
+              <a:ea typeface="HG丸ｺﾞｼｯｸM-PRO" panose="020F0600000000000000" pitchFamily="50" charset="-128"/>
+            </a:endParaRPr>
+          </a:p>
+        </p:txBody>
+      </p:sp>
+      <p:cxnSp>
+        <p:nvCxnSpPr>
+          <p:cNvPr id="6" name="直線コネクタ 5"/>
+          <p:cNvCxnSpPr/>
+          <p:nvPr/>
+        </p:nvCxnSpPr>
+        <p:spPr>
+          <a:xfrm>
+            <a:off x="838200" y="1126672"/>
+            <a:ext cx="10515600" cy="0"/>
+          </a:xfrm>
+          <a:prstGeom prst="line">
+            <a:avLst/>
+          </a:prstGeom>
+          <a:ln w="76200"/>
+        </p:spPr>
+        <p:style>
+          <a:lnRef idx="1">
+            <a:schemeClr val="accent1"/>
+          </a:lnRef>
+          <a:fillRef idx="0">
+            <a:schemeClr val="accent1"/>
+          </a:fillRef>
+          <a:effectRef idx="0">
+            <a:schemeClr val="accent1"/>
+          </a:effectRef>
+          <a:fontRef idx="minor">
+            <a:schemeClr val="tx1"/>
+          </a:fontRef>
+        </p:style>
+      </p:cxnSp>
+    </p:spTree>
+    <p:extLst>
+      <p:ext uri="{BB962C8B-B14F-4D97-AF65-F5344CB8AC3E}">
+        <p14:creationId xmlns:p14="http://schemas.microsoft.com/office/powerpoint/2010/main" val="1829055733"/>
+      </p:ext>
+    </p:extLst>
+  </p:cSld>
+  <p:clrMapOvr>
+    <a:masterClrMapping/>
+  </p:clrMapOvr>
+  <p:timing>
+    <p:tnLst>
+      <p:par>
+        <p:cTn id="1" dur="indefinite" restart="never" nodeType="tmRoot">
+          <p:childTnLst>
+            <p:seq concurrent="1" nextAc="seek">
+              <p:cTn id="2" dur="indefinite" nodeType="mainSeq">
+                <p:childTnLst>
+                  <p:par>
+                    <p:cTn id="3" fill="hold">
+                      <p:stCondLst>
+                        <p:cond delay="indefinite"/>
+                      </p:stCondLst>
+                      <p:childTnLst>
+                        <p:par>
+                          <p:cTn id="4" fill="hold">
+                            <p:stCondLst>
+                              <p:cond delay="0"/>
+                            </p:stCondLst>
+                            <p:childTnLst>
+                              <p:par>
+                                <p:cTn id="5" presetID="10" presetClass="entr" presetSubtype="0" fill="hold" nodeType="clickEffect">
+                                  <p:stCondLst>
+                                    <p:cond delay="0"/>
+                                  </p:stCondLst>
+                                  <p:childTnLst>
+                                    <p:set>
+                                      <p:cBhvr>
+                                        <p:cTn id="6" dur="1" fill="hold">
+                                          <p:stCondLst>
+                                            <p:cond delay="0"/>
+                                          </p:stCondLst>
+                                        </p:cTn>
+                                        <p:tgtEl>
+                                          <p:spTgt spid="3">
+                                            <p:txEl>
+                                              <p:pRg st="5" end="5"/>
+                                            </p:txEl>
+                                          </p:spTgt>
+                                        </p:tgtEl>
+                                        <p:attrNameLst>
+                                          <p:attrName>style.visibility</p:attrName>
+                                        </p:attrNameLst>
+                                      </p:cBhvr>
+                                      <p:to>
+                                        <p:strVal val="visible"/>
+                                      </p:to>
+                                    </p:set>
+                                    <p:animEffect transition="in" filter="fade">
+                                      <p:cBhvr>
+                                        <p:cTn id="7" dur="500"/>
+                                        <p:tgtEl>
+                                          <p:spTgt spid="3">
+                                            <p:txEl>
+                                              <p:pRg st="5" end="5"/>
+                                            </p:txEl>
+                                          </p:spTgt>
+                                        </p:tgtEl>
+                                      </p:cBhvr>
+                                    </p:animEffect>
+                                  </p:childTnLst>
+                                </p:cTn>
+                              </p:par>
+                              <p:par>
+                                <p:cTn id="8" presetID="10" presetClass="entr" presetSubtype="0" fill="hold" nodeType="withEffect">
+                                  <p:stCondLst>
+                                    <p:cond delay="0"/>
+                                  </p:stCondLst>
+                                  <p:childTnLst>
+                                    <p:set>
+                                      <p:cBhvr>
+                                        <p:cTn id="9" dur="1" fill="hold">
+                                          <p:stCondLst>
+                                            <p:cond delay="0"/>
+                                          </p:stCondLst>
+                                        </p:cTn>
+                                        <p:tgtEl>
+                                          <p:spTgt spid="3">
+                                            <p:txEl>
+                                              <p:pRg st="6" end="6"/>
+                                            </p:txEl>
+                                          </p:spTgt>
+                                        </p:tgtEl>
+                                        <p:attrNameLst>
+                                          <p:attrName>style.visibility</p:attrName>
+                                        </p:attrNameLst>
+                                      </p:cBhvr>
+                                      <p:to>
+                                        <p:strVal val="visible"/>
+                                      </p:to>
+                                    </p:set>
+                                    <p:animEffect transition="in" filter="fade">
+                                      <p:cBhvr>
+                                        <p:cTn id="10" dur="500"/>
+                                        <p:tgtEl>
+                                          <p:spTgt spid="3">
+                                            <p:txEl>
+                                              <p:pRg st="6" end="6"/>
+                                            </p:txEl>
+                                          </p:spTgt>
+                                        </p:tgtEl>
+                                      </p:cBhvr>
+                                    </p:animEffect>
+                                  </p:childTnLst>
+                                </p:cTn>
+                              </p:par>
+                              <p:par>
+                                <p:cTn id="11" presetID="10" presetClass="entr" presetSubtype="0" fill="hold" nodeType="withEffect">
+                                  <p:stCondLst>
+                                    <p:cond delay="0"/>
+                                  </p:stCondLst>
+                                  <p:childTnLst>
+                                    <p:set>
+                                      <p:cBhvr>
+                                        <p:cTn id="12" dur="1" fill="hold">
+                                          <p:stCondLst>
+                                            <p:cond delay="0"/>
+                                          </p:stCondLst>
+                                        </p:cTn>
+                                        <p:tgtEl>
+                                          <p:spTgt spid="3">
+                                            <p:txEl>
+                                              <p:pRg st="7" end="7"/>
+                                            </p:txEl>
+                                          </p:spTgt>
+                                        </p:tgtEl>
+                                        <p:attrNameLst>
+                                          <p:attrName>style.visibility</p:attrName>
+                                        </p:attrNameLst>
+                                      </p:cBhvr>
+                                      <p:to>
+                                        <p:strVal val="visible"/>
+                                      </p:to>
+                                    </p:set>
+                                    <p:animEffect transition="in" filter="fade">
+                                      <p:cBhvr>
+                                        <p:cTn id="13" dur="500"/>
+                                        <p:tgtEl>
+                                          <p:spTgt spid="3">
+                                            <p:txEl>
+                                              <p:pRg st="7" end="7"/>
+                                            </p:txEl>
+                                          </p:spTgt>
+                                        </p:tgtEl>
+                                      </p:cBhvr>
+                                    </p:animEffect>
+                                  </p:childTnLst>
+                                </p:cTn>
+                              </p:par>
+                            </p:childTnLst>
+                          </p:cTn>
+                        </p:par>
+                      </p:childTnLst>
+                    </p:cTn>
+                  </p:par>
+                </p:childTnLst>
+              </p:cTn>
+              <p:prevCondLst>
+                <p:cond evt="onPrev" delay="0">
+                  <p:tgtEl>
+                    <p:sldTgt/>
+                  </p:tgtEl>
+                </p:cond>
+              </p:prevCondLst>
+              <p:nextCondLst>
+                <p:cond evt="onNext" delay="0">
+                  <p:tgtEl>
+                    <p:sldTgt/>
+                  </p:tgtEl>
+                </p:cond>
+              </p:nextCondLst>
+            </p:seq>
+          </p:childTnLst>
+        </p:cTn>
+      </p:par>
+    </p:tnLst>
+  </p:timing>
+</p:sld>
+</file>
+
+<file path=ppt/slides/slide12.xml><?xml version="1.0" encoding="utf-8"?>
+<p:sld xmlns:a="http://schemas.openxmlformats.org/drawingml/2006/main" xmlns:r="http://schemas.openxmlformats.org/officeDocument/2006/relationships" xmlns:p="http://schemas.openxmlformats.org/presentationml/2006/main">
+  <p:cSld>
+    <p:spTree>
+      <p:nvGrpSpPr>
+        <p:cNvPr id="1" name=""/>
+        <p:cNvGrpSpPr/>
+        <p:nvPr/>
+      </p:nvGrpSpPr>
+      <p:grpSpPr>
+        <a:xfrm>
+          <a:off x="0" y="0"/>
+          <a:ext cx="0" cy="0"/>
+          <a:chOff x="0" y="0"/>
+          <a:chExt cx="0" cy="0"/>
+        </a:xfrm>
+      </p:grpSpPr>
+      <p:sp>
+        <p:nvSpPr>
+          <p:cNvPr id="3" name="コンテンツ プレースホルダー 2"/>
+          <p:cNvSpPr>
+            <a:spLocks noGrp="1"/>
+          </p:cNvSpPr>
+          <p:nvPr>
+            <p:ph idx="1"/>
+          </p:nvPr>
+        </p:nvSpPr>
+        <p:spPr>
+          <a:xfrm>
+            <a:off x="838200" y="1289956"/>
+            <a:ext cx="10515600" cy="5355773"/>
+          </a:xfrm>
+        </p:spPr>
+        <p:txBody>
+          <a:bodyPr>
+            <a:normAutofit/>
+          </a:bodyPr>
+          <a:lstStyle/>
+          <a:p>
+            <a:pPr marL="514350" indent="-514350">
+              <a:buFont typeface="+mj-lt"/>
+              <a:buAutoNum type="alphaUcParenR" startAt="2"/>
+            </a:pPr>
+            <a:r>
+              <a:rPr lang="ja-JP" altLang="en-US" sz="3600" dirty="0">
+                <a:effectLst>
+                  <a:outerShdw blurRad="38100" dist="38100" dir="2700000" algn="tl">
+                    <a:srgbClr val="000000">
+                      <a:alpha val="43137"/>
+                    </a:srgbClr>
+                  </a:outerShdw>
+                </a:effectLst>
+              </a:rPr>
+              <a:t>問題点</a:t>
+            </a:r>
+            <a:r>
+              <a:rPr lang="ja-JP" altLang="en-US" sz="3600" dirty="0" smtClean="0">
+                <a:effectLst>
+                  <a:outerShdw blurRad="38100" dist="38100" dir="2700000" algn="tl">
+                    <a:srgbClr val="000000">
+                      <a:alpha val="43137"/>
+                    </a:srgbClr>
+                  </a:outerShdw>
+                </a:effectLst>
+              </a:rPr>
+              <a:t>を</a:t>
+            </a:r>
+            <a:r>
+              <a:rPr lang="ja-JP" altLang="en-US" sz="3600" dirty="0">
+                <a:effectLst>
+                  <a:outerShdw blurRad="38100" dist="38100" dir="2700000" algn="tl">
+                    <a:srgbClr val="000000">
+                      <a:alpha val="43137"/>
+                    </a:srgbClr>
+                  </a:outerShdw>
+                </a:effectLst>
+              </a:rPr>
+              <a:t>抽出</a:t>
+            </a:r>
+            <a:endParaRPr kumimoji="1" lang="en-US" altLang="ja-JP" sz="3600" dirty="0" smtClean="0">
+              <a:effectLst>
+                <a:outerShdw blurRad="38100" dist="38100" dir="2700000" algn="tl">
+                  <a:srgbClr val="000000">
+                    <a:alpha val="43137"/>
+                  </a:srgbClr>
+                </a:outerShdw>
+              </a:effectLst>
+            </a:endParaRPr>
+          </a:p>
+          <a:p>
+            <a:pPr marL="0" indent="0">
+              <a:buNone/>
+            </a:pPr>
+            <a:r>
+              <a:rPr lang="ja-JP" altLang="en-US" dirty="0" smtClean="0"/>
+              <a:t>　</a:t>
+            </a:r>
+            <a:r>
+              <a:rPr lang="ja-JP" altLang="en-US" sz="2400" u="sng" dirty="0" smtClean="0"/>
+              <a:t>対象：無限大キャンパス トップ画面</a:t>
+            </a:r>
+            <a:endParaRPr lang="en-US" altLang="ja-JP" sz="2400" u="sng" dirty="0" smtClean="0"/>
+          </a:p>
+          <a:p>
+            <a:pPr marL="0" indent="0">
+              <a:buNone/>
+            </a:pPr>
+            <a:r>
+              <a:rPr lang="ja-JP" altLang="en-US" dirty="0"/>
+              <a:t>　</a:t>
+            </a:r>
+            <a:r>
+              <a:rPr lang="ja-JP" altLang="en-US" dirty="0" smtClean="0"/>
+              <a:t>インタビュー結果を参考に、操作性や機能性の観点からトップ画面でのデザインにおける問題点を抽出した。</a:t>
+            </a:r>
+            <a:endParaRPr lang="en-US" altLang="ja-JP" dirty="0" smtClean="0"/>
+          </a:p>
+          <a:p>
+            <a:pPr marL="0" indent="0">
+              <a:buNone/>
+            </a:pPr>
+            <a:endParaRPr lang="en-US" altLang="ja-JP" dirty="0"/>
+          </a:p>
+          <a:p>
+            <a:pPr marL="0" indent="0">
+              <a:buNone/>
+            </a:pPr>
+            <a:endParaRPr lang="en-US" altLang="ja-JP" dirty="0" smtClean="0"/>
+          </a:p>
+          <a:p>
+            <a:pPr marL="0" indent="0">
+              <a:buNone/>
+            </a:pPr>
+            <a:r>
+              <a:rPr lang="ja-JP" altLang="en-US" dirty="0"/>
+              <a:t>結論</a:t>
+            </a:r>
+            <a:r>
+              <a:rPr lang="ja-JP" altLang="en-US" dirty="0" smtClean="0"/>
+              <a:t>：</a:t>
+            </a:r>
+            <a:endParaRPr lang="en-US" altLang="ja-JP" dirty="0" smtClean="0"/>
+          </a:p>
+          <a:p>
+            <a:pPr marL="0" indent="0">
+              <a:buNone/>
+            </a:pPr>
+            <a:r>
+              <a:rPr lang="ja-JP" altLang="en-US" dirty="0" smtClean="0"/>
+              <a:t>使用頻度の高い項目が画面買いに存在する状態であることや、</a:t>
+            </a:r>
+            <a:endParaRPr lang="en-US" altLang="ja-JP" dirty="0" smtClean="0"/>
+          </a:p>
+          <a:p>
+            <a:pPr marL="0" indent="0">
+              <a:buNone/>
+            </a:pPr>
+            <a:r>
+              <a:rPr lang="ja-JP" altLang="en-US" dirty="0" smtClean="0"/>
+              <a:t>遷移先が重複するにも拘らず名前の違うボタンなど、</a:t>
+            </a:r>
+            <a:endParaRPr lang="en-US" altLang="ja-JP" dirty="0" smtClean="0"/>
+          </a:p>
+          <a:p>
+            <a:pPr marL="0" indent="0">
+              <a:buNone/>
+            </a:pPr>
+            <a:r>
+              <a:rPr lang="ja-JP" altLang="en-US" dirty="0"/>
+              <a:t>様々</a:t>
+            </a:r>
+            <a:r>
+              <a:rPr lang="ja-JP" altLang="en-US" dirty="0" smtClean="0"/>
+              <a:t>な</a:t>
+            </a:r>
+            <a:r>
+              <a:rPr lang="ja-JP" altLang="en-US" dirty="0"/>
+              <a:t>問題</a:t>
+            </a:r>
+            <a:r>
+              <a:rPr lang="ja-JP" altLang="en-US" dirty="0" smtClean="0"/>
+              <a:t>が</a:t>
+            </a:r>
+            <a:r>
+              <a:rPr lang="ja-JP" altLang="en-US" dirty="0"/>
+              <a:t>発見</a:t>
+            </a:r>
+            <a:r>
+              <a:rPr lang="ja-JP" altLang="en-US" dirty="0" smtClean="0"/>
+              <a:t>できた</a:t>
+            </a:r>
+            <a:r>
+              <a:rPr lang="ja-JP" altLang="en-US" dirty="0"/>
+              <a:t>。</a:t>
+            </a:r>
+            <a:endParaRPr lang="en-US" altLang="ja-JP" dirty="0" smtClean="0"/>
+          </a:p>
+        </p:txBody>
+      </p:sp>
+      <p:sp>
+        <p:nvSpPr>
+          <p:cNvPr id="4" name="タイトル 1"/>
+          <p:cNvSpPr txBox="1">
+            <a:spLocks/>
+          </p:cNvSpPr>
+          <p:nvPr/>
+        </p:nvSpPr>
+        <p:spPr>
+          <a:xfrm>
+            <a:off x="838200" y="365126"/>
+            <a:ext cx="10515600" cy="761546"/>
+          </a:xfrm>
+          <a:prstGeom prst="rect">
+            <a:avLst/>
+          </a:prstGeom>
+        </p:spPr>
+        <p:txBody>
+          <a:bodyPr vert="horz" lIns="91440" tIns="45720" rIns="91440" bIns="45720" rtlCol="0" anchor="ctr">
+            <a:normAutofit/>
+          </a:bodyPr>
+          <a:lstStyle>
+            <a:lvl1pPr algn="l" defTabSz="914400" rtl="0" eaLnBrk="1" latinLnBrk="0" hangingPunct="1">
+              <a:lnSpc>
+                <a:spcPct val="90000"/>
+              </a:lnSpc>
+              <a:spcBef>
+                <a:spcPct val="0"/>
+              </a:spcBef>
+              <a:buNone/>
+              <a:defRPr kumimoji="1" sz="4400" kern="1200">
+                <a:solidFill>
+                  <a:schemeClr val="tx1"/>
+                </a:solidFill>
+                <a:latin typeface="+mj-lt"/>
+                <a:ea typeface="+mj-ea"/>
+                <a:cs typeface="+mj-cs"/>
+              </a:defRPr>
+            </a:lvl1pPr>
+          </a:lstStyle>
+          <a:p>
+            <a:r>
+              <a:rPr lang="ja-JP" altLang="en-US" dirty="0">
+                <a:latin typeface="HG丸ｺﾞｼｯｸM-PRO" panose="020F0600000000000000" pitchFamily="50" charset="-128"/>
+                <a:ea typeface="HG丸ｺﾞｼｯｸM-PRO" panose="020F0600000000000000" pitchFamily="50" charset="-128"/>
+              </a:rPr>
+              <a:t>デザイン</a:t>
+            </a:r>
+            <a:r>
+              <a:rPr lang="ja-JP" altLang="en-US" dirty="0" smtClean="0">
+                <a:latin typeface="HG丸ｺﾞｼｯｸM-PRO" panose="020F0600000000000000" pitchFamily="50" charset="-128"/>
+                <a:ea typeface="HG丸ｺﾞｼｯｸM-PRO" panose="020F0600000000000000" pitchFamily="50" charset="-128"/>
+              </a:rPr>
+              <a:t>調査</a:t>
+            </a:r>
+            <a:endParaRPr lang="ja-JP" altLang="en-US" dirty="0">
+              <a:latin typeface="HG丸ｺﾞｼｯｸM-PRO" panose="020F0600000000000000" pitchFamily="50" charset="-128"/>
+              <a:ea typeface="HG丸ｺﾞｼｯｸM-PRO" panose="020F0600000000000000" pitchFamily="50" charset="-128"/>
+            </a:endParaRPr>
+          </a:p>
+        </p:txBody>
+      </p:sp>
+      <p:cxnSp>
+        <p:nvCxnSpPr>
+          <p:cNvPr id="6" name="直線コネクタ 5"/>
+          <p:cNvCxnSpPr/>
+          <p:nvPr/>
+        </p:nvCxnSpPr>
+        <p:spPr>
+          <a:xfrm>
+            <a:off x="838200" y="1126672"/>
+            <a:ext cx="10515600" cy="0"/>
+          </a:xfrm>
+          <a:prstGeom prst="line">
+            <a:avLst/>
+          </a:prstGeom>
+          <a:ln w="76200"/>
+        </p:spPr>
+        <p:style>
+          <a:lnRef idx="1">
+            <a:schemeClr val="accent1"/>
+          </a:lnRef>
+          <a:fillRef idx="0">
+            <a:schemeClr val="accent1"/>
+          </a:fillRef>
+          <a:effectRef idx="0">
+            <a:schemeClr val="accent1"/>
+          </a:effectRef>
+          <a:fontRef idx="minor">
+            <a:schemeClr val="tx1"/>
+          </a:fontRef>
+        </p:style>
+      </p:cxnSp>
+    </p:spTree>
+    <p:extLst>
+      <p:ext uri="{BB962C8B-B14F-4D97-AF65-F5344CB8AC3E}">
+        <p14:creationId xmlns:p14="http://schemas.microsoft.com/office/powerpoint/2010/main" val="3548809219"/>
+      </p:ext>
+    </p:extLst>
+  </p:cSld>
+  <p:clrMapOvr>
+    <a:masterClrMapping/>
+  </p:clrMapOvr>
+  <p:timing>
+    <p:tnLst>
+      <p:par>
+        <p:cTn id="1" dur="indefinite" restart="never" nodeType="tmRoot">
+          <p:childTnLst>
+            <p:seq concurrent="1" nextAc="seek">
+              <p:cTn id="2" dur="indefinite" nodeType="mainSeq">
+                <p:childTnLst>
+                  <p:par>
+                    <p:cTn id="3" fill="hold">
+                      <p:stCondLst>
+                        <p:cond delay="indefinite"/>
+                      </p:stCondLst>
+                      <p:childTnLst>
+                        <p:par>
+                          <p:cTn id="4" fill="hold">
+                            <p:stCondLst>
+                              <p:cond delay="0"/>
+                            </p:stCondLst>
+                            <p:childTnLst>
+                              <p:par>
+                                <p:cTn id="5" presetID="10" presetClass="entr" presetSubtype="0" fill="hold" nodeType="clickEffect">
+                                  <p:stCondLst>
+                                    <p:cond delay="0"/>
+                                  </p:stCondLst>
+                                  <p:childTnLst>
+                                    <p:set>
+                                      <p:cBhvr>
+                                        <p:cTn id="6" dur="1" fill="hold">
+                                          <p:stCondLst>
+                                            <p:cond delay="0"/>
+                                          </p:stCondLst>
+                                        </p:cTn>
+                                        <p:tgtEl>
+                                          <p:spTgt spid="3">
+                                            <p:txEl>
+                                              <p:pRg st="5" end="5"/>
+                                            </p:txEl>
+                                          </p:spTgt>
+                                        </p:tgtEl>
+                                        <p:attrNameLst>
+                                          <p:attrName>style.visibility</p:attrName>
+                                        </p:attrNameLst>
+                                      </p:cBhvr>
+                                      <p:to>
+                                        <p:strVal val="visible"/>
+                                      </p:to>
+                                    </p:set>
+                                    <p:animEffect transition="in" filter="fade">
+                                      <p:cBhvr>
+                                        <p:cTn id="7" dur="500"/>
+                                        <p:tgtEl>
+                                          <p:spTgt spid="3">
+                                            <p:txEl>
+                                              <p:pRg st="5" end="5"/>
+                                            </p:txEl>
+                                          </p:spTgt>
+                                        </p:tgtEl>
+                                      </p:cBhvr>
+                                    </p:animEffect>
+                                  </p:childTnLst>
+                                </p:cTn>
+                              </p:par>
+                              <p:par>
+                                <p:cTn id="8" presetID="10" presetClass="entr" presetSubtype="0" fill="hold" nodeType="withEffect">
+                                  <p:stCondLst>
+                                    <p:cond delay="0"/>
+                                  </p:stCondLst>
+                                  <p:childTnLst>
+                                    <p:set>
+                                      <p:cBhvr>
+                                        <p:cTn id="9" dur="1" fill="hold">
+                                          <p:stCondLst>
+                                            <p:cond delay="0"/>
+                                          </p:stCondLst>
+                                        </p:cTn>
+                                        <p:tgtEl>
+                                          <p:spTgt spid="3">
+                                            <p:txEl>
+                                              <p:pRg st="6" end="6"/>
+                                            </p:txEl>
+                                          </p:spTgt>
+                                        </p:tgtEl>
+                                        <p:attrNameLst>
+                                          <p:attrName>style.visibility</p:attrName>
+                                        </p:attrNameLst>
+                                      </p:cBhvr>
+                                      <p:to>
+                                        <p:strVal val="visible"/>
+                                      </p:to>
+                                    </p:set>
+                                    <p:animEffect transition="in" filter="fade">
+                                      <p:cBhvr>
+                                        <p:cTn id="10" dur="500"/>
+                                        <p:tgtEl>
+                                          <p:spTgt spid="3">
+                                            <p:txEl>
+                                              <p:pRg st="6" end="6"/>
+                                            </p:txEl>
+                                          </p:spTgt>
+                                        </p:tgtEl>
+                                      </p:cBhvr>
+                                    </p:animEffect>
+                                  </p:childTnLst>
+                                </p:cTn>
+                              </p:par>
+                              <p:par>
+                                <p:cTn id="11" presetID="10" presetClass="entr" presetSubtype="0" fill="hold" nodeType="withEffect">
+                                  <p:stCondLst>
+                                    <p:cond delay="0"/>
+                                  </p:stCondLst>
+                                  <p:childTnLst>
+                                    <p:set>
+                                      <p:cBhvr>
+                                        <p:cTn id="12" dur="1" fill="hold">
+                                          <p:stCondLst>
+                                            <p:cond delay="0"/>
+                                          </p:stCondLst>
+                                        </p:cTn>
+                                        <p:tgtEl>
+                                          <p:spTgt spid="3">
+                                            <p:txEl>
+                                              <p:pRg st="7" end="7"/>
+                                            </p:txEl>
+                                          </p:spTgt>
+                                        </p:tgtEl>
+                                        <p:attrNameLst>
+                                          <p:attrName>style.visibility</p:attrName>
+                                        </p:attrNameLst>
+                                      </p:cBhvr>
+                                      <p:to>
+                                        <p:strVal val="visible"/>
+                                      </p:to>
+                                    </p:set>
+                                    <p:animEffect transition="in" filter="fade">
+                                      <p:cBhvr>
+                                        <p:cTn id="13" dur="500"/>
+                                        <p:tgtEl>
+                                          <p:spTgt spid="3">
+                                            <p:txEl>
+                                              <p:pRg st="7" end="7"/>
+                                            </p:txEl>
+                                          </p:spTgt>
+                                        </p:tgtEl>
+                                      </p:cBhvr>
+                                    </p:animEffect>
+                                  </p:childTnLst>
+                                </p:cTn>
+                              </p:par>
+                              <p:par>
+                                <p:cTn id="14" presetID="10" presetClass="entr" presetSubtype="0" fill="hold" nodeType="withEffect">
+                                  <p:stCondLst>
+                                    <p:cond delay="0"/>
+                                  </p:stCondLst>
+                                  <p:childTnLst>
+                                    <p:set>
+                                      <p:cBhvr>
+                                        <p:cTn id="15" dur="1" fill="hold">
+                                          <p:stCondLst>
+                                            <p:cond delay="0"/>
+                                          </p:stCondLst>
+                                        </p:cTn>
+                                        <p:tgtEl>
+                                          <p:spTgt spid="3">
+                                            <p:txEl>
+                                              <p:pRg st="8" end="8"/>
+                                            </p:txEl>
+                                          </p:spTgt>
+                                        </p:tgtEl>
+                                        <p:attrNameLst>
+                                          <p:attrName>style.visibility</p:attrName>
+                                        </p:attrNameLst>
+                                      </p:cBhvr>
+                                      <p:to>
+                                        <p:strVal val="visible"/>
+                                      </p:to>
+                                    </p:set>
+                                    <p:animEffect transition="in" filter="fade">
+                                      <p:cBhvr>
+                                        <p:cTn id="16" dur="500"/>
+                                        <p:tgtEl>
+                                          <p:spTgt spid="3">
+                                            <p:txEl>
+                                              <p:pRg st="8" end="8"/>
+                                            </p:txEl>
+                                          </p:spTgt>
+                                        </p:tgtEl>
+                                      </p:cBhvr>
+                                    </p:animEffect>
+                                  </p:childTnLst>
+                                </p:cTn>
+                              </p:par>
+                            </p:childTnLst>
+                          </p:cTn>
+                        </p:par>
+                      </p:childTnLst>
+                    </p:cTn>
+                  </p:par>
+                </p:childTnLst>
+              </p:cTn>
+              <p:prevCondLst>
+                <p:cond evt="onPrev" delay="0">
+                  <p:tgtEl>
+                    <p:sldTgt/>
+                  </p:tgtEl>
+                </p:cond>
+              </p:prevCondLst>
+              <p:nextCondLst>
+                <p:cond evt="onNext" delay="0">
+                  <p:tgtEl>
+                    <p:sldTgt/>
+                  </p:tgtEl>
+                </p:cond>
+              </p:nextCondLst>
+            </p:seq>
+          </p:childTnLst>
+        </p:cTn>
+      </p:par>
+    </p:tnLst>
+  </p:timing>
+</p:sld>
+</file>
+
+<file path=ppt/slides/slide13.xml><?xml version="1.0" encoding="utf-8"?>
 <p:sld xmlns:a="http://schemas.openxmlformats.org/drawingml/2006/main" xmlns:r="http://schemas.openxmlformats.org/officeDocument/2006/relationships" xmlns:p="http://schemas.openxmlformats.org/presentationml/2006/main">
   <p:cSld>
     <p:spTree>
@@ -3617,10 +4729,101 @@
   <p:clrMapOvr>
     <a:masterClrMapping/>
   </p:clrMapOvr>
+  <p:timing>
+    <p:tnLst>
+      <p:par>
+        <p:cTn id="1" dur="indefinite" restart="never" nodeType="tmRoot">
+          <p:childTnLst>
+            <p:seq concurrent="1" nextAc="seek">
+              <p:cTn id="2" dur="indefinite" nodeType="mainSeq">
+                <p:childTnLst>
+                  <p:par>
+                    <p:cTn id="3" fill="hold">
+                      <p:stCondLst>
+                        <p:cond delay="indefinite"/>
+                      </p:stCondLst>
+                      <p:childTnLst>
+                        <p:par>
+                          <p:cTn id="4" fill="hold">
+                            <p:stCondLst>
+                              <p:cond delay="0"/>
+                            </p:stCondLst>
+                            <p:childTnLst>
+                              <p:par>
+                                <p:cTn id="5" presetID="10" presetClass="entr" presetSubtype="0" fill="hold" nodeType="clickEffect">
+                                  <p:stCondLst>
+                                    <p:cond delay="0"/>
+                                  </p:stCondLst>
+                                  <p:childTnLst>
+                                    <p:set>
+                                      <p:cBhvr>
+                                        <p:cTn id="6" dur="1" fill="hold">
+                                          <p:stCondLst>
+                                            <p:cond delay="0"/>
+                                          </p:stCondLst>
+                                        </p:cTn>
+                                        <p:tgtEl>
+                                          <p:spTgt spid="3">
+                                            <p:txEl>
+                                              <p:pRg st="5" end="5"/>
+                                            </p:txEl>
+                                          </p:spTgt>
+                                        </p:tgtEl>
+                                        <p:attrNameLst>
+                                          <p:attrName>style.visibility</p:attrName>
+                                        </p:attrNameLst>
+                                      </p:cBhvr>
+                                      <p:to>
+                                        <p:strVal val="visible"/>
+                                      </p:to>
+                                    </p:set>
+                                    <p:animEffect transition="in" filter="fade">
+                                      <p:cBhvr>
+                                        <p:cTn id="7" dur="500"/>
+                                        <p:tgtEl>
+                                          <p:spTgt spid="3">
+                                            <p:txEl>
+                                              <p:pRg st="5" end="5"/>
+                                            </p:txEl>
+                                          </p:spTgt>
+                                        </p:tgtEl>
+                                      </p:cBhvr>
+                                    </p:animEffect>
+                                  </p:childTnLst>
+                                </p:cTn>
+                              </p:par>
+                            </p:childTnLst>
+                          </p:cTn>
+                        </p:par>
+                      </p:childTnLst>
+                    </p:cTn>
+                  </p:par>
+                </p:childTnLst>
+              </p:cTn>
+              <p:prevCondLst>
+                <p:cond evt="onPrev" delay="0">
+                  <p:tgtEl>
+                    <p:sldTgt/>
+                  </p:tgtEl>
+                </p:cond>
+              </p:prevCondLst>
+              <p:nextCondLst>
+                <p:cond evt="onNext" delay="0">
+                  <p:tgtEl>
+                    <p:sldTgt/>
+                  </p:tgtEl>
+                </p:cond>
+              </p:nextCondLst>
+            </p:seq>
+          </p:childTnLst>
+        </p:cTn>
+      </p:par>
+    </p:tnLst>
+  </p:timing>
 </p:sld>
 </file>
 
-<file path=ppt/slides/slide11.xml><?xml version="1.0" encoding="utf-8"?>
+<file path=ppt/slides/slide14.xml><?xml version="1.0" encoding="utf-8"?>
 <p:sld xmlns:a="http://schemas.openxmlformats.org/drawingml/2006/main" xmlns:r="http://schemas.openxmlformats.org/officeDocument/2006/relationships" xmlns:p="http://schemas.openxmlformats.org/presentationml/2006/main">
   <p:cSld>
     <p:spTree>
@@ -3689,10 +4892,17 @@
   <p:clrMapOvr>
     <a:masterClrMapping/>
   </p:clrMapOvr>
+  <p:timing>
+    <p:tnLst>
+      <p:par>
+        <p:cTn id="1" dur="indefinite" restart="never" nodeType="tmRoot"/>
+      </p:par>
+    </p:tnLst>
+  </p:timing>
 </p:sld>
 </file>
 
-<file path=ppt/slides/slide12.xml><?xml version="1.0" encoding="utf-8"?>
+<file path=ppt/slides/slide15.xml><?xml version="1.0" encoding="utf-8"?>
 <p:sld xmlns:a="http://schemas.openxmlformats.org/drawingml/2006/main" xmlns:r="http://schemas.openxmlformats.org/officeDocument/2006/relationships" xmlns:p="http://schemas.openxmlformats.org/presentationml/2006/main">
   <p:cSld>
     <p:spTree>
@@ -3721,8 +4931,8 @@
         </p:nvSpPr>
         <p:spPr>
           <a:xfrm>
-            <a:off x="838200" y="1288473"/>
-            <a:ext cx="10515600" cy="4888490"/>
+            <a:off x="838200" y="1534885"/>
+            <a:ext cx="10515600" cy="4642077"/>
           </a:xfrm>
         </p:spPr>
         <p:txBody>
@@ -3845,10 +5055,6 @@
               </a:rPr>
               <a:t>改善案</a:t>
             </a:r>
-            <a:endParaRPr lang="ja-JP" altLang="en-US" dirty="0">
-              <a:latin typeface="HG丸ｺﾞｼｯｸM-PRO" panose="020F0600000000000000" pitchFamily="50" charset="-128"/>
-              <a:ea typeface="HG丸ｺﾞｼｯｸM-PRO" panose="020F0600000000000000" pitchFamily="50" charset="-128"/>
-            </a:endParaRPr>
           </a:p>
         </p:txBody>
       </p:sp>
@@ -3893,10 +5099,17 @@
   <p:clrMapOvr>
     <a:masterClrMapping/>
   </p:clrMapOvr>
+  <p:timing>
+    <p:tnLst>
+      <p:par>
+        <p:cTn id="1" dur="indefinite" restart="never" nodeType="tmRoot"/>
+      </p:par>
+    </p:tnLst>
+  </p:timing>
 </p:sld>
 </file>
 
-<file path=ppt/slides/slide13.xml><?xml version="1.0" encoding="utf-8"?>
+<file path=ppt/slides/slide16.xml><?xml version="1.0" encoding="utf-8"?>
 <p:sld xmlns:a="http://schemas.openxmlformats.org/drawingml/2006/main" xmlns:r="http://schemas.openxmlformats.org/officeDocument/2006/relationships" xmlns:p="http://schemas.openxmlformats.org/presentationml/2006/main">
   <p:cSld>
     <p:spTree>
@@ -3997,10 +5210,6 @@
               </a:rPr>
               <a:t>改善案</a:t>
             </a:r>
-            <a:endParaRPr lang="ja-JP" altLang="en-US" dirty="0">
-              <a:latin typeface="HG丸ｺﾞｼｯｸM-PRO" panose="020F0600000000000000" pitchFamily="50" charset="-128"/>
-              <a:ea typeface="HG丸ｺﾞｼｯｸM-PRO" panose="020F0600000000000000" pitchFamily="50" charset="-128"/>
-            </a:endParaRPr>
           </a:p>
         </p:txBody>
       </p:sp>
@@ -4127,7 +5336,7 @@
 </p:sld>
 </file>
 
-<file path=ppt/slides/slide14.xml><?xml version="1.0" encoding="utf-8"?>
+<file path=ppt/slides/slide17.xml><?xml version="1.0" encoding="utf-8"?>
 <p:sld xmlns:a="http://schemas.openxmlformats.org/drawingml/2006/main" xmlns:r="http://schemas.openxmlformats.org/officeDocument/2006/relationships" xmlns:p="http://schemas.openxmlformats.org/presentationml/2006/main">
   <p:cSld>
     <p:spTree>
@@ -4200,10 +5409,6 @@
               <a:rPr lang="ja-JP" altLang="en-US" sz="2000" dirty="0"/>
               <a:t>通信への配慮：表示は速いか、通信量は多くないか確認するカテゴリー</a:t>
             </a:r>
-            <a:r>
-              <a:rPr lang="ja-JP" altLang="en-US" sz="2000" dirty="0"/>
-              <a:t/>
-            </a:r>
             <a:br>
               <a:rPr lang="ja-JP" altLang="en-US" sz="2000" dirty="0"/>
             </a:br>
@@ -4215,10 +5420,6 @@
               <a:rPr lang="ja-JP" altLang="en-US" sz="2000" dirty="0"/>
               <a:t>見やすさ：文字の大きさ、表や画像の見やすさなどを評価するカテゴリー</a:t>
             </a:r>
-            <a:r>
-              <a:rPr lang="ja-JP" altLang="en-US" sz="2000" dirty="0"/>
-              <a:t/>
-            </a:r>
             <a:br>
               <a:rPr lang="ja-JP" altLang="en-US" sz="2000" dirty="0"/>
             </a:br>
@@ -4230,10 +5431,6 @@
               <a:rPr lang="ja-JP" altLang="en-US" sz="2000" dirty="0"/>
               <a:t>操作のしやすさ：タップ領域やスクロールのしやすさを評価するカテゴリー</a:t>
             </a:r>
-            <a:r>
-              <a:rPr lang="ja-JP" altLang="en-US" sz="2000" dirty="0"/>
-              <a:t/>
-            </a:r>
             <a:br>
               <a:rPr lang="ja-JP" altLang="en-US" sz="2000" dirty="0"/>
             </a:br>
@@ -4245,10 +5442,6 @@
               <a:rPr lang="ja-JP" altLang="en-US" sz="2000" dirty="0"/>
               <a:t>トップページ・ユーザビリティ：トップページのナビゲーション機能を評価するカテゴリー</a:t>
             </a:r>
-            <a:r>
-              <a:rPr lang="ja-JP" altLang="en-US" sz="2000" dirty="0"/>
-              <a:t/>
-            </a:r>
             <a:br>
               <a:rPr lang="ja-JP" altLang="en-US" sz="2000" dirty="0"/>
             </a:br>
@@ -4260,10 +5453,6 @@
               <a:rPr lang="ja-JP" altLang="en-US" sz="2000" dirty="0"/>
               <a:t>サイト・ユーザビリティ：サイト内を巡るときのサポート機能を評価するカテゴリー</a:t>
             </a:r>
-            <a:r>
-              <a:rPr lang="ja-JP" altLang="en-US" sz="2000" dirty="0"/>
-              <a:t/>
-            </a:r>
             <a:br>
               <a:rPr lang="ja-JP" altLang="en-US" sz="2000" dirty="0"/>
             </a:br>
@@ -4275,10 +5464,6 @@
               <a:rPr lang="ja-JP" altLang="en-US" sz="2000" dirty="0"/>
               <a:t>メインコンテンツへのアクセス：主要コンテンツの有無とアクセスのしやすさを評価するカテゴリー</a:t>
             </a:r>
-            <a:r>
-              <a:rPr lang="ja-JP" altLang="en-US" sz="2000" dirty="0"/>
-              <a:t/>
-            </a:r>
             <a:br>
               <a:rPr lang="ja-JP" altLang="en-US" sz="2000" dirty="0"/>
             </a:br>
@@ -4289,10 +5474,6 @@
             <a:r>
               <a:rPr lang="ja-JP" altLang="en-US" sz="2000" dirty="0"/>
               <a:t>サイト内検索：検索の精度を評価するカテゴリー</a:t>
-            </a:r>
-            <a:r>
-              <a:rPr lang="ja-JP" altLang="en-US" sz="2000" dirty="0"/>
-              <a:t/>
             </a:r>
             <a:br>
               <a:rPr lang="ja-JP" altLang="en-US" sz="2000" dirty="0"/>
@@ -4413,10 +5594,6 @@
               </a:rPr>
               <a:t>改善案</a:t>
             </a:r>
-            <a:endParaRPr lang="ja-JP" altLang="en-US" dirty="0">
-              <a:latin typeface="HG丸ｺﾞｼｯｸM-PRO" panose="020F0600000000000000" pitchFamily="50" charset="-128"/>
-              <a:ea typeface="HG丸ｺﾞｼｯｸM-PRO" panose="020F0600000000000000" pitchFamily="50" charset="-128"/>
-            </a:endParaRPr>
           </a:p>
         </p:txBody>
       </p:sp>
@@ -4464,7 +5641,7 @@
 </p:sld>
 </file>
 
-<file path=ppt/slides/slide15.xml><?xml version="1.0" encoding="utf-8"?>
+<file path=ppt/slides/slide18.xml><?xml version="1.0" encoding="utf-8"?>
 <p:sld xmlns:a="http://schemas.openxmlformats.org/drawingml/2006/main" xmlns:r="http://schemas.openxmlformats.org/officeDocument/2006/relationships" xmlns:p="http://schemas.openxmlformats.org/presentationml/2006/main">
   <p:cSld>
     <p:spTree>
@@ -4497,8 +5674,12 @@
           <a:lstStyle/>
           <a:p>
             <a:r>
+              <a:rPr lang="ja-JP" altLang="en-US" dirty="0"/>
+              <a:t>アンケート</a:t>
+            </a:r>
+            <a:r>
               <a:rPr kumimoji="1" lang="ja-JP" altLang="en-US" dirty="0" smtClean="0"/>
-              <a:t>研究結果</a:t>
+              <a:t>結果</a:t>
             </a:r>
             <a:endParaRPr kumimoji="1" lang="ja-JP" altLang="en-US" dirty="0"/>
           </a:p>
@@ -4536,7 +5717,7 @@
 </p:sld>
 </file>
 
-<file path=ppt/slides/slide16.xml><?xml version="1.0" encoding="utf-8"?>
+<file path=ppt/slides/slide19.xml><?xml version="1.0" encoding="utf-8"?>
 <p:sld xmlns:a="http://schemas.openxmlformats.org/drawingml/2006/main" xmlns:r="http://schemas.openxmlformats.org/officeDocument/2006/relationships" xmlns:p="http://schemas.openxmlformats.org/presentationml/2006/main">
   <p:cSld>
     <p:spTree>
@@ -4579,11 +5760,7 @@
             </a:r>
             <a:r>
               <a:rPr lang="ja-JP" altLang="en-US" dirty="0" smtClean="0"/>
-              <a:t>に作った模擬サイトを用いてアンケートを</a:t>
-            </a:r>
-            <a:r>
-              <a:rPr lang="ja-JP" altLang="en-US" dirty="0" smtClean="0"/>
-              <a:t>採る</a:t>
+              <a:t>に作った模擬サイトを用いてアンケートを採る</a:t>
             </a:r>
             <a:endParaRPr lang="en-US" altLang="ja-JP" dirty="0" smtClean="0"/>
           </a:p>
@@ -4641,11 +5818,18 @@
           </a:lstStyle>
           <a:p>
             <a:r>
+              <a:rPr lang="ja-JP" altLang="en-US" dirty="0">
+                <a:latin typeface="HG丸ｺﾞｼｯｸM-PRO" panose="020F0600000000000000" pitchFamily="50" charset="-128"/>
+                <a:ea typeface="HG丸ｺﾞｼｯｸM-PRO" panose="020F0600000000000000" pitchFamily="50" charset="-128"/>
+              </a:rPr>
+              <a:t>アンケート</a:t>
+            </a:r>
+            <a:r>
               <a:rPr lang="ja-JP" altLang="en-US" dirty="0" smtClean="0">
                 <a:latin typeface="HG丸ｺﾞｼｯｸM-PRO" panose="020F0600000000000000" pitchFamily="50" charset="-128"/>
                 <a:ea typeface="HG丸ｺﾞｼｯｸM-PRO" panose="020F0600000000000000" pitchFamily="50" charset="-128"/>
               </a:rPr>
-              <a:t>研究結果</a:t>
+              <a:t>結果</a:t>
             </a:r>
             <a:endParaRPr lang="ja-JP" altLang="en-US" dirty="0">
               <a:latin typeface="HG丸ｺﾞｼｯｸM-PRO" panose="020F0600000000000000" pitchFamily="50" charset="-128"/>
@@ -4821,7 +6005,7 @@
 </p:sld>
 </file>
 
-<file path=ppt/slides/slide17.xml><?xml version="1.0" encoding="utf-8"?>
+<file path=ppt/slides/slide2.xml><?xml version="1.0" encoding="utf-8"?>
 <p:sld xmlns:a="http://schemas.openxmlformats.org/drawingml/2006/main" xmlns:r="http://schemas.openxmlformats.org/officeDocument/2006/relationships" xmlns:p="http://schemas.openxmlformats.org/presentationml/2006/main">
   <p:cSld>
     <p:spTree>
@@ -4840,12 +6024,12 @@
       </p:grpSpPr>
       <p:sp>
         <p:nvSpPr>
-          <p:cNvPr id="4" name="タイトル 3"/>
-          <p:cNvSpPr>
-            <a:spLocks noGrp="1"/>
-          </p:cNvSpPr>
-          <p:nvPr>
-            <p:ph type="ctrTitle"/>
+          <p:cNvPr id="2" name="タイトル 1"/>
+          <p:cNvSpPr>
+            <a:spLocks noGrp="1"/>
+          </p:cNvSpPr>
+          <p:nvPr>
+            <p:ph type="title"/>
           </p:nvPr>
         </p:nvSpPr>
         <p:spPr/>
@@ -4855,7 +6039,7 @@
           <a:p>
             <a:r>
               <a:rPr kumimoji="1" lang="ja-JP" altLang="en-US" dirty="0" smtClean="0"/>
-              <a:t>考察</a:t>
+              <a:t>目次</a:t>
             </a:r>
             <a:endParaRPr kumimoji="1" lang="ja-JP" altLang="en-US" dirty="0"/>
           </a:p>
@@ -4863,12 +6047,12 @@
       </p:sp>
       <p:sp>
         <p:nvSpPr>
-          <p:cNvPr id="5" name="サブタイトル 4"/>
-          <p:cNvSpPr>
-            <a:spLocks noGrp="1"/>
-          </p:cNvSpPr>
-          <p:nvPr>
-            <p:ph type="subTitle" idx="1"/>
+          <p:cNvPr id="3" name="コンテンツ プレースホルダー 2"/>
+          <p:cNvSpPr>
+            <a:spLocks noGrp="1"/>
+          </p:cNvSpPr>
+          <p:nvPr>
+            <p:ph idx="1"/>
           </p:nvPr>
         </p:nvSpPr>
         <p:spPr/>
@@ -4876,14 +6060,99 @@
           <a:bodyPr/>
           <a:lstStyle/>
           <a:p>
-            <a:endParaRPr kumimoji="1" lang="ja-JP" altLang="en-US"/>
+            <a:pPr marL="514350" indent="-514350">
+              <a:buFont typeface="+mj-lt"/>
+              <a:buAutoNum type="arabicPeriod"/>
+            </a:pPr>
+            <a:r>
+              <a:rPr kumimoji="1" lang="ja-JP" altLang="en-US" dirty="0" smtClean="0"/>
+              <a:t>チーム紹介</a:t>
+            </a:r>
+            <a:endParaRPr kumimoji="1" lang="en-US" altLang="ja-JP" dirty="0" smtClean="0"/>
+          </a:p>
+          <a:p>
+            <a:pPr marL="514350" indent="-514350">
+              <a:buFont typeface="+mj-lt"/>
+              <a:buAutoNum type="arabicPeriod"/>
+            </a:pPr>
+            <a:r>
+              <a:rPr lang="ja-JP" altLang="en-US" dirty="0" smtClean="0"/>
+              <a:t>序論</a:t>
+            </a:r>
+            <a:endParaRPr lang="en-US" altLang="ja-JP" dirty="0" smtClean="0"/>
+          </a:p>
+          <a:p>
+            <a:pPr marL="514350" indent="-514350">
+              <a:buFont typeface="+mj-lt"/>
+              <a:buAutoNum type="arabicPeriod"/>
+            </a:pPr>
+            <a:r>
+              <a:rPr lang="ja-JP" altLang="en-US" dirty="0" smtClean="0"/>
+              <a:t>デザイン調査</a:t>
+            </a:r>
+            <a:r>
+              <a:rPr lang="ja-JP" altLang="en-US" dirty="0"/>
+              <a:t>結果</a:t>
+            </a:r>
+            <a:endParaRPr kumimoji="1" lang="en-US" altLang="ja-JP" dirty="0" smtClean="0"/>
+          </a:p>
+          <a:p>
+            <a:pPr marL="514350" indent="-514350">
+              <a:buFont typeface="+mj-lt"/>
+              <a:buAutoNum type="arabicPeriod"/>
+            </a:pPr>
+            <a:r>
+              <a:rPr lang="ja-JP" altLang="en-US" dirty="0"/>
+              <a:t>改善案</a:t>
+            </a:r>
+            <a:r>
+              <a:rPr lang="ja-JP" altLang="en-US" dirty="0" smtClean="0"/>
+              <a:t>の提示</a:t>
+            </a:r>
+            <a:endParaRPr lang="en-US" altLang="ja-JP" dirty="0" smtClean="0"/>
+          </a:p>
+          <a:p>
+            <a:pPr marL="514350" indent="-514350">
+              <a:buFont typeface="+mj-lt"/>
+              <a:buAutoNum type="arabicPeriod"/>
+            </a:pPr>
+            <a:r>
+              <a:rPr lang="ja-JP" altLang="en-US" dirty="0" smtClean="0"/>
+              <a:t>アンケート結果</a:t>
+            </a:r>
+            <a:endParaRPr lang="en-US" altLang="ja-JP" dirty="0" smtClean="0"/>
+          </a:p>
+          <a:p>
+            <a:pPr marL="514350" indent="-514350">
+              <a:buFont typeface="+mj-lt"/>
+              <a:buAutoNum type="arabicPeriod"/>
+            </a:pPr>
+            <a:r>
+              <a:rPr lang="ja-JP" altLang="en-US" dirty="0"/>
+              <a:t>考察</a:t>
+            </a:r>
+            <a:endParaRPr lang="en-US" altLang="ja-JP" dirty="0" smtClean="0"/>
+          </a:p>
+          <a:p>
+            <a:pPr marL="514350" indent="-514350">
+              <a:buFont typeface="+mj-lt"/>
+              <a:buAutoNum type="arabicPeriod"/>
+            </a:pPr>
+            <a:endParaRPr lang="en-US" altLang="ja-JP" dirty="0" smtClean="0"/>
+          </a:p>
+          <a:p>
+            <a:pPr marL="514350" indent="-514350">
+              <a:buFont typeface="+mj-lt"/>
+              <a:buAutoNum type="arabicPeriod"/>
+            </a:pPr>
+            <a:endParaRPr kumimoji="1" lang="ja-JP" altLang="en-US" dirty="0"/>
           </a:p>
         </p:txBody>
       </p:sp>
     </p:spTree>
     <p:extLst>
       <p:ext uri="{BB962C8B-B14F-4D97-AF65-F5344CB8AC3E}">
-        <p14:creationId xmlns:p14="http://schemas.microsoft.com/office/powerpoint/2010/main" val="1393214952"/>
+        <p14:creationId xmlns:p14="http://schemas.microsoft.com/office/powerpoint/2010/main" val="1005914395"/>
       </p:ext>
     </p:extLst>
   </p:cSld>
@@ -4893,7 +6162,7 @@
 </p:sld>
 </file>
 
-<file path=ppt/slides/slide18.xml><?xml version="1.0" encoding="utf-8"?>
+<file path=ppt/slides/slide20.xml><?xml version="1.0" encoding="utf-8"?>
 <p:sld xmlns:a="http://schemas.openxmlformats.org/drawingml/2006/main" xmlns:r="http://schemas.openxmlformats.org/officeDocument/2006/relationships" xmlns:p="http://schemas.openxmlformats.org/presentationml/2006/main">
   <p:cSld>
     <p:spTree>
@@ -4912,6 +6181,78 @@
       </p:grpSpPr>
       <p:sp>
         <p:nvSpPr>
+          <p:cNvPr id="4" name="タイトル 3"/>
+          <p:cNvSpPr>
+            <a:spLocks noGrp="1"/>
+          </p:cNvSpPr>
+          <p:nvPr>
+            <p:ph type="ctrTitle"/>
+          </p:nvPr>
+        </p:nvSpPr>
+        <p:spPr/>
+        <p:txBody>
+          <a:bodyPr/>
+          <a:lstStyle/>
+          <a:p>
+            <a:r>
+              <a:rPr kumimoji="1" lang="ja-JP" altLang="en-US" dirty="0" smtClean="0"/>
+              <a:t>まとめ</a:t>
+            </a:r>
+            <a:endParaRPr kumimoji="1" lang="ja-JP" altLang="en-US" dirty="0"/>
+          </a:p>
+        </p:txBody>
+      </p:sp>
+      <p:sp>
+        <p:nvSpPr>
+          <p:cNvPr id="5" name="サブタイトル 4"/>
+          <p:cNvSpPr>
+            <a:spLocks noGrp="1"/>
+          </p:cNvSpPr>
+          <p:nvPr>
+            <p:ph type="subTitle" idx="1"/>
+          </p:nvPr>
+        </p:nvSpPr>
+        <p:spPr/>
+        <p:txBody>
+          <a:bodyPr/>
+          <a:lstStyle/>
+          <a:p>
+            <a:endParaRPr kumimoji="1" lang="ja-JP" altLang="en-US"/>
+          </a:p>
+        </p:txBody>
+      </p:sp>
+    </p:spTree>
+    <p:extLst>
+      <p:ext uri="{BB962C8B-B14F-4D97-AF65-F5344CB8AC3E}">
+        <p14:creationId xmlns:p14="http://schemas.microsoft.com/office/powerpoint/2010/main" val="411069003"/>
+      </p:ext>
+    </p:extLst>
+  </p:cSld>
+  <p:clrMapOvr>
+    <a:masterClrMapping/>
+  </p:clrMapOvr>
+</p:sld>
+</file>
+
+<file path=ppt/slides/slide21.xml><?xml version="1.0" encoding="utf-8"?>
+<p:sld xmlns:a="http://schemas.openxmlformats.org/drawingml/2006/main" xmlns:r="http://schemas.openxmlformats.org/officeDocument/2006/relationships" xmlns:p="http://schemas.openxmlformats.org/presentationml/2006/main">
+  <p:cSld>
+    <p:spTree>
+      <p:nvGrpSpPr>
+        <p:cNvPr id="1" name=""/>
+        <p:cNvGrpSpPr/>
+        <p:nvPr/>
+      </p:nvGrpSpPr>
+      <p:grpSpPr>
+        <a:xfrm>
+          <a:off x="0" y="0"/>
+          <a:ext cx="0" cy="0"/>
+          <a:chOff x="0" y="0"/>
+          <a:chExt cx="0" cy="0"/>
+        </a:xfrm>
+      </p:grpSpPr>
+      <p:sp>
+        <p:nvSpPr>
           <p:cNvPr id="3" name="コンテンツ プレースホルダー 2"/>
           <p:cNvSpPr>
             <a:spLocks noGrp="1"/>
@@ -4922,8 +6263,8 @@
         </p:nvSpPr>
         <p:spPr>
           <a:xfrm>
-            <a:off x="838200" y="1288473"/>
-            <a:ext cx="10515600" cy="4888490"/>
+            <a:off x="838200" y="1521229"/>
+            <a:ext cx="10515600" cy="4655734"/>
           </a:xfrm>
         </p:spPr>
         <p:txBody>
@@ -4931,32 +6272,38 @@
           <a:lstStyle/>
           <a:p>
             <a:r>
+              <a:rPr kumimoji="1" lang="ja-JP" altLang="en-US" dirty="0" smtClean="0"/>
+              <a:t>研究結果を</a:t>
+            </a:r>
+            <a:r>
               <a:rPr lang="ja-JP" altLang="en-US" dirty="0"/>
-              <a:t>インタビュ</a:t>
+              <a:t>まとめ、研究によって生まれた新たな解釈があれば</a:t>
             </a:r>
             <a:r>
               <a:rPr lang="ja-JP" altLang="en-US" dirty="0" smtClean="0"/>
-              <a:t>ーや調査、アンケートの結果から分かったこと・考えなければならないことを考察する。</a:t>
+              <a:t>提案する。</a:t>
             </a:r>
             <a:endParaRPr lang="en-US" altLang="ja-JP" dirty="0" smtClean="0"/>
           </a:p>
           <a:p>
-            <a:endParaRPr kumimoji="1" lang="en-US" altLang="ja-JP" dirty="0"/>
-          </a:p>
-          <a:p>
+            <a:endParaRPr lang="en-US" altLang="ja-JP" dirty="0" smtClean="0"/>
+          </a:p>
+          <a:p>
+            <a:r>
+              <a:rPr lang="ja-JP" altLang="en-US" dirty="0"/>
+              <a:t>自分たちの研究に</a:t>
+            </a:r>
             <a:r>
               <a:rPr lang="ja-JP" altLang="en-US" dirty="0" smtClean="0"/>
-              <a:t>先行研究で示されていたことをポータルサイトに搭載すると、こういう知見を新たに付与することができるということを示す。</a:t>
-            </a:r>
-            <a:endParaRPr lang="en-US" altLang="ja-JP" dirty="0" smtClean="0"/>
-          </a:p>
-          <a:p>
-            <a:endParaRPr kumimoji="1" lang="en-US" altLang="ja-JP" dirty="0"/>
-          </a:p>
-          <a:p>
+              <a:t>よって明らか</a:t>
+            </a:r>
+            <a:r>
+              <a:rPr lang="ja-JP" altLang="en-US" dirty="0"/>
+              <a:t>になった</a:t>
+            </a:r>
             <a:r>
               <a:rPr lang="ja-JP" altLang="en-US" dirty="0" smtClean="0"/>
-              <a:t>今後の展望についての考察を示す。</a:t>
+              <a:t>点を示す。</a:t>
             </a:r>
             <a:endParaRPr kumimoji="1" lang="ja-JP" altLang="en-US" dirty="0"/>
           </a:p>
@@ -5004,16 +6351,252 @@
           </a:lstStyle>
           <a:p>
             <a:r>
-              <a:rPr lang="ja-JP" altLang="en-US" dirty="0">
+              <a:rPr lang="ja-JP" altLang="en-US" dirty="0" smtClean="0">
                 <a:latin typeface="HG丸ｺﾞｼｯｸM-PRO" panose="020F0600000000000000" pitchFamily="50" charset="-128"/>
                 <a:ea typeface="HG丸ｺﾞｼｯｸM-PRO" panose="020F0600000000000000" pitchFamily="50" charset="-128"/>
               </a:rPr>
-              <a:t>考察</a:t>
+              <a:t>まとめ</a:t>
             </a:r>
             <a:endParaRPr lang="ja-JP" altLang="en-US" dirty="0">
               <a:latin typeface="HG丸ｺﾞｼｯｸM-PRO" panose="020F0600000000000000" pitchFamily="50" charset="-128"/>
               <a:ea typeface="HG丸ｺﾞｼｯｸM-PRO" panose="020F0600000000000000" pitchFamily="50" charset="-128"/>
             </a:endParaRPr>
+          </a:p>
+        </p:txBody>
+      </p:sp>
+      <p:cxnSp>
+        <p:nvCxnSpPr>
+          <p:cNvPr id="5" name="直線コネクタ 4"/>
+          <p:cNvCxnSpPr/>
+          <p:nvPr/>
+        </p:nvCxnSpPr>
+        <p:spPr>
+          <a:xfrm>
+            <a:off x="838200" y="1126672"/>
+            <a:ext cx="10515600" cy="0"/>
+          </a:xfrm>
+          <a:prstGeom prst="line">
+            <a:avLst/>
+          </a:prstGeom>
+          <a:ln w="76200"/>
+        </p:spPr>
+        <p:style>
+          <a:lnRef idx="1">
+            <a:schemeClr val="accent1"/>
+          </a:lnRef>
+          <a:fillRef idx="0">
+            <a:schemeClr val="accent1"/>
+          </a:fillRef>
+          <a:effectRef idx="0">
+            <a:schemeClr val="accent1"/>
+          </a:effectRef>
+          <a:fontRef idx="minor">
+            <a:schemeClr val="tx1"/>
+          </a:fontRef>
+        </p:style>
+      </p:cxnSp>
+    </p:spTree>
+    <p:extLst>
+      <p:ext uri="{BB962C8B-B14F-4D97-AF65-F5344CB8AC3E}">
+        <p14:creationId xmlns:p14="http://schemas.microsoft.com/office/powerpoint/2010/main" val="3441117707"/>
+      </p:ext>
+    </p:extLst>
+  </p:cSld>
+  <p:clrMapOvr>
+    <a:masterClrMapping/>
+  </p:clrMapOvr>
+</p:sld>
+</file>
+
+<file path=ppt/slides/slide22.xml><?xml version="1.0" encoding="utf-8"?>
+<p:sld xmlns:a="http://schemas.openxmlformats.org/drawingml/2006/main" xmlns:r="http://schemas.openxmlformats.org/officeDocument/2006/relationships" xmlns:p="http://schemas.openxmlformats.org/presentationml/2006/main">
+  <p:cSld>
+    <p:spTree>
+      <p:nvGrpSpPr>
+        <p:cNvPr id="1" name=""/>
+        <p:cNvGrpSpPr/>
+        <p:nvPr/>
+      </p:nvGrpSpPr>
+      <p:grpSpPr>
+        <a:xfrm>
+          <a:off x="0" y="0"/>
+          <a:ext cx="0" cy="0"/>
+          <a:chOff x="0" y="0"/>
+          <a:chExt cx="0" cy="0"/>
+        </a:xfrm>
+      </p:grpSpPr>
+      <p:sp>
+        <p:nvSpPr>
+          <p:cNvPr id="4" name="タイトル 3"/>
+          <p:cNvSpPr>
+            <a:spLocks noGrp="1"/>
+          </p:cNvSpPr>
+          <p:nvPr>
+            <p:ph type="ctrTitle"/>
+          </p:nvPr>
+        </p:nvSpPr>
+        <p:spPr/>
+        <p:txBody>
+          <a:bodyPr/>
+          <a:lstStyle/>
+          <a:p>
+            <a:r>
+              <a:rPr kumimoji="1" lang="ja-JP" altLang="en-US" dirty="0" smtClean="0"/>
+              <a:t>考察</a:t>
+            </a:r>
+            <a:endParaRPr kumimoji="1" lang="ja-JP" altLang="en-US" dirty="0"/>
+          </a:p>
+        </p:txBody>
+      </p:sp>
+      <p:sp>
+        <p:nvSpPr>
+          <p:cNvPr id="5" name="サブタイトル 4"/>
+          <p:cNvSpPr>
+            <a:spLocks noGrp="1"/>
+          </p:cNvSpPr>
+          <p:nvPr>
+            <p:ph type="subTitle" idx="1"/>
+          </p:nvPr>
+        </p:nvSpPr>
+        <p:spPr/>
+        <p:txBody>
+          <a:bodyPr/>
+          <a:lstStyle/>
+          <a:p>
+            <a:endParaRPr kumimoji="1" lang="ja-JP" altLang="en-US"/>
+          </a:p>
+        </p:txBody>
+      </p:sp>
+    </p:spTree>
+    <p:extLst>
+      <p:ext uri="{BB962C8B-B14F-4D97-AF65-F5344CB8AC3E}">
+        <p14:creationId xmlns:p14="http://schemas.microsoft.com/office/powerpoint/2010/main" val="1393214952"/>
+      </p:ext>
+    </p:extLst>
+  </p:cSld>
+  <p:clrMapOvr>
+    <a:masterClrMapping/>
+  </p:clrMapOvr>
+</p:sld>
+</file>
+
+<file path=ppt/slides/slide23.xml><?xml version="1.0" encoding="utf-8"?>
+<p:sld xmlns:a="http://schemas.openxmlformats.org/drawingml/2006/main" xmlns:r="http://schemas.openxmlformats.org/officeDocument/2006/relationships" xmlns:p="http://schemas.openxmlformats.org/presentationml/2006/main">
+  <p:cSld>
+    <p:spTree>
+      <p:nvGrpSpPr>
+        <p:cNvPr id="1" name=""/>
+        <p:cNvGrpSpPr/>
+        <p:nvPr/>
+      </p:nvGrpSpPr>
+      <p:grpSpPr>
+        <a:xfrm>
+          <a:off x="0" y="0"/>
+          <a:ext cx="0" cy="0"/>
+          <a:chOff x="0" y="0"/>
+          <a:chExt cx="0" cy="0"/>
+        </a:xfrm>
+      </p:grpSpPr>
+      <p:sp>
+        <p:nvSpPr>
+          <p:cNvPr id="3" name="コンテンツ プレースホルダー 2"/>
+          <p:cNvSpPr>
+            <a:spLocks noGrp="1"/>
+          </p:cNvSpPr>
+          <p:nvPr>
+            <p:ph idx="1"/>
+          </p:nvPr>
+        </p:nvSpPr>
+        <p:spPr>
+          <a:xfrm>
+            <a:off x="838200" y="1487977"/>
+            <a:ext cx="10515600" cy="4688985"/>
+          </a:xfrm>
+        </p:spPr>
+        <p:txBody>
+          <a:bodyPr/>
+          <a:lstStyle/>
+          <a:p>
+            <a:r>
+              <a:rPr lang="ja-JP" altLang="en-US" dirty="0"/>
+              <a:t>インタビュ</a:t>
+            </a:r>
+            <a:r>
+              <a:rPr lang="ja-JP" altLang="en-US" dirty="0" smtClean="0"/>
+              <a:t>ーや調査、アンケートの結果から分かったこと・考えなければならないことを考察する。</a:t>
+            </a:r>
+            <a:endParaRPr lang="en-US" altLang="ja-JP" dirty="0" smtClean="0"/>
+          </a:p>
+          <a:p>
+            <a:endParaRPr kumimoji="1" lang="en-US" altLang="ja-JP" dirty="0"/>
+          </a:p>
+          <a:p>
+            <a:r>
+              <a:rPr lang="ja-JP" altLang="en-US" dirty="0" smtClean="0"/>
+              <a:t>先行研究で示されていたことをポータルサイトに搭載すると、こういう知見を新たに付与することができるということを示す。</a:t>
+            </a:r>
+            <a:endParaRPr lang="en-US" altLang="ja-JP" dirty="0" smtClean="0"/>
+          </a:p>
+          <a:p>
+            <a:endParaRPr kumimoji="1" lang="en-US" altLang="ja-JP" dirty="0"/>
+          </a:p>
+          <a:p>
+            <a:r>
+              <a:rPr lang="ja-JP" altLang="en-US" dirty="0" smtClean="0"/>
+              <a:t>今後の展望についての考察を示す。</a:t>
+            </a:r>
+            <a:endParaRPr kumimoji="1" lang="ja-JP" altLang="en-US" dirty="0"/>
+          </a:p>
+        </p:txBody>
+      </p:sp>
+      <p:sp>
+        <p:nvSpPr>
+          <p:cNvPr id="4" name="タイトル 1"/>
+          <p:cNvSpPr txBox="1">
+            <a:spLocks/>
+          </p:cNvSpPr>
+          <p:nvPr/>
+        </p:nvSpPr>
+        <p:spPr>
+          <a:xfrm>
+            <a:off x="838200" y="365126"/>
+            <a:ext cx="10515600" cy="761546"/>
+          </a:xfrm>
+          <a:prstGeom prst="rect">
+            <a:avLst/>
+          </a:prstGeom>
+        </p:spPr>
+        <p:txBody>
+          <a:bodyPr vert="horz" lIns="91440" tIns="45720" rIns="91440" bIns="45720" rtlCol="0" anchor="ctr">
+            <a:normAutofit/>
+          </a:bodyPr>
+          <a:lstStyle>
+            <a:lvl1pPr algn="l" defTabSz="914400" rtl="0" eaLnBrk="1" latinLnBrk="0" hangingPunct="1">
+              <a:lnSpc>
+                <a:spcPct val="90000"/>
+              </a:lnSpc>
+              <a:spcBef>
+                <a:spcPct val="0"/>
+              </a:spcBef>
+              <a:buNone/>
+              <a:defRPr kumimoji="1" sz="4400" kern="1200">
+                <a:solidFill>
+                  <a:schemeClr val="tx1"/>
+                </a:solidFill>
+                <a:latin typeface="+mj-lt"/>
+                <a:ea typeface="+mj-ea"/>
+                <a:cs typeface="+mj-cs"/>
+              </a:defRPr>
+            </a:lvl1pPr>
+          </a:lstStyle>
+          <a:p>
+            <a:r>
+              <a:rPr lang="ja-JP" altLang="en-US" dirty="0">
+                <a:latin typeface="HG丸ｺﾞｼｯｸM-PRO" panose="020F0600000000000000" pitchFamily="50" charset="-128"/>
+                <a:ea typeface="HG丸ｺﾞｼｯｸM-PRO" panose="020F0600000000000000" pitchFamily="50" charset="-128"/>
+              </a:rPr>
+              <a:t>考察</a:t>
+            </a:r>
           </a:p>
         </p:txBody>
       </p:sp>
@@ -5061,847 +6644,6 @@
 </p:sld>
 </file>
 
-<file path=ppt/slides/slide19.xml><?xml version="1.0" encoding="utf-8"?>
-<p:sld xmlns:a="http://schemas.openxmlformats.org/drawingml/2006/main" xmlns:r="http://schemas.openxmlformats.org/officeDocument/2006/relationships" xmlns:p="http://schemas.openxmlformats.org/presentationml/2006/main">
-  <p:cSld>
-    <p:spTree>
-      <p:nvGrpSpPr>
-        <p:cNvPr id="1" name=""/>
-        <p:cNvGrpSpPr/>
-        <p:nvPr/>
-      </p:nvGrpSpPr>
-      <p:grpSpPr>
-        <a:xfrm>
-          <a:off x="0" y="0"/>
-          <a:ext cx="0" cy="0"/>
-          <a:chOff x="0" y="0"/>
-          <a:chExt cx="0" cy="0"/>
-        </a:xfrm>
-      </p:grpSpPr>
-      <p:sp>
-        <p:nvSpPr>
-          <p:cNvPr id="4" name="タイトル 3"/>
-          <p:cNvSpPr>
-            <a:spLocks noGrp="1"/>
-          </p:cNvSpPr>
-          <p:nvPr>
-            <p:ph type="ctrTitle"/>
-          </p:nvPr>
-        </p:nvSpPr>
-        <p:spPr/>
-        <p:txBody>
-          <a:bodyPr/>
-          <a:lstStyle/>
-          <a:p>
-            <a:r>
-              <a:rPr kumimoji="1" lang="ja-JP" altLang="en-US" dirty="0" smtClean="0"/>
-              <a:t>質疑応答</a:t>
-            </a:r>
-            <a:endParaRPr kumimoji="1" lang="ja-JP" altLang="en-US" dirty="0"/>
-          </a:p>
-        </p:txBody>
-      </p:sp>
-      <p:sp>
-        <p:nvSpPr>
-          <p:cNvPr id="5" name="サブタイトル 4"/>
-          <p:cNvSpPr>
-            <a:spLocks noGrp="1"/>
-          </p:cNvSpPr>
-          <p:nvPr>
-            <p:ph type="subTitle" idx="1"/>
-          </p:nvPr>
-        </p:nvSpPr>
-        <p:spPr/>
-        <p:txBody>
-          <a:bodyPr/>
-          <a:lstStyle/>
-          <a:p>
-            <a:endParaRPr kumimoji="1" lang="ja-JP" altLang="en-US"/>
-          </a:p>
-        </p:txBody>
-      </p:sp>
-    </p:spTree>
-    <p:extLst>
-      <p:ext uri="{BB962C8B-B14F-4D97-AF65-F5344CB8AC3E}">
-        <p14:creationId xmlns:p14="http://schemas.microsoft.com/office/powerpoint/2010/main" val="3138061920"/>
-      </p:ext>
-    </p:extLst>
-  </p:cSld>
-  <p:clrMapOvr>
-    <a:masterClrMapping/>
-  </p:clrMapOvr>
-</p:sld>
-</file>
-
-<file path=ppt/slides/slide2.xml><?xml version="1.0" encoding="utf-8"?>
-<p:sld xmlns:a="http://schemas.openxmlformats.org/drawingml/2006/main" xmlns:r="http://schemas.openxmlformats.org/officeDocument/2006/relationships" xmlns:p="http://schemas.openxmlformats.org/presentationml/2006/main">
-  <p:cSld>
-    <p:spTree>
-      <p:nvGrpSpPr>
-        <p:cNvPr id="1" name=""/>
-        <p:cNvGrpSpPr/>
-        <p:nvPr/>
-      </p:nvGrpSpPr>
-      <p:grpSpPr>
-        <a:xfrm>
-          <a:off x="0" y="0"/>
-          <a:ext cx="0" cy="0"/>
-          <a:chOff x="0" y="0"/>
-          <a:chExt cx="0" cy="0"/>
-        </a:xfrm>
-      </p:grpSpPr>
-      <p:sp>
-        <p:nvSpPr>
-          <p:cNvPr id="2" name="タイトル 1"/>
-          <p:cNvSpPr>
-            <a:spLocks noGrp="1"/>
-          </p:cNvSpPr>
-          <p:nvPr>
-            <p:ph type="title"/>
-          </p:nvPr>
-        </p:nvSpPr>
-        <p:spPr/>
-        <p:txBody>
-          <a:bodyPr/>
-          <a:lstStyle/>
-          <a:p>
-            <a:r>
-              <a:rPr kumimoji="1" lang="ja-JP" altLang="en-US" dirty="0" smtClean="0"/>
-              <a:t>目次</a:t>
-            </a:r>
-            <a:endParaRPr kumimoji="1" lang="ja-JP" altLang="en-US" dirty="0"/>
-          </a:p>
-        </p:txBody>
-      </p:sp>
-      <p:sp>
-        <p:nvSpPr>
-          <p:cNvPr id="3" name="コンテンツ プレースホルダー 2"/>
-          <p:cNvSpPr>
-            <a:spLocks noGrp="1"/>
-          </p:cNvSpPr>
-          <p:nvPr>
-            <p:ph idx="1"/>
-          </p:nvPr>
-        </p:nvSpPr>
-        <p:spPr/>
-        <p:txBody>
-          <a:bodyPr/>
-          <a:lstStyle/>
-          <a:p>
-            <a:pPr marL="514350" indent="-514350">
-              <a:buFont typeface="+mj-lt"/>
-              <a:buAutoNum type="arabicPeriod"/>
-            </a:pPr>
-            <a:r>
-              <a:rPr kumimoji="1" lang="ja-JP" altLang="en-US" dirty="0" smtClean="0"/>
-              <a:t>チーム紹介</a:t>
-            </a:r>
-            <a:endParaRPr kumimoji="1" lang="en-US" altLang="ja-JP" dirty="0" smtClean="0"/>
-          </a:p>
-          <a:p>
-            <a:pPr marL="514350" indent="-514350">
-              <a:buFont typeface="+mj-lt"/>
-              <a:buAutoNum type="arabicPeriod"/>
-            </a:pPr>
-            <a:r>
-              <a:rPr lang="ja-JP" altLang="en-US" dirty="0" smtClean="0"/>
-              <a:t>研究概要</a:t>
-            </a:r>
-            <a:endParaRPr lang="en-US" altLang="ja-JP" dirty="0" smtClean="0"/>
-          </a:p>
-          <a:p>
-            <a:pPr marL="514350" indent="-514350">
-              <a:buFont typeface="+mj-lt"/>
-              <a:buAutoNum type="arabicPeriod"/>
-            </a:pPr>
-            <a:r>
-              <a:rPr kumimoji="1" lang="ja-JP" altLang="en-US" dirty="0" smtClean="0"/>
-              <a:t>研究目的</a:t>
-            </a:r>
-            <a:endParaRPr kumimoji="1" lang="en-US" altLang="ja-JP" dirty="0" smtClean="0"/>
-          </a:p>
-          <a:p>
-            <a:pPr marL="514350" indent="-514350">
-              <a:buFont typeface="+mj-lt"/>
-              <a:buAutoNum type="arabicPeriod"/>
-            </a:pPr>
-            <a:r>
-              <a:rPr lang="ja-JP" altLang="en-US" dirty="0" smtClean="0"/>
-              <a:t>研究方法</a:t>
-            </a:r>
-            <a:endParaRPr lang="en-US" altLang="ja-JP" dirty="0" smtClean="0"/>
-          </a:p>
-          <a:p>
-            <a:pPr marL="514350" indent="-514350">
-              <a:buFont typeface="+mj-lt"/>
-              <a:buAutoNum type="arabicPeriod"/>
-            </a:pPr>
-            <a:r>
-              <a:rPr kumimoji="1" lang="ja-JP" altLang="en-US" dirty="0" smtClean="0"/>
-              <a:t>作品紹介</a:t>
-            </a:r>
-            <a:endParaRPr kumimoji="1" lang="en-US" altLang="ja-JP" dirty="0" smtClean="0"/>
-          </a:p>
-          <a:p>
-            <a:pPr marL="514350" indent="-514350">
-              <a:buFont typeface="+mj-lt"/>
-              <a:buAutoNum type="arabicPeriod"/>
-            </a:pPr>
-            <a:r>
-              <a:rPr lang="ja-JP" altLang="en-US" dirty="0" smtClean="0"/>
-              <a:t>作品実演</a:t>
-            </a:r>
-            <a:endParaRPr lang="en-US" altLang="ja-JP" dirty="0" smtClean="0"/>
-          </a:p>
-          <a:p>
-            <a:pPr marL="514350" indent="-514350">
-              <a:buFont typeface="+mj-lt"/>
-              <a:buAutoNum type="arabicPeriod"/>
-            </a:pPr>
-            <a:r>
-              <a:rPr kumimoji="1" lang="ja-JP" altLang="en-US" dirty="0" smtClean="0"/>
-              <a:t>研究成果</a:t>
-            </a:r>
-            <a:endParaRPr kumimoji="1" lang="en-US" altLang="ja-JP" dirty="0" smtClean="0"/>
-          </a:p>
-          <a:p>
-            <a:pPr marL="514350" indent="-514350">
-              <a:buFont typeface="+mj-lt"/>
-              <a:buAutoNum type="arabicPeriod"/>
-            </a:pPr>
-            <a:r>
-              <a:rPr lang="ja-JP" altLang="en-US" dirty="0"/>
-              <a:t>反省点</a:t>
-            </a:r>
-            <a:endParaRPr kumimoji="1" lang="ja-JP" altLang="en-US" dirty="0"/>
-          </a:p>
-        </p:txBody>
-      </p:sp>
-    </p:spTree>
-    <p:extLst>
-      <p:ext uri="{BB962C8B-B14F-4D97-AF65-F5344CB8AC3E}">
-        <p14:creationId xmlns:p14="http://schemas.microsoft.com/office/powerpoint/2010/main" val="1005914395"/>
-      </p:ext>
-    </p:extLst>
-  </p:cSld>
-  <p:clrMapOvr>
-    <a:masterClrMapping/>
-  </p:clrMapOvr>
-</p:sld>
-</file>
-
-<file path=ppt/slides/slide20.xml><?xml version="1.0" encoding="utf-8"?>
-<p:sld xmlns:a="http://schemas.openxmlformats.org/drawingml/2006/main" xmlns:r="http://schemas.openxmlformats.org/officeDocument/2006/relationships" xmlns:p="http://schemas.openxmlformats.org/presentationml/2006/main">
-  <p:cSld>
-    <p:spTree>
-      <p:nvGrpSpPr>
-        <p:cNvPr id="1" name=""/>
-        <p:cNvGrpSpPr/>
-        <p:nvPr/>
-      </p:nvGrpSpPr>
-      <p:grpSpPr>
-        <a:xfrm>
-          <a:off x="0" y="0"/>
-          <a:ext cx="0" cy="0"/>
-          <a:chOff x="0" y="0"/>
-          <a:chExt cx="0" cy="0"/>
-        </a:xfrm>
-      </p:grpSpPr>
-      <p:sp>
-        <p:nvSpPr>
-          <p:cNvPr id="2" name="タイトル 1"/>
-          <p:cNvSpPr>
-            <a:spLocks noGrp="1"/>
-          </p:cNvSpPr>
-          <p:nvPr>
-            <p:ph type="title"/>
-          </p:nvPr>
-        </p:nvSpPr>
-        <p:spPr/>
-        <p:txBody>
-          <a:bodyPr/>
-          <a:lstStyle/>
-          <a:p>
-            <a:r>
-              <a:rPr kumimoji="1" lang="ja-JP" altLang="en-US" dirty="0" smtClean="0"/>
-              <a:t>現在のポータルサイト</a:t>
-            </a:r>
-            <a:endParaRPr kumimoji="1" lang="ja-JP" altLang="en-US" dirty="0"/>
-          </a:p>
-        </p:txBody>
-      </p:sp>
-      <p:sp>
-        <p:nvSpPr>
-          <p:cNvPr id="4" name="テキスト プレースホルダー 3"/>
-          <p:cNvSpPr>
-            <a:spLocks noGrp="1"/>
-          </p:cNvSpPr>
-          <p:nvPr>
-            <p:ph type="body" idx="1"/>
-          </p:nvPr>
-        </p:nvSpPr>
-        <p:spPr/>
-        <p:txBody>
-          <a:bodyPr/>
-          <a:lstStyle/>
-          <a:p>
-            <a:r>
-              <a:rPr kumimoji="1" lang="en-US" altLang="ja-JP" dirty="0" smtClean="0"/>
-              <a:t>PC</a:t>
-            </a:r>
-            <a:r>
-              <a:rPr lang="ja-JP" altLang="en-US" dirty="0" smtClean="0"/>
-              <a:t>用画面</a:t>
-            </a:r>
-            <a:endParaRPr kumimoji="1" lang="ja-JP" altLang="en-US" dirty="0"/>
-          </a:p>
-        </p:txBody>
-      </p:sp>
-      <p:sp>
-        <p:nvSpPr>
-          <p:cNvPr id="5" name="コンテンツ プレースホルダー 4"/>
-          <p:cNvSpPr>
-            <a:spLocks noGrp="1"/>
-          </p:cNvSpPr>
-          <p:nvPr>
-            <p:ph sz="half" idx="2"/>
-          </p:nvPr>
-        </p:nvSpPr>
-        <p:spPr/>
-        <p:txBody>
-          <a:bodyPr/>
-          <a:lstStyle/>
-          <a:p>
-            <a:endParaRPr kumimoji="1" lang="ja-JP" altLang="en-US" dirty="0"/>
-          </a:p>
-        </p:txBody>
-      </p:sp>
-      <p:sp>
-        <p:nvSpPr>
-          <p:cNvPr id="6" name="テキスト プレースホルダー 5"/>
-          <p:cNvSpPr>
-            <a:spLocks noGrp="1"/>
-          </p:cNvSpPr>
-          <p:nvPr>
-            <p:ph type="body" sz="quarter" idx="3"/>
-          </p:nvPr>
-        </p:nvSpPr>
-        <p:spPr/>
-        <p:txBody>
-          <a:bodyPr/>
-          <a:lstStyle/>
-          <a:p>
-            <a:r>
-              <a:rPr kumimoji="1" lang="ja-JP" altLang="en-US" dirty="0" smtClean="0"/>
-              <a:t>スマートフォン用画面</a:t>
-            </a:r>
-            <a:endParaRPr kumimoji="1" lang="ja-JP" altLang="en-US" dirty="0"/>
-          </a:p>
-        </p:txBody>
-      </p:sp>
-      <p:sp>
-        <p:nvSpPr>
-          <p:cNvPr id="7" name="コンテンツ プレースホルダー 6"/>
-          <p:cNvSpPr>
-            <a:spLocks noGrp="1"/>
-          </p:cNvSpPr>
-          <p:nvPr>
-            <p:ph sz="quarter" idx="4"/>
-          </p:nvPr>
-        </p:nvSpPr>
-        <p:spPr/>
-        <p:txBody>
-          <a:bodyPr/>
-          <a:lstStyle/>
-          <a:p>
-            <a:endParaRPr kumimoji="1" lang="ja-JP" altLang="en-US"/>
-          </a:p>
-        </p:txBody>
-      </p:sp>
-    </p:spTree>
-    <p:extLst>
-      <p:ext uri="{BB962C8B-B14F-4D97-AF65-F5344CB8AC3E}">
-        <p14:creationId xmlns:p14="http://schemas.microsoft.com/office/powerpoint/2010/main" val="350695502"/>
-      </p:ext>
-    </p:extLst>
-  </p:cSld>
-  <p:clrMapOvr>
-    <a:masterClrMapping/>
-  </p:clrMapOvr>
-</p:sld>
-</file>
-
-<file path=ppt/slides/slide21.xml><?xml version="1.0" encoding="utf-8"?>
-<p:sld xmlns:a="http://schemas.openxmlformats.org/drawingml/2006/main" xmlns:r="http://schemas.openxmlformats.org/officeDocument/2006/relationships" xmlns:p="http://schemas.openxmlformats.org/presentationml/2006/main">
-  <p:cSld>
-    <p:spTree>
-      <p:nvGrpSpPr>
-        <p:cNvPr id="1" name=""/>
-        <p:cNvGrpSpPr/>
-        <p:nvPr/>
-      </p:nvGrpSpPr>
-      <p:grpSpPr>
-        <a:xfrm>
-          <a:off x="0" y="0"/>
-          <a:ext cx="0" cy="0"/>
-          <a:chOff x="0" y="0"/>
-          <a:chExt cx="0" cy="0"/>
-        </a:xfrm>
-      </p:grpSpPr>
-      <p:sp>
-        <p:nvSpPr>
-          <p:cNvPr id="2" name="タイトル 1"/>
-          <p:cNvSpPr>
-            <a:spLocks noGrp="1"/>
-          </p:cNvSpPr>
-          <p:nvPr>
-            <p:ph type="title"/>
-          </p:nvPr>
-        </p:nvSpPr>
-        <p:spPr/>
-        <p:txBody>
-          <a:bodyPr/>
-          <a:lstStyle/>
-          <a:p>
-            <a:r>
-              <a:rPr kumimoji="1" lang="ja-JP" altLang="en-US" dirty="0" smtClean="0"/>
-              <a:t>東京工芸大学</a:t>
-            </a:r>
-            <a:endParaRPr kumimoji="1" lang="ja-JP" altLang="en-US" dirty="0"/>
-          </a:p>
-        </p:txBody>
-      </p:sp>
-      <p:sp>
-        <p:nvSpPr>
-          <p:cNvPr id="4" name="テキスト プレースホルダー 3"/>
-          <p:cNvSpPr>
-            <a:spLocks noGrp="1"/>
-          </p:cNvSpPr>
-          <p:nvPr>
-            <p:ph type="body" idx="1"/>
-          </p:nvPr>
-        </p:nvSpPr>
-        <p:spPr/>
-        <p:txBody>
-          <a:bodyPr/>
-          <a:lstStyle/>
-          <a:p>
-            <a:r>
-              <a:rPr lang="en-US" altLang="ja-JP" dirty="0"/>
-              <a:t>PC</a:t>
-            </a:r>
-            <a:r>
-              <a:rPr lang="ja-JP" altLang="en-US" dirty="0" smtClean="0"/>
-              <a:t>用画面</a:t>
-            </a:r>
-            <a:endParaRPr lang="ja-JP" altLang="en-US" dirty="0"/>
-          </a:p>
-        </p:txBody>
-      </p:sp>
-      <p:sp>
-        <p:nvSpPr>
-          <p:cNvPr id="5" name="コンテンツ プレースホルダー 4"/>
-          <p:cNvSpPr>
-            <a:spLocks noGrp="1"/>
-          </p:cNvSpPr>
-          <p:nvPr>
-            <p:ph sz="half" idx="2"/>
-          </p:nvPr>
-        </p:nvSpPr>
-        <p:spPr/>
-        <p:txBody>
-          <a:bodyPr/>
-          <a:lstStyle/>
-          <a:p>
-            <a:endParaRPr kumimoji="1" lang="ja-JP" altLang="en-US" dirty="0"/>
-          </a:p>
-        </p:txBody>
-      </p:sp>
-      <p:sp>
-        <p:nvSpPr>
-          <p:cNvPr id="6" name="テキスト プレースホルダー 5"/>
-          <p:cNvSpPr>
-            <a:spLocks noGrp="1"/>
-          </p:cNvSpPr>
-          <p:nvPr>
-            <p:ph type="body" sz="quarter" idx="3"/>
-          </p:nvPr>
-        </p:nvSpPr>
-        <p:spPr/>
-        <p:txBody>
-          <a:bodyPr/>
-          <a:lstStyle/>
-          <a:p>
-            <a:r>
-              <a:rPr lang="ja-JP" altLang="en-US" dirty="0"/>
-              <a:t>スマートフォン用</a:t>
-            </a:r>
-            <a:r>
-              <a:rPr lang="ja-JP" altLang="en-US" dirty="0" smtClean="0"/>
-              <a:t>画面</a:t>
-            </a:r>
-            <a:endParaRPr lang="ja-JP" altLang="en-US" dirty="0"/>
-          </a:p>
-        </p:txBody>
-      </p:sp>
-      <p:sp>
-        <p:nvSpPr>
-          <p:cNvPr id="7" name="コンテンツ プレースホルダー 6"/>
-          <p:cNvSpPr>
-            <a:spLocks noGrp="1"/>
-          </p:cNvSpPr>
-          <p:nvPr>
-            <p:ph sz="quarter" idx="4"/>
-          </p:nvPr>
-        </p:nvSpPr>
-        <p:spPr/>
-        <p:txBody>
-          <a:bodyPr/>
-          <a:lstStyle/>
-          <a:p>
-            <a:endParaRPr kumimoji="1" lang="ja-JP" altLang="en-US"/>
-          </a:p>
-        </p:txBody>
-      </p:sp>
-    </p:spTree>
-    <p:extLst>
-      <p:ext uri="{BB962C8B-B14F-4D97-AF65-F5344CB8AC3E}">
-        <p14:creationId xmlns:p14="http://schemas.microsoft.com/office/powerpoint/2010/main" val="4217364747"/>
-      </p:ext>
-    </p:extLst>
-  </p:cSld>
-  <p:clrMapOvr>
-    <a:masterClrMapping/>
-  </p:clrMapOvr>
-</p:sld>
-</file>
-
-<file path=ppt/slides/slide22.xml><?xml version="1.0" encoding="utf-8"?>
-<p:sld xmlns:a="http://schemas.openxmlformats.org/drawingml/2006/main" xmlns:r="http://schemas.openxmlformats.org/officeDocument/2006/relationships" xmlns:p="http://schemas.openxmlformats.org/presentationml/2006/main">
-  <p:cSld>
-    <p:spTree>
-      <p:nvGrpSpPr>
-        <p:cNvPr id="1" name=""/>
-        <p:cNvGrpSpPr/>
-        <p:nvPr/>
-      </p:nvGrpSpPr>
-      <p:grpSpPr>
-        <a:xfrm>
-          <a:off x="0" y="0"/>
-          <a:ext cx="0" cy="0"/>
-          <a:chOff x="0" y="0"/>
-          <a:chExt cx="0" cy="0"/>
-        </a:xfrm>
-      </p:grpSpPr>
-      <p:sp>
-        <p:nvSpPr>
-          <p:cNvPr id="2" name="タイトル 1"/>
-          <p:cNvSpPr>
-            <a:spLocks noGrp="1"/>
-          </p:cNvSpPr>
-          <p:nvPr>
-            <p:ph type="title"/>
-          </p:nvPr>
-        </p:nvSpPr>
-        <p:spPr/>
-        <p:txBody>
-          <a:bodyPr/>
-          <a:lstStyle/>
-          <a:p>
-            <a:r>
-              <a:rPr kumimoji="1" lang="ja-JP" altLang="en-US" dirty="0" smtClean="0"/>
-              <a:t>デザインガイドライン</a:t>
-            </a:r>
-            <a:endParaRPr kumimoji="1" lang="ja-JP" altLang="en-US" dirty="0"/>
-          </a:p>
-        </p:txBody>
-      </p:sp>
-      <p:sp>
-        <p:nvSpPr>
-          <p:cNvPr id="3" name="コンテンツ プレースホルダー 2"/>
-          <p:cNvSpPr>
-            <a:spLocks noGrp="1"/>
-          </p:cNvSpPr>
-          <p:nvPr>
-            <p:ph idx="1"/>
-          </p:nvPr>
-        </p:nvSpPr>
-        <p:spPr/>
-        <p:txBody>
-          <a:bodyPr/>
-          <a:lstStyle/>
-          <a:p>
-            <a:pPr marL="0" indent="0">
-              <a:buNone/>
-            </a:pPr>
-            <a:r>
-              <a:rPr lang="ja-JP" altLang="en-US" dirty="0">
-                <a:latin typeface="BIZ UDゴシック" panose="020B0400000000000000" pitchFamily="49" charset="-128"/>
-                <a:ea typeface="BIZ UDゴシック" panose="020B0400000000000000" pitchFamily="49" charset="-128"/>
-              </a:rPr>
-              <a:t>デザインガイドラインは、配色やフォントや見出しルールなど、デザイン上の共通項目をまとめた</a:t>
-            </a:r>
-            <a:r>
-              <a:rPr lang="ja-JP" altLang="en-US" dirty="0" smtClean="0">
-                <a:latin typeface="BIZ UDゴシック" panose="020B0400000000000000" pitchFamily="49" charset="-128"/>
-                <a:ea typeface="BIZ UDゴシック" panose="020B0400000000000000" pitchFamily="49" charset="-128"/>
-              </a:rPr>
-              <a:t>もの</a:t>
-            </a:r>
-            <a:endParaRPr lang="en-US" altLang="ja-JP" dirty="0" smtClean="0">
-              <a:latin typeface="BIZ UDゴシック" panose="020B0400000000000000" pitchFamily="49" charset="-128"/>
-              <a:ea typeface="BIZ UDゴシック" panose="020B0400000000000000" pitchFamily="49" charset="-128"/>
-            </a:endParaRPr>
-          </a:p>
-          <a:p>
-            <a:pPr marL="0" indent="0">
-              <a:buNone/>
-            </a:pPr>
-            <a:endParaRPr lang="en-US" altLang="ja-JP" dirty="0" smtClean="0">
-              <a:latin typeface="BIZ UDゴシック" panose="020B0400000000000000" pitchFamily="49" charset="-128"/>
-              <a:ea typeface="BIZ UDゴシック" panose="020B0400000000000000" pitchFamily="49" charset="-128"/>
-            </a:endParaRPr>
-          </a:p>
-          <a:p>
-            <a:pPr marL="0" indent="0">
-              <a:buNone/>
-            </a:pPr>
-            <a:r>
-              <a:rPr lang="ja-JP" altLang="en-US" dirty="0">
-                <a:latin typeface="BIZ UDゴシック" panose="020B0400000000000000" pitchFamily="49" charset="-128"/>
-                <a:ea typeface="BIZ UDゴシック" panose="020B0400000000000000" pitchFamily="49" charset="-128"/>
-              </a:rPr>
-              <a:t>・</a:t>
-            </a:r>
-            <a:r>
-              <a:rPr lang="ja-JP" altLang="en-US" dirty="0" smtClean="0">
-                <a:latin typeface="BIZ UDゴシック" panose="020B0400000000000000" pitchFamily="49" charset="-128"/>
-                <a:ea typeface="BIZ UDゴシック" panose="020B0400000000000000" pitchFamily="49" charset="-128"/>
-              </a:rPr>
-              <a:t>ブランドイメージ</a:t>
-            </a:r>
-            <a:r>
-              <a:rPr lang="ja-JP" altLang="en-US" dirty="0">
-                <a:latin typeface="BIZ UDゴシック" panose="020B0400000000000000" pitchFamily="49" charset="-128"/>
-                <a:ea typeface="BIZ UDゴシック" panose="020B0400000000000000" pitchFamily="49" charset="-128"/>
-              </a:rPr>
-              <a:t>を</a:t>
-            </a:r>
-            <a:r>
-              <a:rPr lang="ja-JP" altLang="en-US" dirty="0" smtClean="0">
-                <a:latin typeface="BIZ UDゴシック" panose="020B0400000000000000" pitchFamily="49" charset="-128"/>
-                <a:ea typeface="BIZ UDゴシック" panose="020B0400000000000000" pitchFamily="49" charset="-128"/>
-              </a:rPr>
-              <a:t>保持</a:t>
-            </a:r>
-            <a:endParaRPr lang="en-US" altLang="ja-JP" dirty="0" smtClean="0">
-              <a:latin typeface="BIZ UDゴシック" panose="020B0400000000000000" pitchFamily="49" charset="-128"/>
-              <a:ea typeface="BIZ UDゴシック" panose="020B0400000000000000" pitchFamily="49" charset="-128"/>
-            </a:endParaRPr>
-          </a:p>
-          <a:p>
-            <a:pPr marL="0" indent="0">
-              <a:buNone/>
-            </a:pPr>
-            <a:r>
-              <a:rPr lang="ja-JP" altLang="en-US" dirty="0" smtClean="0">
-                <a:latin typeface="BIZ UDゴシック" panose="020B0400000000000000" pitchFamily="49" charset="-128"/>
-                <a:ea typeface="BIZ UDゴシック" panose="020B0400000000000000" pitchFamily="49" charset="-128"/>
-              </a:rPr>
-              <a:t>・見た目</a:t>
-            </a:r>
-            <a:r>
-              <a:rPr lang="ja-JP" altLang="en-US" dirty="0">
-                <a:latin typeface="BIZ UDゴシック" panose="020B0400000000000000" pitchFamily="49" charset="-128"/>
-                <a:ea typeface="BIZ UDゴシック" panose="020B0400000000000000" pitchFamily="49" charset="-128"/>
-              </a:rPr>
-              <a:t>の印象を</a:t>
-            </a:r>
-            <a:r>
-              <a:rPr lang="ja-JP" altLang="en-US" dirty="0" smtClean="0">
-                <a:latin typeface="BIZ UDゴシック" panose="020B0400000000000000" pitchFamily="49" charset="-128"/>
-                <a:ea typeface="BIZ UDゴシック" panose="020B0400000000000000" pitchFamily="49" charset="-128"/>
-              </a:rPr>
-              <a:t>統一</a:t>
-            </a:r>
-            <a:endParaRPr lang="en-US" altLang="ja-JP" dirty="0">
-              <a:latin typeface="BIZ UDゴシック" panose="020B0400000000000000" pitchFamily="49" charset="-128"/>
-              <a:ea typeface="BIZ UDゴシック" panose="020B0400000000000000" pitchFamily="49" charset="-128"/>
-            </a:endParaRPr>
-          </a:p>
-          <a:p>
-            <a:pPr marL="0" indent="0">
-              <a:buNone/>
-            </a:pPr>
-            <a:r>
-              <a:rPr lang="ja-JP" altLang="en-US" dirty="0" smtClean="0">
-                <a:latin typeface="BIZ UDゴシック" panose="020B0400000000000000" pitchFamily="49" charset="-128"/>
-                <a:ea typeface="BIZ UDゴシック" panose="020B0400000000000000" pitchFamily="49" charset="-128"/>
-              </a:rPr>
-              <a:t>・更新</a:t>
-            </a:r>
-            <a:r>
-              <a:rPr lang="ja-JP" altLang="en-US" dirty="0">
-                <a:latin typeface="BIZ UDゴシック" panose="020B0400000000000000" pitchFamily="49" charset="-128"/>
-                <a:ea typeface="BIZ UDゴシック" panose="020B0400000000000000" pitchFamily="49" charset="-128"/>
-              </a:rPr>
-              <a:t>作業時</a:t>
-            </a:r>
-            <a:r>
-              <a:rPr lang="ja-JP" altLang="en-US" dirty="0" smtClean="0">
-                <a:latin typeface="BIZ UDゴシック" panose="020B0400000000000000" pitchFamily="49" charset="-128"/>
-                <a:ea typeface="BIZ UDゴシック" panose="020B0400000000000000" pitchFamily="49" charset="-128"/>
-              </a:rPr>
-              <a:t>に一定</a:t>
-            </a:r>
-            <a:r>
-              <a:rPr lang="ja-JP" altLang="en-US" dirty="0">
-                <a:latin typeface="BIZ UDゴシック" panose="020B0400000000000000" pitchFamily="49" charset="-128"/>
-                <a:ea typeface="BIZ UDゴシック" panose="020B0400000000000000" pitchFamily="49" charset="-128"/>
-              </a:rPr>
-              <a:t>のトーン＆マナーを</a:t>
-            </a:r>
-            <a:r>
-              <a:rPr lang="ja-JP" altLang="en-US" dirty="0" smtClean="0">
-                <a:latin typeface="BIZ UDゴシック" panose="020B0400000000000000" pitchFamily="49" charset="-128"/>
-                <a:ea typeface="BIZ UDゴシック" panose="020B0400000000000000" pitchFamily="49" charset="-128"/>
-              </a:rPr>
-              <a:t>保持</a:t>
-            </a:r>
-            <a:endParaRPr lang="en-US" altLang="ja-JP" dirty="0" smtClean="0">
-              <a:latin typeface="BIZ UDゴシック" panose="020B0400000000000000" pitchFamily="49" charset="-128"/>
-              <a:ea typeface="BIZ UDゴシック" panose="020B0400000000000000" pitchFamily="49" charset="-128"/>
-            </a:endParaRPr>
-          </a:p>
-          <a:p>
-            <a:pPr marL="0" indent="0">
-              <a:buNone/>
-            </a:pPr>
-            <a:endParaRPr lang="en-US" altLang="ja-JP" dirty="0" smtClean="0">
-              <a:latin typeface="BIZ UDゴシック" panose="020B0400000000000000" pitchFamily="49" charset="-128"/>
-              <a:ea typeface="BIZ UDゴシック" panose="020B0400000000000000" pitchFamily="49" charset="-128"/>
-            </a:endParaRPr>
-          </a:p>
-          <a:p>
-            <a:pPr marL="0" indent="0">
-              <a:buNone/>
-            </a:pPr>
-            <a:r>
-              <a:rPr lang="ja-JP" altLang="en-US" dirty="0">
-                <a:latin typeface="BIZ UDゴシック" panose="020B0400000000000000" pitchFamily="49" charset="-128"/>
-                <a:ea typeface="BIZ UDゴシック" panose="020B0400000000000000" pitchFamily="49" charset="-128"/>
-              </a:rPr>
-              <a:t>→</a:t>
-            </a:r>
-            <a:r>
-              <a:rPr lang="ja-JP" altLang="en-US" dirty="0" smtClean="0">
-                <a:latin typeface="BIZ UDゴシック" panose="020B0400000000000000" pitchFamily="49" charset="-128"/>
-                <a:ea typeface="BIZ UDゴシック" panose="020B0400000000000000" pitchFamily="49" charset="-128"/>
-              </a:rPr>
-              <a:t>大規模案件や長期的に運用が必要な</a:t>
-            </a:r>
-            <a:r>
-              <a:rPr lang="en-US" altLang="ja-JP" dirty="0" smtClean="0">
-                <a:latin typeface="BIZ UDゴシック" panose="020B0400000000000000" pitchFamily="49" charset="-128"/>
-                <a:ea typeface="BIZ UDゴシック" panose="020B0400000000000000" pitchFamily="49" charset="-128"/>
-              </a:rPr>
-              <a:t>Web</a:t>
-            </a:r>
-            <a:r>
-              <a:rPr lang="ja-JP" altLang="en-US" dirty="0" smtClean="0">
-                <a:latin typeface="BIZ UDゴシック" panose="020B0400000000000000" pitchFamily="49" charset="-128"/>
-                <a:ea typeface="BIZ UDゴシック" panose="020B0400000000000000" pitchFamily="49" charset="-128"/>
-              </a:rPr>
-              <a:t>サイトなどで効果を発揮</a:t>
-            </a:r>
-            <a:endParaRPr kumimoji="1" lang="ja-JP" altLang="en-US" dirty="0">
-              <a:latin typeface="BIZ UDゴシック" panose="020B0400000000000000" pitchFamily="49" charset="-128"/>
-              <a:ea typeface="BIZ UDゴシック" panose="020B0400000000000000" pitchFamily="49" charset="-128"/>
-            </a:endParaRPr>
-          </a:p>
-        </p:txBody>
-      </p:sp>
-    </p:spTree>
-    <p:extLst>
-      <p:ext uri="{BB962C8B-B14F-4D97-AF65-F5344CB8AC3E}">
-        <p14:creationId xmlns:p14="http://schemas.microsoft.com/office/powerpoint/2010/main" val="1902831408"/>
-      </p:ext>
-    </p:extLst>
-  </p:cSld>
-  <p:clrMapOvr>
-    <a:masterClrMapping/>
-  </p:clrMapOvr>
-</p:sld>
-</file>
-
-<file path=ppt/slides/slide23.xml><?xml version="1.0" encoding="utf-8"?>
-<p:sld xmlns:a="http://schemas.openxmlformats.org/drawingml/2006/main" xmlns:r="http://schemas.openxmlformats.org/officeDocument/2006/relationships" xmlns:p="http://schemas.openxmlformats.org/presentationml/2006/main">
-  <p:cSld>
-    <p:spTree>
-      <p:nvGrpSpPr>
-        <p:cNvPr id="1" name=""/>
-        <p:cNvGrpSpPr/>
-        <p:nvPr/>
-      </p:nvGrpSpPr>
-      <p:grpSpPr>
-        <a:xfrm>
-          <a:off x="0" y="0"/>
-          <a:ext cx="0" cy="0"/>
-          <a:chOff x="0" y="0"/>
-          <a:chExt cx="0" cy="0"/>
-        </a:xfrm>
-      </p:grpSpPr>
-      <p:sp>
-        <p:nvSpPr>
-          <p:cNvPr id="2" name="タイトル 1"/>
-          <p:cNvSpPr>
-            <a:spLocks noGrp="1"/>
-          </p:cNvSpPr>
-          <p:nvPr>
-            <p:ph type="title"/>
-          </p:nvPr>
-        </p:nvSpPr>
-        <p:spPr/>
-        <p:txBody>
-          <a:bodyPr/>
-          <a:lstStyle/>
-          <a:p>
-            <a:endParaRPr kumimoji="1" lang="ja-JP" altLang="en-US" dirty="0"/>
-          </a:p>
-        </p:txBody>
-      </p:sp>
-      <p:sp>
-        <p:nvSpPr>
-          <p:cNvPr id="3" name="コンテンツ プレースホルダー 2"/>
-          <p:cNvSpPr>
-            <a:spLocks noGrp="1"/>
-          </p:cNvSpPr>
-          <p:nvPr>
-            <p:ph idx="1"/>
-          </p:nvPr>
-        </p:nvSpPr>
-        <p:spPr/>
-        <p:txBody>
-          <a:bodyPr/>
-          <a:lstStyle/>
-          <a:p>
-            <a:endParaRPr kumimoji="1" lang="ja-JP" altLang="en-US"/>
-          </a:p>
-        </p:txBody>
-      </p:sp>
-    </p:spTree>
-    <p:extLst>
-      <p:ext uri="{BB962C8B-B14F-4D97-AF65-F5344CB8AC3E}">
-        <p14:creationId xmlns:p14="http://schemas.microsoft.com/office/powerpoint/2010/main" val="649915739"/>
-      </p:ext>
-    </p:extLst>
-  </p:cSld>
-  <p:clrMapOvr>
-    <a:masterClrMapping/>
-  </p:clrMapOvr>
-</p:sld>
-</file>
-
 <file path=ppt/slides/slide24.xml><?xml version="1.0" encoding="utf-8"?>
 <p:sld xmlns:a="http://schemas.openxmlformats.org/drawingml/2006/main" xmlns:r="http://schemas.openxmlformats.org/officeDocument/2006/relationships" xmlns:p="http://schemas.openxmlformats.org/presentationml/2006/main">
   <p:cSld>
@@ -5921,12 +6663,12 @@
       </p:grpSpPr>
       <p:sp>
         <p:nvSpPr>
-          <p:cNvPr id="2" name="タイトル 1"/>
-          <p:cNvSpPr>
-            <a:spLocks noGrp="1"/>
-          </p:cNvSpPr>
-          <p:nvPr>
-            <p:ph type="title"/>
+          <p:cNvPr id="4" name="タイトル 3"/>
+          <p:cNvSpPr>
+            <a:spLocks noGrp="1"/>
+          </p:cNvSpPr>
+          <p:nvPr>
+            <p:ph type="ctrTitle"/>
           </p:nvPr>
         </p:nvSpPr>
         <p:spPr/>
@@ -5936,17 +6678,640 @@
           <a:p>
             <a:r>
               <a:rPr kumimoji="1" lang="ja-JP" altLang="en-US" dirty="0" smtClean="0"/>
+              <a:t>質疑応答</a:t>
+            </a:r>
+            <a:endParaRPr kumimoji="1" lang="ja-JP" altLang="en-US" dirty="0"/>
+          </a:p>
+        </p:txBody>
+      </p:sp>
+      <p:sp>
+        <p:nvSpPr>
+          <p:cNvPr id="5" name="サブタイトル 4"/>
+          <p:cNvSpPr>
+            <a:spLocks noGrp="1"/>
+          </p:cNvSpPr>
+          <p:nvPr>
+            <p:ph type="subTitle" idx="1"/>
+          </p:nvPr>
+        </p:nvSpPr>
+        <p:spPr/>
+        <p:txBody>
+          <a:bodyPr/>
+          <a:lstStyle/>
+          <a:p>
+            <a:endParaRPr kumimoji="1" lang="ja-JP" altLang="en-US"/>
+          </a:p>
+        </p:txBody>
+      </p:sp>
+    </p:spTree>
+    <p:extLst>
+      <p:ext uri="{BB962C8B-B14F-4D97-AF65-F5344CB8AC3E}">
+        <p14:creationId xmlns:p14="http://schemas.microsoft.com/office/powerpoint/2010/main" val="3138061920"/>
+      </p:ext>
+    </p:extLst>
+  </p:cSld>
+  <p:clrMapOvr>
+    <a:masterClrMapping/>
+  </p:clrMapOvr>
+</p:sld>
+</file>
+
+<file path=ppt/slides/slide25.xml><?xml version="1.0" encoding="utf-8"?>
+<p:sld xmlns:a="http://schemas.openxmlformats.org/drawingml/2006/main" xmlns:r="http://schemas.openxmlformats.org/officeDocument/2006/relationships" xmlns:p="http://schemas.openxmlformats.org/presentationml/2006/main">
+  <p:cSld>
+    <p:spTree>
+      <p:nvGrpSpPr>
+        <p:cNvPr id="1" name=""/>
+        <p:cNvGrpSpPr/>
+        <p:nvPr/>
+      </p:nvGrpSpPr>
+      <p:grpSpPr>
+        <a:xfrm>
+          <a:off x="0" y="0"/>
+          <a:ext cx="0" cy="0"/>
+          <a:chOff x="0" y="0"/>
+          <a:chExt cx="0" cy="0"/>
+        </a:xfrm>
+      </p:grpSpPr>
+      <p:sp>
+        <p:nvSpPr>
+          <p:cNvPr id="2" name="タイトル 1"/>
+          <p:cNvSpPr>
+            <a:spLocks noGrp="1"/>
+          </p:cNvSpPr>
+          <p:nvPr>
+            <p:ph type="title"/>
+          </p:nvPr>
+        </p:nvSpPr>
+        <p:spPr/>
+        <p:txBody>
+          <a:bodyPr/>
+          <a:lstStyle/>
+          <a:p>
+            <a:r>
+              <a:rPr kumimoji="1" lang="ja-JP" altLang="en-US" u="sng" dirty="0" smtClean="0">
+                <a:latin typeface="HG丸ｺﾞｼｯｸM-PRO" panose="020F0600000000000000" pitchFamily="50" charset="-128"/>
+                <a:ea typeface="HG丸ｺﾞｼｯｸM-PRO" panose="020F0600000000000000" pitchFamily="50" charset="-128"/>
+              </a:rPr>
+              <a:t>デザインガイドライン</a:t>
+            </a:r>
+            <a:endParaRPr kumimoji="1" lang="ja-JP" altLang="en-US" u="sng" dirty="0">
+              <a:latin typeface="HG丸ｺﾞｼｯｸM-PRO" panose="020F0600000000000000" pitchFamily="50" charset="-128"/>
+              <a:ea typeface="HG丸ｺﾞｼｯｸM-PRO" panose="020F0600000000000000" pitchFamily="50" charset="-128"/>
+            </a:endParaRPr>
+          </a:p>
+        </p:txBody>
+      </p:sp>
+      <p:sp>
+        <p:nvSpPr>
+          <p:cNvPr id="3" name="コンテンツ プレースホルダー 2"/>
+          <p:cNvSpPr>
+            <a:spLocks noGrp="1"/>
+          </p:cNvSpPr>
+          <p:nvPr>
+            <p:ph idx="1"/>
+          </p:nvPr>
+        </p:nvSpPr>
+        <p:spPr/>
+        <p:txBody>
+          <a:bodyPr/>
+          <a:lstStyle/>
+          <a:p>
+            <a:pPr marL="0" indent="0">
+              <a:buNone/>
+            </a:pPr>
+            <a:r>
+              <a:rPr lang="ja-JP" altLang="en-US" dirty="0">
+                <a:latin typeface="BIZ UDゴシック" panose="020B0400000000000000" pitchFamily="49" charset="-128"/>
+                <a:ea typeface="BIZ UDゴシック" panose="020B0400000000000000" pitchFamily="49" charset="-128"/>
+              </a:rPr>
+              <a:t>デザインガイドラインは、配色やフォントや見出しルールなど、デザイン上の共通項目をまとめた</a:t>
+            </a:r>
+            <a:r>
+              <a:rPr lang="ja-JP" altLang="en-US" dirty="0" smtClean="0">
+                <a:latin typeface="BIZ UDゴシック" panose="020B0400000000000000" pitchFamily="49" charset="-128"/>
+                <a:ea typeface="BIZ UDゴシック" panose="020B0400000000000000" pitchFamily="49" charset="-128"/>
+              </a:rPr>
+              <a:t>もの</a:t>
+            </a:r>
+            <a:endParaRPr lang="en-US" altLang="ja-JP" dirty="0" smtClean="0">
+              <a:latin typeface="BIZ UDゴシック" panose="020B0400000000000000" pitchFamily="49" charset="-128"/>
+              <a:ea typeface="BIZ UDゴシック" panose="020B0400000000000000" pitchFamily="49" charset="-128"/>
+            </a:endParaRPr>
+          </a:p>
+          <a:p>
+            <a:pPr marL="0" indent="0">
+              <a:buNone/>
+            </a:pPr>
+            <a:endParaRPr lang="en-US" altLang="ja-JP" dirty="0" smtClean="0">
+              <a:latin typeface="BIZ UDゴシック" panose="020B0400000000000000" pitchFamily="49" charset="-128"/>
+              <a:ea typeface="BIZ UDゴシック" panose="020B0400000000000000" pitchFamily="49" charset="-128"/>
+            </a:endParaRPr>
+          </a:p>
+          <a:p>
+            <a:pPr marL="0" indent="0">
+              <a:buNone/>
+            </a:pPr>
+            <a:r>
+              <a:rPr lang="ja-JP" altLang="en-US" dirty="0">
+                <a:latin typeface="BIZ UDゴシック" panose="020B0400000000000000" pitchFamily="49" charset="-128"/>
+                <a:ea typeface="BIZ UDゴシック" panose="020B0400000000000000" pitchFamily="49" charset="-128"/>
+              </a:rPr>
+              <a:t>・</a:t>
+            </a:r>
+            <a:r>
+              <a:rPr lang="ja-JP" altLang="en-US" dirty="0" smtClean="0">
+                <a:latin typeface="BIZ UDゴシック" panose="020B0400000000000000" pitchFamily="49" charset="-128"/>
+                <a:ea typeface="BIZ UDゴシック" panose="020B0400000000000000" pitchFamily="49" charset="-128"/>
+              </a:rPr>
+              <a:t>ブランドイメージ</a:t>
+            </a:r>
+            <a:r>
+              <a:rPr lang="ja-JP" altLang="en-US" dirty="0">
+                <a:latin typeface="BIZ UDゴシック" panose="020B0400000000000000" pitchFamily="49" charset="-128"/>
+                <a:ea typeface="BIZ UDゴシック" panose="020B0400000000000000" pitchFamily="49" charset="-128"/>
+              </a:rPr>
+              <a:t>を</a:t>
+            </a:r>
+            <a:r>
+              <a:rPr lang="ja-JP" altLang="en-US" dirty="0" smtClean="0">
+                <a:latin typeface="BIZ UDゴシック" panose="020B0400000000000000" pitchFamily="49" charset="-128"/>
+                <a:ea typeface="BIZ UDゴシック" panose="020B0400000000000000" pitchFamily="49" charset="-128"/>
+              </a:rPr>
+              <a:t>保持</a:t>
+            </a:r>
+            <a:endParaRPr lang="en-US" altLang="ja-JP" dirty="0" smtClean="0">
+              <a:latin typeface="BIZ UDゴシック" panose="020B0400000000000000" pitchFamily="49" charset="-128"/>
+              <a:ea typeface="BIZ UDゴシック" panose="020B0400000000000000" pitchFamily="49" charset="-128"/>
+            </a:endParaRPr>
+          </a:p>
+          <a:p>
+            <a:pPr marL="0" indent="0">
+              <a:buNone/>
+            </a:pPr>
+            <a:r>
+              <a:rPr lang="ja-JP" altLang="en-US" dirty="0" smtClean="0">
+                <a:latin typeface="BIZ UDゴシック" panose="020B0400000000000000" pitchFamily="49" charset="-128"/>
+                <a:ea typeface="BIZ UDゴシック" panose="020B0400000000000000" pitchFamily="49" charset="-128"/>
+              </a:rPr>
+              <a:t>・見た目</a:t>
+            </a:r>
+            <a:r>
+              <a:rPr lang="ja-JP" altLang="en-US" dirty="0">
+                <a:latin typeface="BIZ UDゴシック" panose="020B0400000000000000" pitchFamily="49" charset="-128"/>
+                <a:ea typeface="BIZ UDゴシック" panose="020B0400000000000000" pitchFamily="49" charset="-128"/>
+              </a:rPr>
+              <a:t>の印象を</a:t>
+            </a:r>
+            <a:r>
+              <a:rPr lang="ja-JP" altLang="en-US" dirty="0" smtClean="0">
+                <a:latin typeface="BIZ UDゴシック" panose="020B0400000000000000" pitchFamily="49" charset="-128"/>
+                <a:ea typeface="BIZ UDゴシック" panose="020B0400000000000000" pitchFamily="49" charset="-128"/>
+              </a:rPr>
+              <a:t>統一</a:t>
+            </a:r>
+            <a:endParaRPr lang="en-US" altLang="ja-JP" dirty="0">
+              <a:latin typeface="BIZ UDゴシック" panose="020B0400000000000000" pitchFamily="49" charset="-128"/>
+              <a:ea typeface="BIZ UDゴシック" panose="020B0400000000000000" pitchFamily="49" charset="-128"/>
+            </a:endParaRPr>
+          </a:p>
+          <a:p>
+            <a:pPr marL="0" indent="0">
+              <a:buNone/>
+            </a:pPr>
+            <a:r>
+              <a:rPr lang="ja-JP" altLang="en-US" dirty="0" smtClean="0">
+                <a:latin typeface="BIZ UDゴシック" panose="020B0400000000000000" pitchFamily="49" charset="-128"/>
+                <a:ea typeface="BIZ UDゴシック" panose="020B0400000000000000" pitchFamily="49" charset="-128"/>
+              </a:rPr>
+              <a:t>・更新</a:t>
+            </a:r>
+            <a:r>
+              <a:rPr lang="ja-JP" altLang="en-US" dirty="0">
+                <a:latin typeface="BIZ UDゴシック" panose="020B0400000000000000" pitchFamily="49" charset="-128"/>
+                <a:ea typeface="BIZ UDゴシック" panose="020B0400000000000000" pitchFamily="49" charset="-128"/>
+              </a:rPr>
+              <a:t>作業時</a:t>
+            </a:r>
+            <a:r>
+              <a:rPr lang="ja-JP" altLang="en-US" dirty="0" smtClean="0">
+                <a:latin typeface="BIZ UDゴシック" panose="020B0400000000000000" pitchFamily="49" charset="-128"/>
+                <a:ea typeface="BIZ UDゴシック" panose="020B0400000000000000" pitchFamily="49" charset="-128"/>
+              </a:rPr>
+              <a:t>に一定</a:t>
+            </a:r>
+            <a:r>
+              <a:rPr lang="ja-JP" altLang="en-US" dirty="0">
+                <a:latin typeface="BIZ UDゴシック" panose="020B0400000000000000" pitchFamily="49" charset="-128"/>
+                <a:ea typeface="BIZ UDゴシック" panose="020B0400000000000000" pitchFamily="49" charset="-128"/>
+              </a:rPr>
+              <a:t>のトーン＆マナーを</a:t>
+            </a:r>
+            <a:r>
+              <a:rPr lang="ja-JP" altLang="en-US" dirty="0" smtClean="0">
+                <a:latin typeface="BIZ UDゴシック" panose="020B0400000000000000" pitchFamily="49" charset="-128"/>
+                <a:ea typeface="BIZ UDゴシック" panose="020B0400000000000000" pitchFamily="49" charset="-128"/>
+              </a:rPr>
+              <a:t>保持</a:t>
+            </a:r>
+            <a:endParaRPr lang="en-US" altLang="ja-JP" dirty="0" smtClean="0">
+              <a:latin typeface="BIZ UDゴシック" panose="020B0400000000000000" pitchFamily="49" charset="-128"/>
+              <a:ea typeface="BIZ UDゴシック" panose="020B0400000000000000" pitchFamily="49" charset="-128"/>
+            </a:endParaRPr>
+          </a:p>
+          <a:p>
+            <a:pPr marL="0" indent="0">
+              <a:buNone/>
+            </a:pPr>
+            <a:endParaRPr lang="en-US" altLang="ja-JP" dirty="0" smtClean="0">
+              <a:latin typeface="BIZ UDゴシック" panose="020B0400000000000000" pitchFamily="49" charset="-128"/>
+              <a:ea typeface="BIZ UDゴシック" panose="020B0400000000000000" pitchFamily="49" charset="-128"/>
+            </a:endParaRPr>
+          </a:p>
+          <a:p>
+            <a:pPr marL="0" indent="0">
+              <a:buNone/>
+            </a:pPr>
+            <a:r>
+              <a:rPr lang="ja-JP" altLang="en-US" dirty="0">
+                <a:latin typeface="BIZ UDゴシック" panose="020B0400000000000000" pitchFamily="49" charset="-128"/>
+                <a:ea typeface="BIZ UDゴシック" panose="020B0400000000000000" pitchFamily="49" charset="-128"/>
+              </a:rPr>
+              <a:t>→</a:t>
+            </a:r>
+            <a:r>
+              <a:rPr lang="ja-JP" altLang="en-US" dirty="0" smtClean="0">
+                <a:latin typeface="BIZ UDゴシック" panose="020B0400000000000000" pitchFamily="49" charset="-128"/>
+                <a:ea typeface="BIZ UDゴシック" panose="020B0400000000000000" pitchFamily="49" charset="-128"/>
+              </a:rPr>
+              <a:t>大規模案件や長期的に運用が必要な</a:t>
+            </a:r>
+            <a:r>
+              <a:rPr lang="en-US" altLang="ja-JP" dirty="0" smtClean="0">
+                <a:latin typeface="BIZ UDゴシック" panose="020B0400000000000000" pitchFamily="49" charset="-128"/>
+                <a:ea typeface="BIZ UDゴシック" panose="020B0400000000000000" pitchFamily="49" charset="-128"/>
+              </a:rPr>
+              <a:t>Web</a:t>
+            </a:r>
+            <a:r>
+              <a:rPr lang="ja-JP" altLang="en-US" dirty="0" smtClean="0">
+                <a:latin typeface="BIZ UDゴシック" panose="020B0400000000000000" pitchFamily="49" charset="-128"/>
+                <a:ea typeface="BIZ UDゴシック" panose="020B0400000000000000" pitchFamily="49" charset="-128"/>
+              </a:rPr>
+              <a:t>サイトなどで効果を発揮</a:t>
+            </a:r>
+            <a:endParaRPr kumimoji="1" lang="ja-JP" altLang="en-US" dirty="0">
+              <a:latin typeface="BIZ UDゴシック" panose="020B0400000000000000" pitchFamily="49" charset="-128"/>
+              <a:ea typeface="BIZ UDゴシック" panose="020B0400000000000000" pitchFamily="49" charset="-128"/>
+            </a:endParaRPr>
+          </a:p>
+        </p:txBody>
+      </p:sp>
+    </p:spTree>
+    <p:extLst>
+      <p:ext uri="{BB962C8B-B14F-4D97-AF65-F5344CB8AC3E}">
+        <p14:creationId xmlns:p14="http://schemas.microsoft.com/office/powerpoint/2010/main" val="1902831408"/>
+      </p:ext>
+    </p:extLst>
+  </p:cSld>
+  <p:clrMapOvr>
+    <a:masterClrMapping/>
+  </p:clrMapOvr>
+</p:sld>
+</file>
+
+<file path=ppt/slides/slide26.xml><?xml version="1.0" encoding="utf-8"?>
+<p:sld xmlns:a="http://schemas.openxmlformats.org/drawingml/2006/main" xmlns:r="http://schemas.openxmlformats.org/officeDocument/2006/relationships" xmlns:p="http://schemas.openxmlformats.org/presentationml/2006/main">
+  <p:cSld>
+    <p:spTree>
+      <p:nvGrpSpPr>
+        <p:cNvPr id="1" name=""/>
+        <p:cNvGrpSpPr/>
+        <p:nvPr/>
+      </p:nvGrpSpPr>
+      <p:grpSpPr>
+        <a:xfrm>
+          <a:off x="0" y="0"/>
+          <a:ext cx="0" cy="0"/>
+          <a:chOff x="0" y="0"/>
+          <a:chExt cx="0" cy="0"/>
+        </a:xfrm>
+      </p:grpSpPr>
+      <p:sp>
+        <p:nvSpPr>
+          <p:cNvPr id="2" name="タイトル 1"/>
+          <p:cNvSpPr>
+            <a:spLocks noGrp="1"/>
+          </p:cNvSpPr>
+          <p:nvPr>
+            <p:ph type="title"/>
+          </p:nvPr>
+        </p:nvSpPr>
+        <p:spPr/>
+        <p:txBody>
+          <a:bodyPr/>
+          <a:lstStyle/>
+          <a:p>
+            <a:r>
+              <a:rPr kumimoji="1" lang="ja-JP" altLang="en-US" u="sng" dirty="0" smtClean="0">
+                <a:latin typeface="HG丸ｺﾞｼｯｸM-PRO" panose="020F0600000000000000" pitchFamily="50" charset="-128"/>
+                <a:ea typeface="HG丸ｺﾞｼｯｸM-PRO" panose="020F0600000000000000" pitchFamily="50" charset="-128"/>
+              </a:rPr>
+              <a:t>デザインガイドライン</a:t>
+            </a:r>
+            <a:endParaRPr kumimoji="1" lang="ja-JP" altLang="en-US" u="sng" dirty="0">
+              <a:latin typeface="HG丸ｺﾞｼｯｸM-PRO" panose="020F0600000000000000" pitchFamily="50" charset="-128"/>
+              <a:ea typeface="HG丸ｺﾞｼｯｸM-PRO" panose="020F0600000000000000" pitchFamily="50" charset="-128"/>
+            </a:endParaRPr>
+          </a:p>
+        </p:txBody>
+      </p:sp>
+      <p:sp>
+        <p:nvSpPr>
+          <p:cNvPr id="3" name="コンテンツ プレースホルダー 2"/>
+          <p:cNvSpPr>
+            <a:spLocks noGrp="1"/>
+          </p:cNvSpPr>
+          <p:nvPr>
+            <p:ph idx="1"/>
+          </p:nvPr>
+        </p:nvSpPr>
+        <p:spPr/>
+        <p:txBody>
+          <a:bodyPr/>
+          <a:lstStyle/>
+          <a:p>
+            <a:pPr marL="0" indent="0">
+              <a:buNone/>
+            </a:pPr>
+            <a:r>
+              <a:rPr kumimoji="1" lang="ja-JP" altLang="en-US" dirty="0" smtClean="0">
+                <a:latin typeface="BIZ UDゴシック" panose="020B0400000000000000" pitchFamily="49" charset="-128"/>
+                <a:ea typeface="BIZ UDゴシック" panose="020B0400000000000000" pitchFamily="49" charset="-128"/>
+              </a:rPr>
+              <a:t>デメリット：</a:t>
+            </a:r>
+            <a:endParaRPr kumimoji="1" lang="en-US" altLang="ja-JP" dirty="0" smtClean="0">
+              <a:latin typeface="BIZ UDゴシック" panose="020B0400000000000000" pitchFamily="49" charset="-128"/>
+              <a:ea typeface="BIZ UDゴシック" panose="020B0400000000000000" pitchFamily="49" charset="-128"/>
+            </a:endParaRPr>
+          </a:p>
+          <a:p>
+            <a:pPr marL="0" indent="0">
+              <a:buNone/>
+            </a:pPr>
+            <a:r>
+              <a:rPr kumimoji="1" lang="ja-JP" altLang="en-US" dirty="0" smtClean="0">
+                <a:latin typeface="BIZ UDゴシック" panose="020B0400000000000000" pitchFamily="49" charset="-128"/>
+                <a:ea typeface="BIZ UDゴシック" panose="020B0400000000000000" pitchFamily="49" charset="-128"/>
+              </a:rPr>
+              <a:t>・すぐに全体を把握することが難しい</a:t>
+            </a:r>
+            <a:endParaRPr kumimoji="1" lang="en-US" altLang="ja-JP" dirty="0" smtClean="0">
+              <a:latin typeface="BIZ UDゴシック" panose="020B0400000000000000" pitchFamily="49" charset="-128"/>
+              <a:ea typeface="BIZ UDゴシック" panose="020B0400000000000000" pitchFamily="49" charset="-128"/>
+            </a:endParaRPr>
+          </a:p>
+          <a:p>
+            <a:pPr marL="0" indent="0">
+              <a:buNone/>
+            </a:pPr>
+            <a:endParaRPr kumimoji="1" lang="en-US" altLang="ja-JP" dirty="0" smtClean="0">
+              <a:latin typeface="BIZ UDゴシック" panose="020B0400000000000000" pitchFamily="49" charset="-128"/>
+              <a:ea typeface="BIZ UDゴシック" panose="020B0400000000000000" pitchFamily="49" charset="-128"/>
+            </a:endParaRPr>
+          </a:p>
+          <a:p>
+            <a:pPr marL="0" indent="0">
+              <a:buNone/>
+            </a:pPr>
+            <a:r>
+              <a:rPr lang="ja-JP" altLang="en-US" dirty="0" smtClean="0">
+                <a:latin typeface="BIZ UDゴシック" panose="020B0400000000000000" pitchFamily="49" charset="-128"/>
+                <a:ea typeface="BIZ UDゴシック" panose="020B0400000000000000" pitchFamily="49" charset="-128"/>
+              </a:rPr>
+              <a:t>・それぞれのブランドの</a:t>
+            </a:r>
+            <a:r>
+              <a:rPr lang="en-US" altLang="ja-JP" dirty="0" smtClean="0">
+                <a:latin typeface="BIZ UDゴシック" panose="020B0400000000000000" pitchFamily="49" charset="-128"/>
+                <a:ea typeface="BIZ UDゴシック" panose="020B0400000000000000" pitchFamily="49" charset="-128"/>
+              </a:rPr>
+              <a:t>UI</a:t>
+            </a:r>
+            <a:r>
+              <a:rPr lang="ja-JP" altLang="en-US" dirty="0" smtClean="0">
+                <a:latin typeface="BIZ UDゴシック" panose="020B0400000000000000" pitchFamily="49" charset="-128"/>
+                <a:ea typeface="BIZ UDゴシック" panose="020B0400000000000000" pitchFamily="49" charset="-128"/>
+              </a:rPr>
+              <a:t>設計を行いたい！</a:t>
+            </a:r>
+            <a:endParaRPr lang="en-US" altLang="ja-JP" dirty="0" smtClean="0">
+              <a:latin typeface="BIZ UDゴシック" panose="020B0400000000000000" pitchFamily="49" charset="-128"/>
+              <a:ea typeface="BIZ UDゴシック" panose="020B0400000000000000" pitchFamily="49" charset="-128"/>
+            </a:endParaRPr>
+          </a:p>
+          <a:p>
+            <a:pPr marL="0" indent="0">
+              <a:buNone/>
+            </a:pPr>
+            <a:r>
+              <a:rPr lang="ja-JP" altLang="en-US" dirty="0" smtClean="0">
+                <a:latin typeface="BIZ UDゴシック" panose="020B0400000000000000" pitchFamily="49" charset="-128"/>
+                <a:ea typeface="BIZ UDゴシック" panose="020B0400000000000000" pitchFamily="49" charset="-128"/>
+              </a:rPr>
+              <a:t>　→そのガイドラインを出している会社色が強くなってしまう</a:t>
+            </a:r>
+            <a:endParaRPr lang="en-US" altLang="ja-JP" dirty="0" smtClean="0">
+              <a:latin typeface="BIZ UDゴシック" panose="020B0400000000000000" pitchFamily="49" charset="-128"/>
+              <a:ea typeface="BIZ UDゴシック" panose="020B0400000000000000" pitchFamily="49" charset="-128"/>
+            </a:endParaRPr>
+          </a:p>
+          <a:p>
+            <a:pPr marL="0" indent="0">
+              <a:buNone/>
+            </a:pPr>
+            <a:endParaRPr lang="en-US" altLang="ja-JP" dirty="0" smtClean="0">
+              <a:latin typeface="BIZ UDゴシック" panose="020B0400000000000000" pitchFamily="49" charset="-128"/>
+              <a:ea typeface="BIZ UDゴシック" panose="020B0400000000000000" pitchFamily="49" charset="-128"/>
+            </a:endParaRPr>
+          </a:p>
+          <a:p>
+            <a:pPr marL="0" indent="0">
+              <a:buNone/>
+            </a:pPr>
+            <a:r>
+              <a:rPr lang="ja-JP" altLang="en-US" sz="2400" dirty="0" smtClean="0">
+                <a:latin typeface="BIZ UDゴシック" panose="020B0400000000000000" pitchFamily="49" charset="-128"/>
+                <a:ea typeface="BIZ UDゴシック" panose="020B0400000000000000" pitchFamily="49" charset="-128"/>
+              </a:rPr>
+              <a:t>例）</a:t>
+            </a:r>
+            <a:r>
+              <a:rPr lang="en-US" altLang="ja-JP" sz="2400" dirty="0" smtClean="0">
+                <a:latin typeface="BIZ UDゴシック" panose="020B0400000000000000" pitchFamily="49" charset="-128"/>
+                <a:ea typeface="BIZ UDゴシック" panose="020B0400000000000000" pitchFamily="49" charset="-128"/>
+              </a:rPr>
+              <a:t>Material Design</a:t>
+            </a:r>
+            <a:r>
+              <a:rPr lang="ja-JP" altLang="en-US" sz="2400" dirty="0">
+                <a:latin typeface="BIZ UDゴシック" panose="020B0400000000000000" pitchFamily="49" charset="-128"/>
+                <a:ea typeface="BIZ UDゴシック" panose="020B0400000000000000" pitchFamily="49" charset="-128"/>
+              </a:rPr>
+              <a:t>用</a:t>
+            </a:r>
+            <a:r>
+              <a:rPr lang="ja-JP" altLang="en-US" sz="2400" dirty="0" smtClean="0">
+                <a:latin typeface="BIZ UDゴシック" panose="020B0400000000000000" pitchFamily="49" charset="-128"/>
+                <a:ea typeface="BIZ UDゴシック" panose="020B0400000000000000" pitchFamily="49" charset="-128"/>
+              </a:rPr>
+              <a:t>いると、</a:t>
+            </a:r>
+            <a:endParaRPr lang="en-US" altLang="ja-JP" sz="2400" dirty="0" smtClean="0">
+              <a:latin typeface="BIZ UDゴシック" panose="020B0400000000000000" pitchFamily="49" charset="-128"/>
+              <a:ea typeface="BIZ UDゴシック" panose="020B0400000000000000" pitchFamily="49" charset="-128"/>
+            </a:endParaRPr>
+          </a:p>
+          <a:p>
+            <a:pPr marL="0" indent="0">
+              <a:buNone/>
+            </a:pPr>
+            <a:r>
+              <a:rPr lang="ja-JP" altLang="en-US" sz="2400" dirty="0">
+                <a:latin typeface="BIZ UDゴシック" panose="020B0400000000000000" pitchFamily="49" charset="-128"/>
+                <a:ea typeface="BIZ UDゴシック" panose="020B0400000000000000" pitchFamily="49" charset="-128"/>
+              </a:rPr>
+              <a:t>　</a:t>
+            </a:r>
+            <a:r>
+              <a:rPr lang="ja-JP" altLang="en-US" sz="2400" dirty="0" smtClean="0">
+                <a:latin typeface="BIZ UDゴシック" panose="020B0400000000000000" pitchFamily="49" charset="-128"/>
+                <a:ea typeface="BIZ UDゴシック" panose="020B0400000000000000" pitchFamily="49" charset="-128"/>
+              </a:rPr>
+              <a:t>　</a:t>
+            </a:r>
+            <a:r>
+              <a:rPr lang="en-US" altLang="ja-JP" sz="2400" dirty="0" smtClean="0">
+                <a:latin typeface="BIZ UDゴシック" panose="020B0400000000000000" pitchFamily="49" charset="-128"/>
+                <a:ea typeface="BIZ UDゴシック" panose="020B0400000000000000" pitchFamily="49" charset="-128"/>
+              </a:rPr>
+              <a:t>Google</a:t>
+            </a:r>
+            <a:r>
+              <a:rPr lang="ja-JP" altLang="en-US" sz="2400" dirty="0" smtClean="0">
+                <a:latin typeface="BIZ UDゴシック" panose="020B0400000000000000" pitchFamily="49" charset="-128"/>
+                <a:ea typeface="BIZ UDゴシック" panose="020B0400000000000000" pitchFamily="49" charset="-128"/>
+              </a:rPr>
+              <a:t>の</a:t>
+            </a:r>
+            <a:r>
+              <a:rPr lang="en-US" altLang="ja-JP" sz="2400" dirty="0" smtClean="0">
+                <a:latin typeface="BIZ UDゴシック" panose="020B0400000000000000" pitchFamily="49" charset="-128"/>
+                <a:ea typeface="BIZ UDゴシック" panose="020B0400000000000000" pitchFamily="49" charset="-128"/>
+              </a:rPr>
+              <a:t>OS</a:t>
+            </a:r>
+            <a:r>
+              <a:rPr lang="ja-JP" altLang="en-US" sz="2400" dirty="0" smtClean="0">
+                <a:latin typeface="BIZ UDゴシック" panose="020B0400000000000000" pitchFamily="49" charset="-128"/>
+                <a:ea typeface="BIZ UDゴシック" panose="020B0400000000000000" pitchFamily="49" charset="-128"/>
+              </a:rPr>
+              <a:t>「</a:t>
+            </a:r>
+            <a:r>
+              <a:rPr lang="en-US" altLang="ja-JP" sz="2400" dirty="0" smtClean="0">
+                <a:latin typeface="BIZ UDゴシック" panose="020B0400000000000000" pitchFamily="49" charset="-128"/>
+                <a:ea typeface="BIZ UDゴシック" panose="020B0400000000000000" pitchFamily="49" charset="-128"/>
+              </a:rPr>
+              <a:t>Android</a:t>
+            </a:r>
+            <a:r>
+              <a:rPr lang="ja-JP" altLang="en-US" sz="2400" dirty="0" smtClean="0">
+                <a:latin typeface="BIZ UDゴシック" panose="020B0400000000000000" pitchFamily="49" charset="-128"/>
+                <a:ea typeface="BIZ UDゴシック" panose="020B0400000000000000" pitchFamily="49" charset="-128"/>
+              </a:rPr>
+              <a:t>」ら</a:t>
+            </a:r>
+            <a:r>
+              <a:rPr lang="ja-JP" altLang="en-US" sz="2400" dirty="0" err="1" smtClean="0">
+                <a:latin typeface="BIZ UDゴシック" panose="020B0400000000000000" pitchFamily="49" charset="-128"/>
+                <a:ea typeface="BIZ UDゴシック" panose="020B0400000000000000" pitchFamily="49" charset="-128"/>
+              </a:rPr>
+              <a:t>しくなって</a:t>
+            </a:r>
+            <a:r>
+              <a:rPr lang="ja-JP" altLang="en-US" sz="2400" dirty="0" smtClean="0">
+                <a:latin typeface="BIZ UDゴシック" panose="020B0400000000000000" pitchFamily="49" charset="-128"/>
+                <a:ea typeface="BIZ UDゴシック" panose="020B0400000000000000" pitchFamily="49" charset="-128"/>
+              </a:rPr>
+              <a:t>しまう</a:t>
+            </a:r>
+            <a:endParaRPr kumimoji="1" lang="ja-JP" altLang="en-US" sz="2400" dirty="0">
+              <a:latin typeface="BIZ UDゴシック" panose="020B0400000000000000" pitchFamily="49" charset="-128"/>
+              <a:ea typeface="BIZ UDゴシック" panose="020B0400000000000000" pitchFamily="49" charset="-128"/>
+            </a:endParaRPr>
+          </a:p>
+        </p:txBody>
+      </p:sp>
+    </p:spTree>
+    <p:extLst>
+      <p:ext uri="{BB962C8B-B14F-4D97-AF65-F5344CB8AC3E}">
+        <p14:creationId xmlns:p14="http://schemas.microsoft.com/office/powerpoint/2010/main" val="3688448467"/>
+      </p:ext>
+    </p:extLst>
+  </p:cSld>
+  <p:clrMapOvr>
+    <a:masterClrMapping/>
+  </p:clrMapOvr>
+</p:sld>
+</file>
+
+<file path=ppt/slides/slide27.xml><?xml version="1.0" encoding="utf-8"?>
+<p:sld xmlns:a="http://schemas.openxmlformats.org/drawingml/2006/main" xmlns:r="http://schemas.openxmlformats.org/officeDocument/2006/relationships" xmlns:p="http://schemas.openxmlformats.org/presentationml/2006/main">
+  <p:cSld>
+    <p:spTree>
+      <p:nvGrpSpPr>
+        <p:cNvPr id="1" name=""/>
+        <p:cNvGrpSpPr/>
+        <p:nvPr/>
+      </p:nvGrpSpPr>
+      <p:grpSpPr>
+        <a:xfrm>
+          <a:off x="0" y="0"/>
+          <a:ext cx="0" cy="0"/>
+          <a:chOff x="0" y="0"/>
+          <a:chExt cx="0" cy="0"/>
+        </a:xfrm>
+      </p:grpSpPr>
+      <p:sp>
+        <p:nvSpPr>
+          <p:cNvPr id="2" name="タイトル 1"/>
+          <p:cNvSpPr>
+            <a:spLocks noGrp="1"/>
+          </p:cNvSpPr>
+          <p:nvPr>
+            <p:ph type="title"/>
+          </p:nvPr>
+        </p:nvSpPr>
+        <p:spPr/>
+        <p:txBody>
+          <a:bodyPr/>
+          <a:lstStyle/>
+          <a:p>
+            <a:r>
+              <a:rPr kumimoji="1" lang="ja-JP" altLang="en-US" u="sng" dirty="0" smtClean="0"/>
               <a:t>ヤコブの</a:t>
             </a:r>
             <a:r>
-              <a:rPr kumimoji="1" lang="en-US" altLang="ja-JP" dirty="0" smtClean="0"/>
+              <a:rPr kumimoji="1" lang="en-US" altLang="ja-JP" u="sng" dirty="0" smtClean="0"/>
               <a:t>10</a:t>
             </a:r>
             <a:r>
-              <a:rPr kumimoji="1" lang="ja-JP" altLang="en-US" dirty="0" smtClean="0"/>
+              <a:rPr kumimoji="1" lang="ja-JP" altLang="en-US" u="sng" dirty="0" smtClean="0"/>
               <a:t>原則</a:t>
             </a:r>
-            <a:endParaRPr kumimoji="1" lang="ja-JP" altLang="en-US" dirty="0"/>
+            <a:endParaRPr kumimoji="1" lang="ja-JP" altLang="en-US" u="sng" dirty="0"/>
           </a:p>
         </p:txBody>
       </p:sp>
@@ -6185,6 +7550,461 @@
     <p:extLst>
       <p:ext uri="{BB962C8B-B14F-4D97-AF65-F5344CB8AC3E}">
         <p14:creationId xmlns:p14="http://schemas.microsoft.com/office/powerpoint/2010/main" val="3070698731"/>
+      </p:ext>
+    </p:extLst>
+  </p:cSld>
+  <p:clrMapOvr>
+    <a:masterClrMapping/>
+  </p:clrMapOvr>
+</p:sld>
+</file>
+
+<file path=ppt/slides/slide28.xml><?xml version="1.0" encoding="utf-8"?>
+<p:sld xmlns:a="http://schemas.openxmlformats.org/drawingml/2006/main" xmlns:r="http://schemas.openxmlformats.org/officeDocument/2006/relationships" xmlns:p="http://schemas.openxmlformats.org/presentationml/2006/main">
+  <p:cSld>
+    <p:spTree>
+      <p:nvGrpSpPr>
+        <p:cNvPr id="1" name=""/>
+        <p:cNvGrpSpPr/>
+        <p:nvPr/>
+      </p:nvGrpSpPr>
+      <p:grpSpPr>
+        <a:xfrm>
+          <a:off x="0" y="0"/>
+          <a:ext cx="0" cy="0"/>
+          <a:chOff x="0" y="0"/>
+          <a:chExt cx="0" cy="0"/>
+        </a:xfrm>
+      </p:grpSpPr>
+      <p:sp>
+        <p:nvSpPr>
+          <p:cNvPr id="2" name="タイトル 1"/>
+          <p:cNvSpPr>
+            <a:spLocks noGrp="1"/>
+          </p:cNvSpPr>
+          <p:nvPr>
+            <p:ph type="title"/>
+          </p:nvPr>
+        </p:nvSpPr>
+        <p:spPr/>
+        <p:txBody>
+          <a:bodyPr/>
+          <a:lstStyle/>
+          <a:p>
+            <a:r>
+              <a:rPr kumimoji="1" lang="ja-JP" altLang="en-US" u="sng" dirty="0" smtClean="0">
+                <a:latin typeface="HG丸ｺﾞｼｯｸM-PRO" panose="020F0600000000000000" pitchFamily="50" charset="-128"/>
+                <a:ea typeface="HG丸ｺﾞｼｯｸM-PRO" panose="020F0600000000000000" pitchFamily="50" charset="-128"/>
+              </a:rPr>
+              <a:t>なぜ</a:t>
+            </a:r>
+            <a:r>
+              <a:rPr kumimoji="1" lang="en-US" altLang="ja-JP" u="sng" dirty="0" smtClean="0">
+                <a:latin typeface="HG丸ｺﾞｼｯｸM-PRO" panose="020F0600000000000000" pitchFamily="50" charset="-128"/>
+                <a:ea typeface="HG丸ｺﾞｼｯｸM-PRO" panose="020F0600000000000000" pitchFamily="50" charset="-128"/>
+              </a:rPr>
+              <a:t>Material Design</a:t>
+            </a:r>
+            <a:r>
+              <a:rPr kumimoji="1" lang="ja-JP" altLang="en-US" u="sng" dirty="0" smtClean="0">
+                <a:latin typeface="HG丸ｺﾞｼｯｸM-PRO" panose="020F0600000000000000" pitchFamily="50" charset="-128"/>
+                <a:ea typeface="HG丸ｺﾞｼｯｸM-PRO" panose="020F0600000000000000" pitchFamily="50" charset="-128"/>
+              </a:rPr>
+              <a:t>を選んだのか？</a:t>
+            </a:r>
+            <a:endParaRPr kumimoji="1" lang="ja-JP" altLang="en-US" u="sng" dirty="0">
+              <a:latin typeface="HG丸ｺﾞｼｯｸM-PRO" panose="020F0600000000000000" pitchFamily="50" charset="-128"/>
+              <a:ea typeface="HG丸ｺﾞｼｯｸM-PRO" panose="020F0600000000000000" pitchFamily="50" charset="-128"/>
+            </a:endParaRPr>
+          </a:p>
+        </p:txBody>
+      </p:sp>
+      <p:sp>
+        <p:nvSpPr>
+          <p:cNvPr id="3" name="コンテンツ プレースホルダー 2"/>
+          <p:cNvSpPr>
+            <a:spLocks noGrp="1"/>
+          </p:cNvSpPr>
+          <p:nvPr>
+            <p:ph idx="1"/>
+          </p:nvPr>
+        </p:nvSpPr>
+        <p:spPr/>
+        <p:txBody>
+          <a:bodyPr/>
+          <a:lstStyle/>
+          <a:p>
+            <a:r>
+              <a:rPr lang="ja-JP" altLang="en-US" dirty="0"/>
+              <a:t>様々</a:t>
+            </a:r>
+            <a:r>
+              <a:rPr lang="ja-JP" altLang="en-US" dirty="0" smtClean="0"/>
+              <a:t>な</a:t>
+            </a:r>
+            <a:r>
+              <a:rPr lang="en-US" altLang="ja-JP" dirty="0" err="1" smtClean="0"/>
+              <a:t>GuideLines</a:t>
+            </a:r>
+            <a:r>
+              <a:rPr lang="ja-JP" altLang="en-US" dirty="0" smtClean="0"/>
+              <a:t>を比較したうえで、</a:t>
+            </a:r>
+            <a:endParaRPr lang="en-US" altLang="ja-JP" dirty="0" smtClean="0"/>
+          </a:p>
+          <a:p>
+            <a:pPr marL="0" indent="0">
+              <a:buNone/>
+            </a:pPr>
+            <a:r>
+              <a:rPr lang="ja-JP" altLang="en-US" dirty="0" smtClean="0"/>
+              <a:t>   </a:t>
+            </a:r>
+            <a:r>
+              <a:rPr lang="en-US" altLang="ja-JP" dirty="0" smtClean="0"/>
+              <a:t>UI</a:t>
+            </a:r>
+            <a:r>
+              <a:rPr lang="ja-JP" altLang="en-US" dirty="0" smtClean="0"/>
+              <a:t>デザインにおける要素の動き、画面上の色、余白、文言など</a:t>
+            </a:r>
+            <a:endParaRPr lang="en-US" altLang="ja-JP" dirty="0" smtClean="0"/>
+          </a:p>
+          <a:p>
+            <a:pPr marL="0" indent="0">
+              <a:buNone/>
+            </a:pPr>
+            <a:r>
+              <a:rPr lang="ja-JP" altLang="en-US" dirty="0"/>
+              <a:t> </a:t>
+            </a:r>
+            <a:r>
+              <a:rPr lang="ja-JP" altLang="en-US" dirty="0" smtClean="0"/>
+              <a:t>  のガイドラインがかなり細かく設定されている。</a:t>
+            </a:r>
+            <a:endParaRPr lang="en-US" altLang="ja-JP" dirty="0" smtClean="0"/>
+          </a:p>
+          <a:p>
+            <a:endParaRPr kumimoji="1" lang="en-US" altLang="ja-JP" dirty="0"/>
+          </a:p>
+          <a:p>
+            <a:pPr marL="0" indent="0">
+              <a:buNone/>
+            </a:pPr>
+            <a:r>
+              <a:rPr lang="ja-JP" altLang="en-US" dirty="0" smtClean="0"/>
+              <a:t>→ 理論的にデザインを組み立てることを可能としている</a:t>
+            </a:r>
+            <a:endParaRPr lang="en-US" altLang="ja-JP" dirty="0" smtClean="0"/>
+          </a:p>
+          <a:p>
+            <a:pPr marL="0" indent="0">
+              <a:buNone/>
+            </a:pPr>
+            <a:r>
+              <a:rPr kumimoji="1" lang="ja-JP" altLang="en-US" dirty="0"/>
+              <a:t>　</a:t>
+            </a:r>
+            <a:r>
+              <a:rPr kumimoji="1" lang="ja-JP" altLang="en-US" dirty="0" smtClean="0"/>
+              <a:t>（卒業研究向き）</a:t>
+            </a:r>
+            <a:endParaRPr kumimoji="1" lang="ja-JP" altLang="en-US" dirty="0"/>
+          </a:p>
+        </p:txBody>
+      </p:sp>
+    </p:spTree>
+    <p:extLst>
+      <p:ext uri="{BB962C8B-B14F-4D97-AF65-F5344CB8AC3E}">
+        <p14:creationId xmlns:p14="http://schemas.microsoft.com/office/powerpoint/2010/main" val="649915739"/>
+      </p:ext>
+    </p:extLst>
+  </p:cSld>
+  <p:clrMapOvr>
+    <a:masterClrMapping/>
+  </p:clrMapOvr>
+</p:sld>
+</file>
+
+<file path=ppt/slides/slide29.xml><?xml version="1.0" encoding="utf-8"?>
+<p:sld xmlns:a="http://schemas.openxmlformats.org/drawingml/2006/main" xmlns:r="http://schemas.openxmlformats.org/officeDocument/2006/relationships" xmlns:p="http://schemas.openxmlformats.org/presentationml/2006/main">
+  <p:cSld>
+    <p:spTree>
+      <p:nvGrpSpPr>
+        <p:cNvPr id="1" name=""/>
+        <p:cNvGrpSpPr/>
+        <p:nvPr/>
+      </p:nvGrpSpPr>
+      <p:grpSpPr>
+        <a:xfrm>
+          <a:off x="0" y="0"/>
+          <a:ext cx="0" cy="0"/>
+          <a:chOff x="0" y="0"/>
+          <a:chExt cx="0" cy="0"/>
+        </a:xfrm>
+      </p:grpSpPr>
+      <p:sp>
+        <p:nvSpPr>
+          <p:cNvPr id="2" name="タイトル 1"/>
+          <p:cNvSpPr>
+            <a:spLocks noGrp="1"/>
+          </p:cNvSpPr>
+          <p:nvPr>
+            <p:ph type="title"/>
+          </p:nvPr>
+        </p:nvSpPr>
+        <p:spPr/>
+        <p:txBody>
+          <a:bodyPr/>
+          <a:lstStyle/>
+          <a:p>
+            <a:r>
+              <a:rPr kumimoji="1" lang="en-US" altLang="ja-JP" u="sng" dirty="0" smtClean="0">
+                <a:latin typeface="HG丸ｺﾞｼｯｸM-PRO" panose="020F0600000000000000" pitchFamily="50" charset="-128"/>
+                <a:ea typeface="HG丸ｺﾞｼｯｸM-PRO" panose="020F0600000000000000" pitchFamily="50" charset="-128"/>
+              </a:rPr>
+              <a:t>Material Design</a:t>
+            </a:r>
+            <a:r>
+              <a:rPr kumimoji="1" lang="ja-JP" altLang="en-US" u="sng" dirty="0" smtClean="0">
+                <a:latin typeface="HG丸ｺﾞｼｯｸM-PRO" panose="020F0600000000000000" pitchFamily="50" charset="-128"/>
+                <a:ea typeface="HG丸ｺﾞｼｯｸM-PRO" panose="020F0600000000000000" pitchFamily="50" charset="-128"/>
+              </a:rPr>
+              <a:t>　</a:t>
+            </a:r>
+            <a:r>
+              <a:rPr kumimoji="1" lang="en-US" altLang="ja-JP" u="sng" dirty="0" smtClean="0">
+                <a:latin typeface="HG丸ｺﾞｼｯｸM-PRO" panose="020F0600000000000000" pitchFamily="50" charset="-128"/>
+                <a:ea typeface="HG丸ｺﾞｼｯｸM-PRO" panose="020F0600000000000000" pitchFamily="50" charset="-128"/>
+              </a:rPr>
+              <a:t>9</a:t>
+            </a:r>
+            <a:r>
+              <a:rPr kumimoji="1" lang="ja-JP" altLang="en-US" u="sng" dirty="0" err="1" smtClean="0">
+                <a:latin typeface="HG丸ｺﾞｼｯｸM-PRO" panose="020F0600000000000000" pitchFamily="50" charset="-128"/>
+                <a:ea typeface="HG丸ｺﾞｼｯｸM-PRO" panose="020F0600000000000000" pitchFamily="50" charset="-128"/>
+              </a:rPr>
+              <a:t>つの</a:t>
+            </a:r>
+            <a:r>
+              <a:rPr kumimoji="1" lang="ja-JP" altLang="en-US" u="sng" dirty="0" smtClean="0">
+                <a:latin typeface="HG丸ｺﾞｼｯｸM-PRO" panose="020F0600000000000000" pitchFamily="50" charset="-128"/>
+                <a:ea typeface="HG丸ｺﾞｼｯｸM-PRO" panose="020F0600000000000000" pitchFamily="50" charset="-128"/>
+              </a:rPr>
+              <a:t>項目</a:t>
+            </a:r>
+            <a:endParaRPr kumimoji="1" lang="ja-JP" altLang="en-US" u="sng" dirty="0">
+              <a:latin typeface="HG丸ｺﾞｼｯｸM-PRO" panose="020F0600000000000000" pitchFamily="50" charset="-128"/>
+              <a:ea typeface="HG丸ｺﾞｼｯｸM-PRO" panose="020F0600000000000000" pitchFamily="50" charset="-128"/>
+            </a:endParaRPr>
+          </a:p>
+        </p:txBody>
+      </p:sp>
+      <p:sp>
+        <p:nvSpPr>
+          <p:cNvPr id="3" name="コンテンツ プレースホルダー 2"/>
+          <p:cNvSpPr>
+            <a:spLocks noGrp="1"/>
+          </p:cNvSpPr>
+          <p:nvPr>
+            <p:ph idx="1"/>
+          </p:nvPr>
+        </p:nvSpPr>
+        <p:spPr>
+          <a:xfrm>
+            <a:off x="838200" y="1825624"/>
+            <a:ext cx="10515600" cy="5032375"/>
+          </a:xfrm>
+        </p:spPr>
+        <p:txBody>
+          <a:bodyPr>
+            <a:normAutofit lnSpcReduction="10000"/>
+          </a:bodyPr>
+          <a:lstStyle/>
+          <a:p>
+            <a:pPr marL="0" indent="0">
+              <a:buNone/>
+            </a:pPr>
+            <a:r>
+              <a:rPr kumimoji="1" lang="ja-JP" altLang="en-US" b="1" dirty="0" smtClean="0"/>
+              <a:t>３つの原則</a:t>
+            </a:r>
+            <a:endParaRPr kumimoji="1" lang="en-US" altLang="ja-JP" b="1" dirty="0" smtClean="0"/>
+          </a:p>
+          <a:p>
+            <a:r>
+              <a:rPr lang="en-US" altLang="ja-JP" sz="2200" b="1" dirty="0"/>
+              <a:t>Material is the metaphor - Material </a:t>
+            </a:r>
+            <a:r>
+              <a:rPr lang="ja-JP" altLang="en-US" sz="2200" b="1" dirty="0"/>
+              <a:t>はメタファである</a:t>
+            </a:r>
+          </a:p>
+          <a:p>
+            <a:r>
+              <a:rPr lang="en-US" altLang="ja-JP" sz="2200" b="1" dirty="0"/>
+              <a:t>Bold, graphic, intentional - </a:t>
+            </a:r>
+            <a:r>
+              <a:rPr lang="ja-JP" altLang="en-US" sz="2200" b="1" dirty="0"/>
+              <a:t>大胆に、生き生きと、意図的に</a:t>
+            </a:r>
+          </a:p>
+          <a:p>
+            <a:r>
+              <a:rPr lang="en-US" altLang="ja-JP" sz="2200" b="1" dirty="0"/>
+              <a:t>Motion provides meaning - </a:t>
+            </a:r>
+            <a:r>
+              <a:rPr lang="ja-JP" altLang="en-US" sz="2200" b="1" dirty="0"/>
+              <a:t>モーションは意味を提供</a:t>
+            </a:r>
+            <a:r>
+              <a:rPr lang="ja-JP" altLang="en-US" sz="2200" b="1" dirty="0" smtClean="0"/>
+              <a:t>する</a:t>
+            </a:r>
+            <a:endParaRPr lang="en-US" altLang="ja-JP" sz="2200" b="1" dirty="0" smtClean="0"/>
+          </a:p>
+          <a:p>
+            <a:endParaRPr lang="ja-JP" altLang="en-US" b="1" dirty="0"/>
+          </a:p>
+          <a:p>
+            <a:pPr marL="0" indent="0">
+              <a:buNone/>
+            </a:pPr>
+            <a:r>
+              <a:rPr kumimoji="1" lang="ja-JP" altLang="en-US" b="1" dirty="0" smtClean="0"/>
+              <a:t>ガイドライン</a:t>
+            </a:r>
+            <a:endParaRPr kumimoji="1" lang="en-US" altLang="ja-JP" b="1" dirty="0" smtClean="0"/>
+          </a:p>
+          <a:p>
+            <a:r>
+              <a:rPr lang="ja-JP" altLang="en-US" sz="2200" b="1" dirty="0" smtClean="0"/>
+              <a:t>アニメーション</a:t>
+            </a:r>
+            <a:endParaRPr lang="en-US" altLang="ja-JP" sz="2200" dirty="0"/>
+          </a:p>
+          <a:p>
+            <a:r>
+              <a:rPr lang="ja-JP" altLang="en-US" sz="2200" b="1" dirty="0"/>
+              <a:t>スタイル</a:t>
+            </a:r>
+          </a:p>
+          <a:p>
+            <a:r>
+              <a:rPr lang="ja-JP" altLang="en-US" sz="2200" b="1" dirty="0"/>
+              <a:t>レイアウト</a:t>
+            </a:r>
+          </a:p>
+          <a:p>
+            <a:r>
+              <a:rPr lang="ja-JP" altLang="en-US" sz="2200" b="1" dirty="0"/>
+              <a:t>コンポーネント</a:t>
+            </a:r>
+          </a:p>
+          <a:p>
+            <a:r>
+              <a:rPr lang="ja-JP" altLang="en-US" sz="2200" b="1" dirty="0"/>
+              <a:t>パターン</a:t>
+            </a:r>
+          </a:p>
+          <a:p>
+            <a:r>
+              <a:rPr lang="ja-JP" altLang="en-US" sz="2200" b="1" dirty="0"/>
+              <a:t>ユーザビリティ</a:t>
+            </a:r>
+          </a:p>
+          <a:p>
+            <a:endParaRPr lang="ja-JP" altLang="en-US" b="1" dirty="0"/>
+          </a:p>
+        </p:txBody>
+      </p:sp>
+      <p:sp>
+        <p:nvSpPr>
+          <p:cNvPr id="4" name="正方形/長方形 3"/>
+          <p:cNvSpPr/>
+          <p:nvPr/>
+        </p:nvSpPr>
+        <p:spPr>
+          <a:xfrm>
+            <a:off x="4448983" y="6003862"/>
+            <a:ext cx="7743017" cy="646331"/>
+          </a:xfrm>
+          <a:prstGeom prst="rect">
+            <a:avLst/>
+          </a:prstGeom>
+        </p:spPr>
+        <p:txBody>
+          <a:bodyPr wrap="none">
+            <a:spAutoFit/>
+          </a:bodyPr>
+          <a:lstStyle/>
+          <a:p>
+            <a:r>
+              <a:rPr lang="ja-JP" altLang="en-US" dirty="0"/>
+              <a:t>引用</a:t>
+            </a:r>
+            <a:r>
+              <a:rPr lang="ja-JP" altLang="en-US" dirty="0" smtClean="0"/>
+              <a:t>：</a:t>
+            </a:r>
+            <a:r>
+              <a:rPr lang="en-US" altLang="ja-JP" dirty="0"/>
+              <a:t>Google </a:t>
+            </a:r>
+            <a:r>
+              <a:rPr lang="ja-JP" altLang="en-US" dirty="0"/>
+              <a:t>の新しいデザインガイドライン「</a:t>
+            </a:r>
+            <a:r>
+              <a:rPr lang="en-US" altLang="ja-JP" dirty="0"/>
+              <a:t>Material Design</a:t>
+            </a:r>
+            <a:r>
+              <a:rPr lang="ja-JP" altLang="en-US" dirty="0"/>
+              <a:t>」</a:t>
+            </a:r>
+            <a:r>
+              <a:rPr lang="ja-JP" altLang="en-US" dirty="0" smtClean="0"/>
+              <a:t>諏訪悠</a:t>
+            </a:r>
+            <a:r>
+              <a:rPr lang="ja-JP" altLang="en-US" dirty="0"/>
+              <a:t>紀</a:t>
+            </a:r>
+            <a:endParaRPr lang="en-US" altLang="ja-JP" dirty="0" smtClean="0"/>
+          </a:p>
+          <a:p>
+            <a:r>
+              <a:rPr lang="en-US" altLang="ja-JP" dirty="0" smtClean="0"/>
+              <a:t>〔</a:t>
+            </a:r>
+            <a:r>
+              <a:rPr lang="ja-JP" altLang="en-US" dirty="0" smtClean="0"/>
+              <a:t>https</a:t>
+            </a:r>
+            <a:r>
+              <a:rPr lang="ja-JP" altLang="en-US" dirty="0"/>
+              <a:t>://dev.classmethod.jp/articles/google-material-design</a:t>
+            </a:r>
+            <a:r>
+              <a:rPr lang="ja-JP" altLang="en-US" dirty="0" smtClean="0"/>
+              <a:t>/</a:t>
+            </a:r>
+            <a:r>
+              <a:rPr lang="en-US" altLang="ja-JP" dirty="0" smtClean="0"/>
+              <a:t>〕</a:t>
+            </a:r>
+            <a:endParaRPr lang="ja-JP" altLang="en-US" dirty="0"/>
+          </a:p>
+        </p:txBody>
+      </p:sp>
+    </p:spTree>
+    <p:extLst>
+      <p:ext uri="{BB962C8B-B14F-4D97-AF65-F5344CB8AC3E}">
+        <p14:creationId xmlns:p14="http://schemas.microsoft.com/office/powerpoint/2010/main" val="2227760545"/>
       </p:ext>
     </p:extLst>
   </p:cSld>
@@ -6283,6 +8103,369 @@
 </p:sld>
 </file>
 
+<file path=ppt/slides/slide30.xml><?xml version="1.0" encoding="utf-8"?>
+<p:sld xmlns:a="http://schemas.openxmlformats.org/drawingml/2006/main" xmlns:r="http://schemas.openxmlformats.org/officeDocument/2006/relationships" xmlns:p="http://schemas.openxmlformats.org/presentationml/2006/main">
+  <p:cSld>
+    <p:spTree>
+      <p:nvGrpSpPr>
+        <p:cNvPr id="1" name=""/>
+        <p:cNvGrpSpPr/>
+        <p:nvPr/>
+      </p:nvGrpSpPr>
+      <p:grpSpPr>
+        <a:xfrm>
+          <a:off x="0" y="0"/>
+          <a:ext cx="0" cy="0"/>
+          <a:chOff x="0" y="0"/>
+          <a:chExt cx="0" cy="0"/>
+        </a:xfrm>
+      </p:grpSpPr>
+      <p:sp>
+        <p:nvSpPr>
+          <p:cNvPr id="4" name="タイトル 3"/>
+          <p:cNvSpPr>
+            <a:spLocks noGrp="1"/>
+          </p:cNvSpPr>
+          <p:nvPr>
+            <p:ph type="title"/>
+          </p:nvPr>
+        </p:nvSpPr>
+        <p:spPr/>
+        <p:txBody>
+          <a:bodyPr/>
+          <a:lstStyle/>
+          <a:p>
+            <a:r>
+              <a:rPr kumimoji="1" lang="ja-JP" altLang="en-US" u="sng" dirty="0" smtClean="0"/>
+              <a:t>ガイドライン比較</a:t>
+            </a:r>
+            <a:endParaRPr kumimoji="1" lang="ja-JP" altLang="en-US" u="sng" dirty="0"/>
+          </a:p>
+        </p:txBody>
+      </p:sp>
+      <p:sp>
+        <p:nvSpPr>
+          <p:cNvPr id="5" name="テキスト プレースホルダー 4"/>
+          <p:cNvSpPr>
+            <a:spLocks noGrp="1"/>
+          </p:cNvSpPr>
+          <p:nvPr>
+            <p:ph type="body" idx="1"/>
+          </p:nvPr>
+        </p:nvSpPr>
+        <p:spPr/>
+        <p:txBody>
+          <a:bodyPr/>
+          <a:lstStyle/>
+          <a:p>
+            <a:r>
+              <a:rPr kumimoji="1" lang="en-US" altLang="ja-JP" dirty="0" smtClean="0"/>
+              <a:t>Google</a:t>
+            </a:r>
+            <a:endParaRPr kumimoji="1" lang="ja-JP" altLang="en-US" dirty="0"/>
+          </a:p>
+        </p:txBody>
+      </p:sp>
+      <p:sp>
+        <p:nvSpPr>
+          <p:cNvPr id="6" name="コンテンツ プレースホルダー 5"/>
+          <p:cNvSpPr>
+            <a:spLocks noGrp="1"/>
+          </p:cNvSpPr>
+          <p:nvPr>
+            <p:ph sz="half" idx="2"/>
+          </p:nvPr>
+        </p:nvSpPr>
+        <p:spPr/>
+        <p:txBody>
+          <a:bodyPr/>
+          <a:lstStyle/>
+          <a:p>
+            <a:r>
+              <a:rPr kumimoji="1" lang="en-US" altLang="ja-JP" dirty="0" smtClean="0"/>
+              <a:t>1</a:t>
+            </a:r>
+            <a:r>
+              <a:rPr kumimoji="1" lang="ja-JP" altLang="en-US" dirty="0" smtClean="0"/>
+              <a:t>枚の紙のようなパーツ「</a:t>
+            </a:r>
+            <a:r>
+              <a:rPr kumimoji="1" lang="en-US" altLang="ja-JP" dirty="0" smtClean="0"/>
+              <a:t>surface</a:t>
+            </a:r>
+            <a:r>
+              <a:rPr kumimoji="1" lang="ja-JP" altLang="en-US" dirty="0" smtClean="0"/>
+              <a:t>」という概念の元、動きや影のつけ方が紹介されている。</a:t>
+            </a:r>
+            <a:endParaRPr kumimoji="1" lang="ja-JP" altLang="en-US" dirty="0"/>
+          </a:p>
+        </p:txBody>
+      </p:sp>
+      <p:sp>
+        <p:nvSpPr>
+          <p:cNvPr id="7" name="テキスト プレースホルダー 6"/>
+          <p:cNvSpPr>
+            <a:spLocks noGrp="1"/>
+          </p:cNvSpPr>
+          <p:nvPr>
+            <p:ph type="body" sz="quarter" idx="3"/>
+          </p:nvPr>
+        </p:nvSpPr>
+        <p:spPr/>
+        <p:txBody>
+          <a:bodyPr/>
+          <a:lstStyle/>
+          <a:p>
+            <a:r>
+              <a:rPr kumimoji="1" lang="en-US" altLang="ja-JP" dirty="0" smtClean="0"/>
+              <a:t>Apple</a:t>
+            </a:r>
+            <a:endParaRPr kumimoji="1" lang="ja-JP" altLang="en-US" dirty="0"/>
+          </a:p>
+        </p:txBody>
+      </p:sp>
+      <p:sp>
+        <p:nvSpPr>
+          <p:cNvPr id="8" name="コンテンツ プレースホルダー 7"/>
+          <p:cNvSpPr>
+            <a:spLocks noGrp="1"/>
+          </p:cNvSpPr>
+          <p:nvPr>
+            <p:ph sz="quarter" idx="4"/>
+          </p:nvPr>
+        </p:nvSpPr>
+        <p:spPr/>
+        <p:txBody>
+          <a:bodyPr/>
+          <a:lstStyle/>
+          <a:p>
+            <a:r>
+              <a:rPr kumimoji="1" lang="ja-JP" altLang="en-US" dirty="0" smtClean="0"/>
+              <a:t>フラットデザインの元となる「装飾は最低限に」「コンテンツの理解を第一に」という概念のもと、展開されている。</a:t>
+            </a:r>
+            <a:endParaRPr kumimoji="1" lang="ja-JP" altLang="en-US" dirty="0"/>
+          </a:p>
+        </p:txBody>
+      </p:sp>
+      <p:sp>
+        <p:nvSpPr>
+          <p:cNvPr id="10" name="正方形/長方形 9"/>
+          <p:cNvSpPr/>
+          <p:nvPr/>
+        </p:nvSpPr>
+        <p:spPr>
+          <a:xfrm>
+            <a:off x="3890704" y="5866497"/>
+            <a:ext cx="8468985" cy="646331"/>
+          </a:xfrm>
+          <a:prstGeom prst="rect">
+            <a:avLst/>
+          </a:prstGeom>
+        </p:spPr>
+        <p:txBody>
+          <a:bodyPr wrap="none">
+            <a:spAutoFit/>
+          </a:bodyPr>
+          <a:lstStyle/>
+          <a:p>
+            <a:r>
+              <a:rPr lang="ja-JP" altLang="en-US" dirty="0"/>
+              <a:t>出典：独学で</a:t>
+            </a:r>
+            <a:r>
+              <a:rPr lang="en-US" altLang="ja-JP" dirty="0"/>
+              <a:t>UI</a:t>
+            </a:r>
+            <a:r>
+              <a:rPr lang="ja-JP" altLang="en-US" dirty="0"/>
+              <a:t>デザインはじめた方へ。デザインガイドラインについて語ろう</a:t>
+            </a:r>
+            <a:r>
+              <a:rPr lang="ja-JP" altLang="en-US" dirty="0" smtClean="0"/>
+              <a:t>！</a:t>
+            </a:r>
+            <a:endParaRPr lang="en-US" altLang="ja-JP" dirty="0" smtClean="0"/>
+          </a:p>
+          <a:p>
+            <a:r>
+              <a:rPr lang="en-US" altLang="ja-JP" dirty="0" smtClean="0"/>
+              <a:t>〔</a:t>
+            </a:r>
+            <a:r>
+              <a:rPr lang="ja-JP" altLang="en-US" dirty="0" smtClean="0"/>
+              <a:t>https</a:t>
+            </a:r>
+            <a:r>
+              <a:rPr lang="ja-JP" altLang="en-US" dirty="0"/>
+              <a:t>://note.com/n_m_y_y/n/</a:t>
+            </a:r>
+            <a:r>
+              <a:rPr lang="ja-JP" altLang="en-US" dirty="0" smtClean="0"/>
+              <a:t>n2fc3a5c57a89</a:t>
+            </a:r>
+            <a:r>
+              <a:rPr lang="en-US" altLang="ja-JP" dirty="0" smtClean="0"/>
+              <a:t>〕</a:t>
+            </a:r>
+            <a:endParaRPr lang="ja-JP" altLang="en-US" dirty="0"/>
+          </a:p>
+        </p:txBody>
+      </p:sp>
+    </p:spTree>
+    <p:extLst>
+      <p:ext uri="{BB962C8B-B14F-4D97-AF65-F5344CB8AC3E}">
+        <p14:creationId xmlns:p14="http://schemas.microsoft.com/office/powerpoint/2010/main" val="1949330284"/>
+      </p:ext>
+    </p:extLst>
+  </p:cSld>
+  <p:clrMapOvr>
+    <a:masterClrMapping/>
+  </p:clrMapOvr>
+</p:sld>
+</file>
+
+<file path=ppt/slides/slide31.xml><?xml version="1.0" encoding="utf-8"?>
+<p:sld xmlns:a="http://schemas.openxmlformats.org/drawingml/2006/main" xmlns:r="http://schemas.openxmlformats.org/officeDocument/2006/relationships" xmlns:p="http://schemas.openxmlformats.org/presentationml/2006/main">
+  <p:cSld>
+    <p:spTree>
+      <p:nvGrpSpPr>
+        <p:cNvPr id="1" name=""/>
+        <p:cNvGrpSpPr/>
+        <p:nvPr/>
+      </p:nvGrpSpPr>
+      <p:grpSpPr>
+        <a:xfrm>
+          <a:off x="0" y="0"/>
+          <a:ext cx="0" cy="0"/>
+          <a:chOff x="0" y="0"/>
+          <a:chExt cx="0" cy="0"/>
+        </a:xfrm>
+      </p:grpSpPr>
+      <p:pic>
+        <p:nvPicPr>
+          <p:cNvPr id="2050" name="Picture 2" descr="画像1を拡大表示"/>
+          <p:cNvPicPr>
+            <a:picLocks noChangeAspect="1" noChangeArrowheads="1"/>
+          </p:cNvPicPr>
+          <p:nvPr/>
+        </p:nvPicPr>
+        <p:blipFill>
+          <a:blip r:embed="rId2">
+            <a:extLst>
+              <a:ext uri="{28A0092B-C50C-407E-A947-70E740481C1C}">
+                <a14:useLocalDpi xmlns:a14="http://schemas.microsoft.com/office/drawing/2010/main" val="0"/>
+              </a:ext>
+            </a:extLst>
+          </a:blip>
+          <a:srcRect/>
+          <a:stretch>
+            <a:fillRect/>
+          </a:stretch>
+        </p:blipFill>
+        <p:spPr bwMode="auto">
+          <a:xfrm>
+            <a:off x="571501" y="0"/>
+            <a:ext cx="10972801" cy="6858000"/>
+          </a:xfrm>
+          <a:prstGeom prst="rect">
+            <a:avLst/>
+          </a:prstGeom>
+          <a:noFill/>
+          <a:extLst>
+            <a:ext uri="{909E8E84-426E-40DD-AFC4-6F175D3DCCD1}">
+              <a14:hiddenFill xmlns:a14="http://schemas.microsoft.com/office/drawing/2010/main">
+                <a:solidFill>
+                  <a:srgbClr val="FFFFFF"/>
+                </a:solidFill>
+              </a14:hiddenFill>
+            </a:ext>
+          </a:extLst>
+        </p:spPr>
+      </p:pic>
+    </p:spTree>
+    <p:extLst>
+      <p:ext uri="{BB962C8B-B14F-4D97-AF65-F5344CB8AC3E}">
+        <p14:creationId xmlns:p14="http://schemas.microsoft.com/office/powerpoint/2010/main" val="3533184946"/>
+      </p:ext>
+    </p:extLst>
+  </p:cSld>
+  <p:clrMapOvr>
+    <a:masterClrMapping/>
+  </p:clrMapOvr>
+</p:sld>
+</file>
+
+<file path=ppt/slides/slide32.xml><?xml version="1.0" encoding="utf-8"?>
+<p:sld xmlns:a="http://schemas.openxmlformats.org/drawingml/2006/main" xmlns:r="http://schemas.openxmlformats.org/officeDocument/2006/relationships" xmlns:p="http://schemas.openxmlformats.org/presentationml/2006/main">
+  <p:cSld>
+    <p:spTree>
+      <p:nvGrpSpPr>
+        <p:cNvPr id="1" name=""/>
+        <p:cNvGrpSpPr/>
+        <p:nvPr/>
+      </p:nvGrpSpPr>
+      <p:grpSpPr>
+        <a:xfrm>
+          <a:off x="0" y="0"/>
+          <a:ext cx="0" cy="0"/>
+          <a:chOff x="0" y="0"/>
+          <a:chExt cx="0" cy="0"/>
+        </a:xfrm>
+      </p:grpSpPr>
+      <p:pic>
+        <p:nvPicPr>
+          <p:cNvPr id="3074" name="Picture 2" descr="画像2を拡大表示"/>
+          <p:cNvPicPr>
+            <a:picLocks noChangeAspect="1" noChangeArrowheads="1"/>
+          </p:cNvPicPr>
+          <p:nvPr/>
+        </p:nvPicPr>
+        <p:blipFill>
+          <a:blip r:embed="rId2">
+            <a:extLst>
+              <a:ext uri="{28A0092B-C50C-407E-A947-70E740481C1C}">
+                <a14:useLocalDpi xmlns:a14="http://schemas.microsoft.com/office/drawing/2010/main" val="0"/>
+              </a:ext>
+            </a:extLst>
+          </a:blip>
+          <a:srcRect/>
+          <a:stretch>
+            <a:fillRect/>
+          </a:stretch>
+        </p:blipFill>
+        <p:spPr bwMode="auto">
+          <a:xfrm>
+            <a:off x="816430" y="0"/>
+            <a:ext cx="10972799" cy="6858000"/>
+          </a:xfrm>
+          <a:prstGeom prst="rect">
+            <a:avLst/>
+          </a:prstGeom>
+          <a:noFill/>
+          <a:extLst>
+            <a:ext uri="{909E8E84-426E-40DD-AFC4-6F175D3DCCD1}">
+              <a14:hiddenFill xmlns:a14="http://schemas.microsoft.com/office/drawing/2010/main">
+                <a:solidFill>
+                  <a:srgbClr val="FFFFFF"/>
+                </a:solidFill>
+              </a14:hiddenFill>
+            </a:ext>
+          </a:extLst>
+        </p:spPr>
+      </p:pic>
+    </p:spTree>
+    <p:extLst>
+      <p:ext uri="{BB962C8B-B14F-4D97-AF65-F5344CB8AC3E}">
+        <p14:creationId xmlns:p14="http://schemas.microsoft.com/office/powerpoint/2010/main" val="1347945263"/>
+      </p:ext>
+    </p:extLst>
+  </p:cSld>
+  <p:clrMapOvr>
+    <a:masterClrMapping/>
+  </p:clrMapOvr>
+</p:sld>
+</file>
+
 <file path=ppt/slides/slide4.xml><?xml version="1.0" encoding="utf-8"?>
 <p:sld xmlns:a="http://schemas.openxmlformats.org/drawingml/2006/main" xmlns:r="http://schemas.openxmlformats.org/officeDocument/2006/relationships" xmlns:p="http://schemas.openxmlformats.org/presentationml/2006/main">
   <p:cSld>
@@ -6356,6 +8539,13 @@
   <p:clrMapOvr>
     <a:masterClrMapping/>
   </p:clrMapOvr>
+  <p:timing>
+    <p:tnLst>
+      <p:par>
+        <p:cTn id="1" dur="indefinite" restart="never" nodeType="tmRoot"/>
+      </p:par>
+    </p:tnLst>
+  </p:timing>
 </p:sld>
 </file>
 
@@ -6427,7 +8617,9 @@
           </a:xfrm>
         </p:spPr>
         <p:txBody>
-          <a:bodyPr/>
+          <a:bodyPr>
+            <a:normAutofit/>
+          </a:bodyPr>
           <a:lstStyle/>
           <a:p>
             <a:pPr>
@@ -6436,14 +8628,14 @@
             </a:pPr>
             <a:r>
               <a:rPr kumimoji="1" lang="ja-JP" altLang="en-US" dirty="0" smtClean="0">
-                <a:latin typeface="BIZ UDPゴシック" panose="020B0400000000000000" pitchFamily="50" charset="-128"/>
-                <a:ea typeface="BIZ UDPゴシック" panose="020B0400000000000000" pitchFamily="50" charset="-128"/>
+                <a:latin typeface="HG丸ｺﾞｼｯｸM-PRO" panose="020F0600000000000000" pitchFamily="50" charset="-128"/>
+                <a:ea typeface="HG丸ｺﾞｼｯｸM-PRO" panose="020F0600000000000000" pitchFamily="50" charset="-128"/>
               </a:rPr>
               <a:t>見にくく、使いづらいポータルサイト</a:t>
             </a:r>
             <a:endParaRPr kumimoji="1" lang="en-US" altLang="ja-JP" dirty="0" smtClean="0">
-              <a:latin typeface="BIZ UDPゴシック" panose="020B0400000000000000" pitchFamily="50" charset="-128"/>
-              <a:ea typeface="BIZ UDPゴシック" panose="020B0400000000000000" pitchFamily="50" charset="-128"/>
+              <a:latin typeface="HG丸ｺﾞｼｯｸM-PRO" panose="020F0600000000000000" pitchFamily="50" charset="-128"/>
+              <a:ea typeface="HG丸ｺﾞｼｯｸM-PRO" panose="020F0600000000000000" pitchFamily="50" charset="-128"/>
             </a:endParaRPr>
           </a:p>
           <a:p>
@@ -6486,22 +8678,15 @@
               <a:buChar char="l"/>
             </a:pPr>
             <a:r>
-              <a:rPr lang="ja-JP" altLang="en-US" dirty="0">
-                <a:latin typeface="BIZ UDPゴシック" panose="020B0400000000000000" pitchFamily="50" charset="-128"/>
-                <a:ea typeface="BIZ UDPゴシック" panose="020B0400000000000000" pitchFamily="50" charset="-128"/>
-              </a:rPr>
-              <a:t>ユーザ</a:t>
-            </a:r>
-            <a:r>
               <a:rPr lang="ja-JP" altLang="en-US" dirty="0" smtClean="0">
-                <a:latin typeface="BIZ UDPゴシック" panose="020B0400000000000000" pitchFamily="50" charset="-128"/>
-                <a:ea typeface="BIZ UDPゴシック" panose="020B0400000000000000" pitchFamily="50" charset="-128"/>
-              </a:rPr>
-              <a:t>に聞き取り調査</a:t>
+                <a:latin typeface="HG丸ｺﾞｼｯｸM-PRO" panose="020F0600000000000000" pitchFamily="50" charset="-128"/>
+                <a:ea typeface="HG丸ｺﾞｼｯｸM-PRO" panose="020F0600000000000000" pitchFamily="50" charset="-128"/>
+              </a:rPr>
+              <a:t>チーム内で聞き取り調査</a:t>
             </a:r>
             <a:endParaRPr kumimoji="1" lang="en-US" altLang="ja-JP" dirty="0" smtClean="0">
-              <a:latin typeface="BIZ UDPゴシック" panose="020B0400000000000000" pitchFamily="50" charset="-128"/>
-              <a:ea typeface="BIZ UDPゴシック" panose="020B0400000000000000" pitchFamily="50" charset="-128"/>
+              <a:latin typeface="HG丸ｺﾞｼｯｸM-PRO" panose="020F0600000000000000" pitchFamily="50" charset="-128"/>
+              <a:ea typeface="HG丸ｺﾞｼｯｸM-PRO" panose="020F0600000000000000" pitchFamily="50" charset="-128"/>
             </a:endParaRPr>
           </a:p>
           <a:p>
@@ -6545,68 +8730,1068 @@
             </a:pPr>
             <a:r>
               <a:rPr kumimoji="1" lang="ja-JP" altLang="en-US" dirty="0" smtClean="0">
-                <a:latin typeface="BIZ UDPゴシック" panose="020B0400000000000000" pitchFamily="50" charset="-128"/>
-                <a:ea typeface="BIZ UDPゴシック" panose="020B0400000000000000" pitchFamily="50" charset="-128"/>
+                <a:latin typeface="HG丸ｺﾞｼｯｸM-PRO" panose="020F0600000000000000" pitchFamily="50" charset="-128"/>
+                <a:ea typeface="HG丸ｺﾞｼｯｸM-PRO" panose="020F0600000000000000" pitchFamily="50" charset="-128"/>
               </a:rPr>
               <a:t>こんな</a:t>
             </a:r>
             <a:r>
               <a:rPr kumimoji="1" lang="en-US" altLang="ja-JP" dirty="0" smtClean="0">
-                <a:latin typeface="BIZ UDPゴシック" panose="020B0400000000000000" pitchFamily="50" charset="-128"/>
-                <a:ea typeface="BIZ UDPゴシック" panose="020B0400000000000000" pitchFamily="50" charset="-128"/>
+                <a:latin typeface="HG丸ｺﾞｼｯｸM-PRO" panose="020F0600000000000000" pitchFamily="50" charset="-128"/>
+                <a:ea typeface="HG丸ｺﾞｼｯｸM-PRO" panose="020F0600000000000000" pitchFamily="50" charset="-128"/>
               </a:rPr>
               <a:t>UI</a:t>
             </a:r>
             <a:r>
               <a:rPr kumimoji="1" lang="ja-JP" altLang="en-US" dirty="0" err="1" smtClean="0">
-                <a:latin typeface="BIZ UDPゴシック" panose="020B0400000000000000" pitchFamily="50" charset="-128"/>
-                <a:ea typeface="BIZ UDPゴシック" panose="020B0400000000000000" pitchFamily="50" charset="-128"/>
+                <a:latin typeface="HG丸ｺﾞｼｯｸM-PRO" panose="020F0600000000000000" pitchFamily="50" charset="-128"/>
+                <a:ea typeface="HG丸ｺﾞｼｯｸM-PRO" panose="020F0600000000000000" pitchFamily="50" charset="-128"/>
               </a:rPr>
               <a:t>のほうが</a:t>
             </a:r>
             <a:r>
               <a:rPr kumimoji="1" lang="ja-JP" altLang="en-US" dirty="0" smtClean="0">
-                <a:latin typeface="BIZ UDPゴシック" panose="020B0400000000000000" pitchFamily="50" charset="-128"/>
-                <a:ea typeface="BIZ UDPゴシック" panose="020B0400000000000000" pitchFamily="50" charset="-128"/>
+                <a:latin typeface="HG丸ｺﾞｼｯｸM-PRO" panose="020F0600000000000000" pitchFamily="50" charset="-128"/>
+                <a:ea typeface="HG丸ｺﾞｼｯｸM-PRO" panose="020F0600000000000000" pitchFamily="50" charset="-128"/>
               </a:rPr>
               <a:t>見やすく、使いやすいのでは？</a:t>
             </a:r>
             <a:endParaRPr kumimoji="1" lang="en-US" altLang="ja-JP" dirty="0" smtClean="0">
-              <a:latin typeface="BIZ UDPゴシック" panose="020B0400000000000000" pitchFamily="50" charset="-128"/>
-              <a:ea typeface="BIZ UDPゴシック" panose="020B0400000000000000" pitchFamily="50" charset="-128"/>
+              <a:latin typeface="HG丸ｺﾞｼｯｸM-PRO" panose="020F0600000000000000" pitchFamily="50" charset="-128"/>
+              <a:ea typeface="HG丸ｺﾞｼｯｸM-PRO" panose="020F0600000000000000" pitchFamily="50" charset="-128"/>
             </a:endParaRPr>
           </a:p>
           <a:p>
             <a:pPr marL="0" indent="0">
               <a:buNone/>
             </a:pPr>
+            <a:r>
+              <a:rPr lang="en-US" altLang="ja-JP" sz="2000" dirty="0" smtClean="0"/>
+              <a:t>	UI</a:t>
+            </a:r>
+            <a:r>
+              <a:rPr lang="ja-JP" altLang="en-US" sz="2000" dirty="0"/>
+              <a:t>設計を行い、改善案を提案</a:t>
+            </a:r>
+            <a:r>
+              <a:rPr lang="ja-JP" altLang="en-US" sz="2000" dirty="0" smtClean="0"/>
+              <a:t>。</a:t>
+            </a:r>
             <a:r>
               <a:rPr kumimoji="1" lang="en-US" altLang="ja-JP" sz="2000" dirty="0" smtClean="0"/>
               <a:t>	</a:t>
             </a:r>
+          </a:p>
+          <a:p>
+            <a:pPr marL="0" indent="0">
+              <a:buNone/>
+            </a:pPr>
+            <a:r>
+              <a:rPr kumimoji="1" lang="en-US" altLang="ja-JP" sz="2000" dirty="0" smtClean="0"/>
+              <a:t>	</a:t>
+            </a:r>
             <a:r>
               <a:rPr kumimoji="1" lang="ja-JP" altLang="en-US" sz="2000" dirty="0" smtClean="0"/>
               <a:t>こうすればユーザにとって良いのでは？</a:t>
             </a:r>
             <a:endParaRPr kumimoji="1" lang="en-US" altLang="ja-JP" sz="2000" dirty="0" smtClean="0"/>
           </a:p>
+        </p:txBody>
+      </p:sp>
+      <p:cxnSp>
+        <p:nvCxnSpPr>
+          <p:cNvPr id="5" name="直線コネクタ 4"/>
+          <p:cNvCxnSpPr/>
+          <p:nvPr/>
+        </p:nvCxnSpPr>
+        <p:spPr>
+          <a:xfrm>
+            <a:off x="838200" y="1126672"/>
+            <a:ext cx="10515600" cy="0"/>
+          </a:xfrm>
+          <a:prstGeom prst="line">
+            <a:avLst/>
+          </a:prstGeom>
+          <a:ln w="76200"/>
+        </p:spPr>
+        <p:style>
+          <a:lnRef idx="1">
+            <a:schemeClr val="accent1"/>
+          </a:lnRef>
+          <a:fillRef idx="0">
+            <a:schemeClr val="accent1"/>
+          </a:fillRef>
+          <a:effectRef idx="0">
+            <a:schemeClr val="accent1"/>
+          </a:effectRef>
+          <a:fontRef idx="minor">
+            <a:schemeClr val="tx1"/>
+          </a:fontRef>
+        </p:style>
+      </p:cxnSp>
+      <p:pic>
+        <p:nvPicPr>
+          <p:cNvPr id="1030" name="Picture 6" descr="いろいろな表情のスーツを着た人のイラスト（男性） | かわいいフリー素材集 いらすとや"/>
+          <p:cNvPicPr>
+            <a:picLocks noChangeAspect="1" noChangeArrowheads="1"/>
+          </p:cNvPicPr>
+          <p:nvPr/>
+        </p:nvPicPr>
+        <p:blipFill>
+          <a:blip r:embed="rId2" cstate="print">
+            <a:extLst>
+              <a:ext uri="{28A0092B-C50C-407E-A947-70E740481C1C}">
+                <a14:useLocalDpi xmlns:a14="http://schemas.microsoft.com/office/drawing/2010/main" val="0"/>
+              </a:ext>
+            </a:extLst>
+          </a:blip>
+          <a:srcRect/>
+          <a:stretch>
+            <a:fillRect/>
+          </a:stretch>
+        </p:blipFill>
+        <p:spPr bwMode="auto">
+          <a:xfrm>
+            <a:off x="9635605" y="1564367"/>
+            <a:ext cx="1718195" cy="2334209"/>
+          </a:xfrm>
+          <a:prstGeom prst="rect">
+            <a:avLst/>
+          </a:prstGeom>
+          <a:noFill/>
+          <a:extLst>
+            <a:ext uri="{909E8E84-426E-40DD-AFC4-6F175D3DCCD1}">
+              <a14:hiddenFill xmlns:a14="http://schemas.microsoft.com/office/drawing/2010/main">
+                <a:solidFill>
+                  <a:srgbClr val="FFFFFF"/>
+                </a:solidFill>
+              </a14:hiddenFill>
+            </a:ext>
+          </a:extLst>
+        </p:spPr>
+      </p:pic>
+    </p:spTree>
+    <p:extLst>
+      <p:ext uri="{BB962C8B-B14F-4D97-AF65-F5344CB8AC3E}">
+        <p14:creationId xmlns:p14="http://schemas.microsoft.com/office/powerpoint/2010/main" val="3749029901"/>
+      </p:ext>
+    </p:extLst>
+  </p:cSld>
+  <p:clrMapOvr>
+    <a:masterClrMapping/>
+  </p:clrMapOvr>
+  <p:timing>
+    <p:tnLst>
+      <p:par>
+        <p:cTn id="1" dur="indefinite" restart="never" nodeType="tmRoot">
+          <p:childTnLst>
+            <p:seq concurrent="1" nextAc="seek">
+              <p:cTn id="2" dur="indefinite" nodeType="mainSeq">
+                <p:childTnLst>
+                  <p:par>
+                    <p:cTn id="3" fill="hold">
+                      <p:stCondLst>
+                        <p:cond delay="indefinite"/>
+                      </p:stCondLst>
+                      <p:childTnLst>
+                        <p:par>
+                          <p:cTn id="4" fill="hold">
+                            <p:stCondLst>
+                              <p:cond delay="0"/>
+                            </p:stCondLst>
+                            <p:childTnLst>
+                              <p:par>
+                                <p:cTn id="5" presetID="10" presetClass="entr" presetSubtype="0" fill="hold" nodeType="clickEffect">
+                                  <p:stCondLst>
+                                    <p:cond delay="0"/>
+                                  </p:stCondLst>
+                                  <p:childTnLst>
+                                    <p:set>
+                                      <p:cBhvr>
+                                        <p:cTn id="6" dur="1" fill="hold">
+                                          <p:stCondLst>
+                                            <p:cond delay="0"/>
+                                          </p:stCondLst>
+                                        </p:cTn>
+                                        <p:tgtEl>
+                                          <p:spTgt spid="3">
+                                            <p:txEl>
+                                              <p:pRg st="0" end="0"/>
+                                            </p:txEl>
+                                          </p:spTgt>
+                                        </p:tgtEl>
+                                        <p:attrNameLst>
+                                          <p:attrName>style.visibility</p:attrName>
+                                        </p:attrNameLst>
+                                      </p:cBhvr>
+                                      <p:to>
+                                        <p:strVal val="visible"/>
+                                      </p:to>
+                                    </p:set>
+                                    <p:animEffect transition="in" filter="fade">
+                                      <p:cBhvr>
+                                        <p:cTn id="7" dur="500"/>
+                                        <p:tgtEl>
+                                          <p:spTgt spid="3">
+                                            <p:txEl>
+                                              <p:pRg st="0" end="0"/>
+                                            </p:txEl>
+                                          </p:spTgt>
+                                        </p:tgtEl>
+                                      </p:cBhvr>
+                                    </p:animEffect>
+                                  </p:childTnLst>
+                                </p:cTn>
+                              </p:par>
+                              <p:par>
+                                <p:cTn id="8" presetID="10" presetClass="entr" presetSubtype="0" fill="hold" nodeType="withEffect">
+                                  <p:stCondLst>
+                                    <p:cond delay="0"/>
+                                  </p:stCondLst>
+                                  <p:childTnLst>
+                                    <p:set>
+                                      <p:cBhvr>
+                                        <p:cTn id="9" dur="1" fill="hold">
+                                          <p:stCondLst>
+                                            <p:cond delay="0"/>
+                                          </p:stCondLst>
+                                        </p:cTn>
+                                        <p:tgtEl>
+                                          <p:spTgt spid="3">
+                                            <p:txEl>
+                                              <p:pRg st="1" end="1"/>
+                                            </p:txEl>
+                                          </p:spTgt>
+                                        </p:tgtEl>
+                                        <p:attrNameLst>
+                                          <p:attrName>style.visibility</p:attrName>
+                                        </p:attrNameLst>
+                                      </p:cBhvr>
+                                      <p:to>
+                                        <p:strVal val="visible"/>
+                                      </p:to>
+                                    </p:set>
+                                    <p:animEffect transition="in" filter="fade">
+                                      <p:cBhvr>
+                                        <p:cTn id="10" dur="500"/>
+                                        <p:tgtEl>
+                                          <p:spTgt spid="3">
+                                            <p:txEl>
+                                              <p:pRg st="1" end="1"/>
+                                            </p:txEl>
+                                          </p:spTgt>
+                                        </p:tgtEl>
+                                      </p:cBhvr>
+                                    </p:animEffect>
+                                  </p:childTnLst>
+                                </p:cTn>
+                              </p:par>
+                              <p:par>
+                                <p:cTn id="11" presetID="10" presetClass="entr" presetSubtype="0" fill="hold" nodeType="withEffect">
+                                  <p:stCondLst>
+                                    <p:cond delay="0"/>
+                                  </p:stCondLst>
+                                  <p:childTnLst>
+                                    <p:set>
+                                      <p:cBhvr>
+                                        <p:cTn id="12" dur="1" fill="hold">
+                                          <p:stCondLst>
+                                            <p:cond delay="0"/>
+                                          </p:stCondLst>
+                                        </p:cTn>
+                                        <p:tgtEl>
+                                          <p:spTgt spid="3">
+                                            <p:txEl>
+                                              <p:pRg st="2" end="2"/>
+                                            </p:txEl>
+                                          </p:spTgt>
+                                        </p:tgtEl>
+                                        <p:attrNameLst>
+                                          <p:attrName>style.visibility</p:attrName>
+                                        </p:attrNameLst>
+                                      </p:cBhvr>
+                                      <p:to>
+                                        <p:strVal val="visible"/>
+                                      </p:to>
+                                    </p:set>
+                                    <p:animEffect transition="in" filter="fade">
+                                      <p:cBhvr>
+                                        <p:cTn id="13" dur="500"/>
+                                        <p:tgtEl>
+                                          <p:spTgt spid="3">
+                                            <p:txEl>
+                                              <p:pRg st="2" end="2"/>
+                                            </p:txEl>
+                                          </p:spTgt>
+                                        </p:tgtEl>
+                                      </p:cBhvr>
+                                    </p:animEffect>
+                                  </p:childTnLst>
+                                </p:cTn>
+                              </p:par>
+                            </p:childTnLst>
+                          </p:cTn>
+                        </p:par>
+                      </p:childTnLst>
+                    </p:cTn>
+                  </p:par>
+                  <p:par>
+                    <p:cTn id="14" fill="hold">
+                      <p:stCondLst>
+                        <p:cond delay="indefinite"/>
+                      </p:stCondLst>
+                      <p:childTnLst>
+                        <p:par>
+                          <p:cTn id="15" fill="hold">
+                            <p:stCondLst>
+                              <p:cond delay="0"/>
+                            </p:stCondLst>
+                            <p:childTnLst>
+                              <p:par>
+                                <p:cTn id="16" presetID="10" presetClass="entr" presetSubtype="0" fill="hold" nodeType="clickEffect">
+                                  <p:stCondLst>
+                                    <p:cond delay="0"/>
+                                  </p:stCondLst>
+                                  <p:childTnLst>
+                                    <p:set>
+                                      <p:cBhvr>
+                                        <p:cTn id="17" dur="1" fill="hold">
+                                          <p:stCondLst>
+                                            <p:cond delay="0"/>
+                                          </p:stCondLst>
+                                        </p:cTn>
+                                        <p:tgtEl>
+                                          <p:spTgt spid="3">
+                                            <p:txEl>
+                                              <p:pRg st="4" end="4"/>
+                                            </p:txEl>
+                                          </p:spTgt>
+                                        </p:tgtEl>
+                                        <p:attrNameLst>
+                                          <p:attrName>style.visibility</p:attrName>
+                                        </p:attrNameLst>
+                                      </p:cBhvr>
+                                      <p:to>
+                                        <p:strVal val="visible"/>
+                                      </p:to>
+                                    </p:set>
+                                    <p:animEffect transition="in" filter="fade">
+                                      <p:cBhvr>
+                                        <p:cTn id="18" dur="500"/>
+                                        <p:tgtEl>
+                                          <p:spTgt spid="3">
+                                            <p:txEl>
+                                              <p:pRg st="4" end="4"/>
+                                            </p:txEl>
+                                          </p:spTgt>
+                                        </p:tgtEl>
+                                      </p:cBhvr>
+                                    </p:animEffect>
+                                  </p:childTnLst>
+                                </p:cTn>
+                              </p:par>
+                              <p:par>
+                                <p:cTn id="19" presetID="10" presetClass="entr" presetSubtype="0" fill="hold" nodeType="withEffect">
+                                  <p:stCondLst>
+                                    <p:cond delay="0"/>
+                                  </p:stCondLst>
+                                  <p:childTnLst>
+                                    <p:set>
+                                      <p:cBhvr>
+                                        <p:cTn id="20" dur="1" fill="hold">
+                                          <p:stCondLst>
+                                            <p:cond delay="0"/>
+                                          </p:stCondLst>
+                                        </p:cTn>
+                                        <p:tgtEl>
+                                          <p:spTgt spid="3">
+                                            <p:txEl>
+                                              <p:pRg st="5" end="5"/>
+                                            </p:txEl>
+                                          </p:spTgt>
+                                        </p:tgtEl>
+                                        <p:attrNameLst>
+                                          <p:attrName>style.visibility</p:attrName>
+                                        </p:attrNameLst>
+                                      </p:cBhvr>
+                                      <p:to>
+                                        <p:strVal val="visible"/>
+                                      </p:to>
+                                    </p:set>
+                                    <p:animEffect transition="in" filter="fade">
+                                      <p:cBhvr>
+                                        <p:cTn id="21" dur="500"/>
+                                        <p:tgtEl>
+                                          <p:spTgt spid="3">
+                                            <p:txEl>
+                                              <p:pRg st="5" end="5"/>
+                                            </p:txEl>
+                                          </p:spTgt>
+                                        </p:tgtEl>
+                                      </p:cBhvr>
+                                    </p:animEffect>
+                                  </p:childTnLst>
+                                </p:cTn>
+                              </p:par>
+                              <p:par>
+                                <p:cTn id="22" presetID="10" presetClass="entr" presetSubtype="0" fill="hold" nodeType="withEffect">
+                                  <p:stCondLst>
+                                    <p:cond delay="0"/>
+                                  </p:stCondLst>
+                                  <p:childTnLst>
+                                    <p:set>
+                                      <p:cBhvr>
+                                        <p:cTn id="23" dur="1" fill="hold">
+                                          <p:stCondLst>
+                                            <p:cond delay="0"/>
+                                          </p:stCondLst>
+                                        </p:cTn>
+                                        <p:tgtEl>
+                                          <p:spTgt spid="3">
+                                            <p:txEl>
+                                              <p:pRg st="6" end="6"/>
+                                            </p:txEl>
+                                          </p:spTgt>
+                                        </p:tgtEl>
+                                        <p:attrNameLst>
+                                          <p:attrName>style.visibility</p:attrName>
+                                        </p:attrNameLst>
+                                      </p:cBhvr>
+                                      <p:to>
+                                        <p:strVal val="visible"/>
+                                      </p:to>
+                                    </p:set>
+                                    <p:animEffect transition="in" filter="fade">
+                                      <p:cBhvr>
+                                        <p:cTn id="24" dur="500"/>
+                                        <p:tgtEl>
+                                          <p:spTgt spid="3">
+                                            <p:txEl>
+                                              <p:pRg st="6" end="6"/>
+                                            </p:txEl>
+                                          </p:spTgt>
+                                        </p:tgtEl>
+                                      </p:cBhvr>
+                                    </p:animEffect>
+                                  </p:childTnLst>
+                                </p:cTn>
+                              </p:par>
+                            </p:childTnLst>
+                          </p:cTn>
+                        </p:par>
+                      </p:childTnLst>
+                    </p:cTn>
+                  </p:par>
+                  <p:par>
+                    <p:cTn id="25" fill="hold">
+                      <p:stCondLst>
+                        <p:cond delay="indefinite"/>
+                      </p:stCondLst>
+                      <p:childTnLst>
+                        <p:par>
+                          <p:cTn id="26" fill="hold">
+                            <p:stCondLst>
+                              <p:cond delay="0"/>
+                            </p:stCondLst>
+                            <p:childTnLst>
+                              <p:par>
+                                <p:cTn id="27" presetID="10" presetClass="entr" presetSubtype="0" fill="hold" nodeType="clickEffect">
+                                  <p:stCondLst>
+                                    <p:cond delay="0"/>
+                                  </p:stCondLst>
+                                  <p:childTnLst>
+                                    <p:set>
+                                      <p:cBhvr>
+                                        <p:cTn id="28" dur="1" fill="hold">
+                                          <p:stCondLst>
+                                            <p:cond delay="0"/>
+                                          </p:stCondLst>
+                                        </p:cTn>
+                                        <p:tgtEl>
+                                          <p:spTgt spid="3">
+                                            <p:txEl>
+                                              <p:pRg st="8" end="8"/>
+                                            </p:txEl>
+                                          </p:spTgt>
+                                        </p:tgtEl>
+                                        <p:attrNameLst>
+                                          <p:attrName>style.visibility</p:attrName>
+                                        </p:attrNameLst>
+                                      </p:cBhvr>
+                                      <p:to>
+                                        <p:strVal val="visible"/>
+                                      </p:to>
+                                    </p:set>
+                                    <p:animEffect transition="in" filter="fade">
+                                      <p:cBhvr>
+                                        <p:cTn id="29" dur="500"/>
+                                        <p:tgtEl>
+                                          <p:spTgt spid="3">
+                                            <p:txEl>
+                                              <p:pRg st="8" end="8"/>
+                                            </p:txEl>
+                                          </p:spTgt>
+                                        </p:tgtEl>
+                                      </p:cBhvr>
+                                    </p:animEffect>
+                                  </p:childTnLst>
+                                </p:cTn>
+                              </p:par>
+                              <p:par>
+                                <p:cTn id="30" presetID="10" presetClass="entr" presetSubtype="0" fill="hold" nodeType="withEffect">
+                                  <p:stCondLst>
+                                    <p:cond delay="0"/>
+                                  </p:stCondLst>
+                                  <p:childTnLst>
+                                    <p:set>
+                                      <p:cBhvr>
+                                        <p:cTn id="31" dur="1" fill="hold">
+                                          <p:stCondLst>
+                                            <p:cond delay="0"/>
+                                          </p:stCondLst>
+                                        </p:cTn>
+                                        <p:tgtEl>
+                                          <p:spTgt spid="3">
+                                            <p:txEl>
+                                              <p:pRg st="9" end="9"/>
+                                            </p:txEl>
+                                          </p:spTgt>
+                                        </p:tgtEl>
+                                        <p:attrNameLst>
+                                          <p:attrName>style.visibility</p:attrName>
+                                        </p:attrNameLst>
+                                      </p:cBhvr>
+                                      <p:to>
+                                        <p:strVal val="visible"/>
+                                      </p:to>
+                                    </p:set>
+                                    <p:animEffect transition="in" filter="fade">
+                                      <p:cBhvr>
+                                        <p:cTn id="32" dur="500"/>
+                                        <p:tgtEl>
+                                          <p:spTgt spid="3">
+                                            <p:txEl>
+                                              <p:pRg st="9" end="9"/>
+                                            </p:txEl>
+                                          </p:spTgt>
+                                        </p:tgtEl>
+                                      </p:cBhvr>
+                                    </p:animEffect>
+                                  </p:childTnLst>
+                                </p:cTn>
+                              </p:par>
+                              <p:par>
+                                <p:cTn id="33" presetID="10" presetClass="entr" presetSubtype="0" fill="hold" nodeType="withEffect">
+                                  <p:stCondLst>
+                                    <p:cond delay="0"/>
+                                  </p:stCondLst>
+                                  <p:childTnLst>
+                                    <p:set>
+                                      <p:cBhvr>
+                                        <p:cTn id="34" dur="1" fill="hold">
+                                          <p:stCondLst>
+                                            <p:cond delay="0"/>
+                                          </p:stCondLst>
+                                        </p:cTn>
+                                        <p:tgtEl>
+                                          <p:spTgt spid="3">
+                                            <p:txEl>
+                                              <p:pRg st="10" end="10"/>
+                                            </p:txEl>
+                                          </p:spTgt>
+                                        </p:tgtEl>
+                                        <p:attrNameLst>
+                                          <p:attrName>style.visibility</p:attrName>
+                                        </p:attrNameLst>
+                                      </p:cBhvr>
+                                      <p:to>
+                                        <p:strVal val="visible"/>
+                                      </p:to>
+                                    </p:set>
+                                    <p:animEffect transition="in" filter="fade">
+                                      <p:cBhvr>
+                                        <p:cTn id="35" dur="500"/>
+                                        <p:tgtEl>
+                                          <p:spTgt spid="3">
+                                            <p:txEl>
+                                              <p:pRg st="10" end="10"/>
+                                            </p:txEl>
+                                          </p:spTgt>
+                                        </p:tgtEl>
+                                      </p:cBhvr>
+                                    </p:animEffect>
+                                  </p:childTnLst>
+                                </p:cTn>
+                              </p:par>
+                            </p:childTnLst>
+                          </p:cTn>
+                        </p:par>
+                      </p:childTnLst>
+                    </p:cTn>
+                  </p:par>
+                </p:childTnLst>
+              </p:cTn>
+              <p:prevCondLst>
+                <p:cond evt="onPrev" delay="0">
+                  <p:tgtEl>
+                    <p:sldTgt/>
+                  </p:tgtEl>
+                </p:cond>
+              </p:prevCondLst>
+              <p:nextCondLst>
+                <p:cond evt="onNext" delay="0">
+                  <p:tgtEl>
+                    <p:sldTgt/>
+                  </p:tgtEl>
+                </p:cond>
+              </p:nextCondLst>
+            </p:seq>
+          </p:childTnLst>
+        </p:cTn>
+      </p:par>
+    </p:tnLst>
+  </p:timing>
+</p:sld>
+</file>
+
+<file path=ppt/slides/slide6.xml><?xml version="1.0" encoding="utf-8"?>
+<p:sld xmlns:a="http://schemas.openxmlformats.org/drawingml/2006/main" xmlns:r="http://schemas.openxmlformats.org/officeDocument/2006/relationships" xmlns:p="http://schemas.openxmlformats.org/presentationml/2006/main">
+  <p:cSld>
+    <p:spTree>
+      <p:nvGrpSpPr>
+        <p:cNvPr id="1" name=""/>
+        <p:cNvGrpSpPr/>
+        <p:nvPr/>
+      </p:nvGrpSpPr>
+      <p:grpSpPr>
+        <a:xfrm>
+          <a:off x="0" y="0"/>
+          <a:ext cx="0" cy="0"/>
+          <a:chOff x="0" y="0"/>
+          <a:chExt cx="0" cy="0"/>
+        </a:xfrm>
+      </p:grpSpPr>
+      <p:sp>
+        <p:nvSpPr>
+          <p:cNvPr id="3" name="コンテンツ プレースホルダー 2"/>
+          <p:cNvSpPr>
+            <a:spLocks noGrp="1"/>
+          </p:cNvSpPr>
+          <p:nvPr>
+            <p:ph idx="1"/>
+          </p:nvPr>
+        </p:nvSpPr>
+        <p:spPr>
+          <a:xfrm>
+            <a:off x="838200" y="1600200"/>
+            <a:ext cx="10515600" cy="5257799"/>
+          </a:xfrm>
+        </p:spPr>
+        <p:txBody>
+          <a:bodyPr>
+            <a:normAutofit/>
+          </a:bodyPr>
+          <a:lstStyle/>
+          <a:p>
+            <a:r>
+              <a:rPr lang="en-US" altLang="ja-JP" b="1" dirty="0" smtClean="0">
+                <a:latin typeface="HG丸ｺﾞｼｯｸM-PRO" panose="020F0600000000000000" pitchFamily="50" charset="-128"/>
+                <a:ea typeface="HG丸ｺﾞｼｯｸM-PRO" panose="020F0600000000000000" pitchFamily="50" charset="-128"/>
+              </a:rPr>
+              <a:t>UI</a:t>
+            </a:r>
+            <a:r>
+              <a:rPr lang="ja-JP" altLang="en-US" b="1" dirty="0" smtClean="0">
+                <a:latin typeface="HG丸ｺﾞｼｯｸM-PRO" panose="020F0600000000000000" pitchFamily="50" charset="-128"/>
+                <a:ea typeface="HG丸ｺﾞｼｯｸM-PRO" panose="020F0600000000000000" pitchFamily="50" charset="-128"/>
+              </a:rPr>
+              <a:t>デザインの複数の改善案を提案し、どのパターンがユーザビリティの観点で見やすい・使いやすいのかを検証</a:t>
+            </a:r>
+            <a:endParaRPr lang="en-US" altLang="ja-JP" b="1" dirty="0" smtClean="0">
+              <a:latin typeface="HG丸ｺﾞｼｯｸM-PRO" panose="020F0600000000000000" pitchFamily="50" charset="-128"/>
+              <a:ea typeface="HG丸ｺﾞｼｯｸM-PRO" panose="020F0600000000000000" pitchFamily="50" charset="-128"/>
+            </a:endParaRPr>
+          </a:p>
+          <a:p>
+            <a:endParaRPr lang="en-US" altLang="ja-JP" dirty="0" smtClean="0"/>
+          </a:p>
+          <a:p>
+            <a:endParaRPr lang="en-US" altLang="ja-JP" dirty="0" smtClean="0"/>
+          </a:p>
           <a:p>
             <a:pPr marL="0" indent="0">
               <a:buNone/>
             </a:pPr>
             <a:r>
-              <a:rPr kumimoji="1" lang="en-US" altLang="ja-JP" sz="2000" dirty="0" smtClean="0"/>
-              <a:t>	UI</a:t>
-            </a:r>
-            <a:r>
-              <a:rPr kumimoji="1" lang="ja-JP" altLang="en-US" sz="2000" dirty="0" smtClean="0"/>
-              <a:t>設計を行い、改善案を提案</a:t>
-            </a:r>
-            <a:r>
-              <a:rPr lang="ja-JP" altLang="en-US" sz="2000" dirty="0"/>
-              <a:t>。</a:t>
-            </a:r>
-            <a:endParaRPr kumimoji="1" lang="en-US" altLang="ja-JP" sz="2000" dirty="0" smtClean="0"/>
+              <a:rPr lang="ja-JP" altLang="en-US" u="sng" dirty="0" smtClean="0">
+                <a:latin typeface="+mj-ea"/>
+                <a:ea typeface="+mj-ea"/>
+              </a:rPr>
+              <a:t>プロセス</a:t>
+            </a:r>
+            <a:endParaRPr lang="en-US" altLang="ja-JP" u="sng" dirty="0" smtClean="0">
+              <a:latin typeface="+mj-ea"/>
+              <a:ea typeface="+mj-ea"/>
+            </a:endParaRPr>
+          </a:p>
+          <a:p>
+            <a:pPr marL="0" indent="0">
+              <a:buNone/>
+            </a:pPr>
+            <a:r>
+              <a:rPr lang="ja-JP" altLang="en-US" sz="2000" dirty="0" smtClean="0"/>
+              <a:t>　現代のデザインのガイドラインについての調査、現在のポータルサイトのデザインの</a:t>
+            </a:r>
+            <a:endParaRPr lang="en-US" altLang="ja-JP" sz="2000" dirty="0" smtClean="0"/>
+          </a:p>
+          <a:p>
+            <a:pPr marL="0" indent="0">
+              <a:buNone/>
+            </a:pPr>
+            <a:r>
+              <a:rPr lang="ja-JP" altLang="en-US" sz="2000" dirty="0" smtClean="0"/>
+              <a:t>問題の調査の順に調べ、改善案をアプローチする。</a:t>
+            </a:r>
+            <a:endParaRPr lang="en-US" altLang="ja-JP" sz="2000" dirty="0" smtClean="0"/>
+          </a:p>
+        </p:txBody>
+      </p:sp>
+      <p:sp>
+        <p:nvSpPr>
+          <p:cNvPr id="4" name="タイトル 1"/>
+          <p:cNvSpPr txBox="1">
+            <a:spLocks/>
+          </p:cNvSpPr>
+          <p:nvPr/>
+        </p:nvSpPr>
+        <p:spPr>
+          <a:xfrm>
+            <a:off x="838200" y="365126"/>
+            <a:ext cx="10515600" cy="761546"/>
+          </a:xfrm>
+          <a:prstGeom prst="rect">
+            <a:avLst/>
+          </a:prstGeom>
+        </p:spPr>
+        <p:txBody>
+          <a:bodyPr vert="horz" lIns="91440" tIns="45720" rIns="91440" bIns="45720" rtlCol="0" anchor="ctr">
+            <a:normAutofit/>
+          </a:bodyPr>
+          <a:lstStyle>
+            <a:lvl1pPr algn="l" defTabSz="914400" rtl="0" eaLnBrk="1" latinLnBrk="0" hangingPunct="1">
+              <a:lnSpc>
+                <a:spcPct val="90000"/>
+              </a:lnSpc>
+              <a:spcBef>
+                <a:spcPct val="0"/>
+              </a:spcBef>
+              <a:buNone/>
+              <a:defRPr kumimoji="1" sz="4400" kern="1200">
+                <a:solidFill>
+                  <a:schemeClr val="tx1"/>
+                </a:solidFill>
+                <a:latin typeface="+mj-lt"/>
+                <a:ea typeface="+mj-ea"/>
+                <a:cs typeface="+mj-cs"/>
+              </a:defRPr>
+            </a:lvl1pPr>
+          </a:lstStyle>
+          <a:p>
+            <a:r>
+              <a:rPr lang="ja-JP" altLang="en-US" dirty="0" smtClean="0">
+                <a:latin typeface="HG丸ｺﾞｼｯｸM-PRO" panose="020F0600000000000000" pitchFamily="50" charset="-128"/>
+                <a:ea typeface="HG丸ｺﾞｼｯｸM-PRO" panose="020F0600000000000000" pitchFamily="50" charset="-128"/>
+              </a:rPr>
+              <a:t>研究目的</a:t>
+            </a:r>
+            <a:endParaRPr lang="ja-JP" altLang="en-US" dirty="0">
+              <a:latin typeface="HG丸ｺﾞｼｯｸM-PRO" panose="020F0600000000000000" pitchFamily="50" charset="-128"/>
+              <a:ea typeface="HG丸ｺﾞｼｯｸM-PRO" panose="020F0600000000000000" pitchFamily="50" charset="-128"/>
+            </a:endParaRPr>
+          </a:p>
+        </p:txBody>
+      </p:sp>
+      <p:cxnSp>
+        <p:nvCxnSpPr>
+          <p:cNvPr id="5" name="直線コネクタ 4"/>
+          <p:cNvCxnSpPr/>
+          <p:nvPr/>
+        </p:nvCxnSpPr>
+        <p:spPr>
+          <a:xfrm>
+            <a:off x="838200" y="1126672"/>
+            <a:ext cx="10515600" cy="0"/>
+          </a:xfrm>
+          <a:prstGeom prst="line">
+            <a:avLst/>
+          </a:prstGeom>
+          <a:ln w="76200"/>
+        </p:spPr>
+        <p:style>
+          <a:lnRef idx="1">
+            <a:schemeClr val="accent1"/>
+          </a:lnRef>
+          <a:fillRef idx="0">
+            <a:schemeClr val="accent1"/>
+          </a:fillRef>
+          <a:effectRef idx="0">
+            <a:schemeClr val="accent1"/>
+          </a:effectRef>
+          <a:fontRef idx="minor">
+            <a:schemeClr val="tx1"/>
+          </a:fontRef>
+        </p:style>
+      </p:cxnSp>
+      <p:sp>
+        <p:nvSpPr>
+          <p:cNvPr id="2" name="下矢印 1"/>
+          <p:cNvSpPr/>
+          <p:nvPr/>
+        </p:nvSpPr>
+        <p:spPr>
+          <a:xfrm>
+            <a:off x="4630189" y="2784764"/>
+            <a:ext cx="1778924" cy="656705"/>
+          </a:xfrm>
+          <a:prstGeom prst="downArrow">
+            <a:avLst/>
+          </a:prstGeom>
+        </p:spPr>
+        <p:style>
+          <a:lnRef idx="0">
+            <a:schemeClr val="accent2"/>
+          </a:lnRef>
+          <a:fillRef idx="3">
+            <a:schemeClr val="accent2"/>
+          </a:fillRef>
+          <a:effectRef idx="3">
+            <a:schemeClr val="accent2"/>
+          </a:effectRef>
+          <a:fontRef idx="minor">
+            <a:schemeClr val="lt1"/>
+          </a:fontRef>
+        </p:style>
+        <p:txBody>
+          <a:bodyPr rtlCol="0" anchor="ctr"/>
+          <a:lstStyle/>
+          <a:p>
+            <a:pPr algn="ctr"/>
+            <a:endParaRPr kumimoji="1" lang="ja-JP" altLang="en-US"/>
+          </a:p>
+        </p:txBody>
+      </p:sp>
+    </p:spTree>
+    <p:extLst>
+      <p:ext uri="{BB962C8B-B14F-4D97-AF65-F5344CB8AC3E}">
+        <p14:creationId xmlns:p14="http://schemas.microsoft.com/office/powerpoint/2010/main" val="2083245572"/>
+      </p:ext>
+    </p:extLst>
+  </p:cSld>
+  <p:clrMapOvr>
+    <a:masterClrMapping/>
+  </p:clrMapOvr>
+  <p:timing>
+    <p:tnLst>
+      <p:par>
+        <p:cTn id="1" dur="indefinite" restart="never" nodeType="tmRoot"/>
+      </p:par>
+    </p:tnLst>
+  </p:timing>
+</p:sld>
+</file>
+
+<file path=ppt/slides/slide7.xml><?xml version="1.0" encoding="utf-8"?>
+<p:sld xmlns:a="http://schemas.openxmlformats.org/drawingml/2006/main" xmlns:r="http://schemas.openxmlformats.org/officeDocument/2006/relationships" xmlns:p="http://schemas.openxmlformats.org/presentationml/2006/main">
+  <p:cSld>
+    <p:spTree>
+      <p:nvGrpSpPr>
+        <p:cNvPr id="1" name=""/>
+        <p:cNvGrpSpPr/>
+        <p:nvPr/>
+      </p:nvGrpSpPr>
+      <p:grpSpPr>
+        <a:xfrm>
+          <a:off x="0" y="0"/>
+          <a:ext cx="0" cy="0"/>
+          <a:chOff x="0" y="0"/>
+          <a:chExt cx="0" cy="0"/>
+        </a:xfrm>
+      </p:grpSpPr>
+      <p:sp>
+        <p:nvSpPr>
+          <p:cNvPr id="3" name="コンテンツ プレースホルダー 2"/>
+          <p:cNvSpPr>
+            <a:spLocks noGrp="1"/>
+          </p:cNvSpPr>
+          <p:nvPr>
+            <p:ph idx="1"/>
+          </p:nvPr>
+        </p:nvSpPr>
+        <p:spPr>
+          <a:xfrm>
+            <a:off x="838200" y="1600200"/>
+            <a:ext cx="10515600" cy="5257799"/>
+          </a:xfrm>
+        </p:spPr>
+        <p:txBody>
+          <a:bodyPr>
+            <a:normAutofit/>
+          </a:bodyPr>
+          <a:lstStyle/>
+          <a:p>
+            <a:r>
+              <a:rPr lang="en-US" altLang="ja-JP" sz="3200" dirty="0" smtClean="0"/>
+              <a:t>Google</a:t>
+            </a:r>
+            <a:r>
+              <a:rPr lang="ja-JP" altLang="en-US" sz="3200" dirty="0" smtClean="0"/>
+              <a:t>社・</a:t>
+            </a:r>
+            <a:r>
+              <a:rPr lang="en-US" altLang="ja-JP" sz="3200" dirty="0" smtClean="0"/>
+              <a:t>Apple</a:t>
+            </a:r>
+            <a:r>
+              <a:rPr lang="ja-JP" altLang="en-US" sz="3200" dirty="0" smtClean="0"/>
+              <a:t>社・</a:t>
+            </a:r>
+            <a:r>
+              <a:rPr lang="en-US" altLang="ja-JP" sz="3200" dirty="0" smtClean="0"/>
+              <a:t>Microsoft</a:t>
+            </a:r>
+            <a:r>
+              <a:rPr lang="ja-JP" altLang="en-US" sz="3200" dirty="0" smtClean="0"/>
+              <a:t>社の</a:t>
+            </a:r>
+            <a:r>
+              <a:rPr lang="ja-JP" altLang="en-US" sz="3200" dirty="0" smtClean="0"/>
+              <a:t>ガイドラインを調べ、</a:t>
+            </a:r>
+            <a:endParaRPr lang="en-US" altLang="ja-JP" sz="3200" dirty="0" smtClean="0"/>
+          </a:p>
+          <a:p>
+            <a:pPr marL="0" indent="0">
+              <a:buNone/>
+            </a:pPr>
+            <a:r>
+              <a:rPr lang="ja-JP" altLang="en-US" sz="3200" dirty="0" smtClean="0"/>
+              <a:t>  </a:t>
+            </a:r>
+            <a:r>
+              <a:rPr lang="ja-JP" altLang="en-US" sz="3200" dirty="0"/>
+              <a:t>本</a:t>
+            </a:r>
+            <a:r>
+              <a:rPr lang="ja-JP" altLang="en-US" sz="3200" dirty="0" smtClean="0"/>
+              <a:t>研究</a:t>
+            </a:r>
+            <a:r>
+              <a:rPr lang="ja-JP" altLang="en-US" sz="3200" dirty="0" smtClean="0"/>
+              <a:t>に適しているのが</a:t>
+            </a:r>
+            <a:r>
+              <a:rPr lang="ja-JP" altLang="en-US" sz="3200" dirty="0" smtClean="0"/>
+              <a:t>、</a:t>
+            </a:r>
+            <a:endParaRPr lang="en-US" altLang="ja-JP" sz="3200" dirty="0" smtClean="0"/>
+          </a:p>
+          <a:p>
+            <a:pPr marL="0" indent="0">
+              <a:buNone/>
+            </a:pPr>
+            <a:r>
+              <a:rPr lang="en-US" altLang="ja-JP" sz="3200" dirty="0"/>
+              <a:t> </a:t>
+            </a:r>
+            <a:r>
+              <a:rPr lang="en-US" altLang="ja-JP" sz="3200" dirty="0" smtClean="0"/>
+              <a:t> </a:t>
+            </a:r>
+            <a:r>
+              <a:rPr lang="en-US" altLang="ja-JP" sz="3200" dirty="0" smtClean="0"/>
+              <a:t>Google</a:t>
+            </a:r>
+            <a:r>
+              <a:rPr lang="ja-JP" altLang="en-US" sz="3200" dirty="0" smtClean="0"/>
+              <a:t>社の「</a:t>
+            </a:r>
+            <a:r>
+              <a:rPr lang="en-US" altLang="ja-JP" sz="3200" dirty="0" smtClean="0"/>
+              <a:t>Material Design </a:t>
+            </a:r>
+            <a:r>
+              <a:rPr lang="en-US" altLang="ja-JP" sz="3200" dirty="0" err="1" smtClean="0"/>
+              <a:t>GuideLines</a:t>
+            </a:r>
+            <a:r>
+              <a:rPr lang="ja-JP" altLang="en-US" sz="3200" dirty="0" smtClean="0"/>
+              <a:t>」と判断した。</a:t>
+            </a:r>
+            <a:endParaRPr lang="en-US" altLang="ja-JP" sz="3200" dirty="0" smtClean="0"/>
+          </a:p>
+          <a:p>
+            <a:pPr marL="0" indent="0">
+              <a:buNone/>
+            </a:pPr>
+            <a:endParaRPr lang="en-US" altLang="ja-JP" dirty="0" smtClean="0"/>
+          </a:p>
+        </p:txBody>
+      </p:sp>
+      <p:sp>
+        <p:nvSpPr>
+          <p:cNvPr id="4" name="タイトル 1"/>
+          <p:cNvSpPr txBox="1">
+            <a:spLocks/>
+          </p:cNvSpPr>
+          <p:nvPr/>
+        </p:nvSpPr>
+        <p:spPr>
+          <a:xfrm>
+            <a:off x="838200" y="365126"/>
+            <a:ext cx="10515600" cy="761546"/>
+          </a:xfrm>
+          <a:prstGeom prst="rect">
+            <a:avLst/>
+          </a:prstGeom>
+        </p:spPr>
+        <p:txBody>
+          <a:bodyPr vert="horz" lIns="91440" tIns="45720" rIns="91440" bIns="45720" rtlCol="0" anchor="ctr">
+            <a:normAutofit/>
+          </a:bodyPr>
+          <a:lstStyle>
+            <a:lvl1pPr algn="l" defTabSz="914400" rtl="0" eaLnBrk="1" latinLnBrk="0" hangingPunct="1">
+              <a:lnSpc>
+                <a:spcPct val="90000"/>
+              </a:lnSpc>
+              <a:spcBef>
+                <a:spcPct val="0"/>
+              </a:spcBef>
+              <a:buNone/>
+              <a:defRPr kumimoji="1" sz="4400" kern="1200">
+                <a:solidFill>
+                  <a:schemeClr val="tx1"/>
+                </a:solidFill>
+                <a:latin typeface="+mj-lt"/>
+                <a:ea typeface="+mj-ea"/>
+                <a:cs typeface="+mj-cs"/>
+              </a:defRPr>
+            </a:lvl1pPr>
+          </a:lstStyle>
+          <a:p>
+            <a:r>
+              <a:rPr lang="ja-JP" altLang="en-US" dirty="0" smtClean="0">
+                <a:latin typeface="HG丸ｺﾞｼｯｸM-PRO" panose="020F0600000000000000" pitchFamily="50" charset="-128"/>
+                <a:ea typeface="HG丸ｺﾞｼｯｸM-PRO" panose="020F0600000000000000" pitchFamily="50" charset="-128"/>
+              </a:rPr>
+              <a:t>事前</a:t>
+            </a:r>
+            <a:r>
+              <a:rPr lang="ja-JP" altLang="en-US" dirty="0">
+                <a:latin typeface="HG丸ｺﾞｼｯｸM-PRO" panose="020F0600000000000000" pitchFamily="50" charset="-128"/>
+                <a:ea typeface="HG丸ｺﾞｼｯｸM-PRO" panose="020F0600000000000000" pitchFamily="50" charset="-128"/>
+              </a:rPr>
+              <a:t>調査</a:t>
+            </a:r>
           </a:p>
         </p:txBody>
       </p:sp>
@@ -6644,17 +9829,24 @@
     </p:spTree>
     <p:extLst>
       <p:ext uri="{BB962C8B-B14F-4D97-AF65-F5344CB8AC3E}">
-        <p14:creationId xmlns:p14="http://schemas.microsoft.com/office/powerpoint/2010/main" val="3749029901"/>
+        <p14:creationId xmlns:p14="http://schemas.microsoft.com/office/powerpoint/2010/main" val="2554673140"/>
       </p:ext>
     </p:extLst>
   </p:cSld>
   <p:clrMapOvr>
     <a:masterClrMapping/>
   </p:clrMapOvr>
+  <p:timing>
+    <p:tnLst>
+      <p:par>
+        <p:cTn id="1" dur="indefinite" restart="never" nodeType="tmRoot"/>
+      </p:par>
+    </p:tnLst>
+  </p:timing>
 </p:sld>
 </file>
 
-<file path=ppt/slides/slide6.xml><?xml version="1.0" encoding="utf-8"?>
+<file path=ppt/slides/slide8.xml><?xml version="1.0" encoding="utf-8"?>
 <p:sld xmlns:a="http://schemas.openxmlformats.org/drawingml/2006/main" xmlns:r="http://schemas.openxmlformats.org/officeDocument/2006/relationships" xmlns:p="http://schemas.openxmlformats.org/presentationml/2006/main">
   <p:cSld>
     <p:spTree>
@@ -6683,8 +9875,8 @@
         </p:nvSpPr>
         <p:spPr>
           <a:xfrm>
-            <a:off x="838200" y="1288472"/>
-            <a:ext cx="10515600" cy="5569527"/>
+            <a:off x="838200" y="1600200"/>
+            <a:ext cx="10515600" cy="5257799"/>
           </a:xfrm>
         </p:spPr>
         <p:txBody>
@@ -6694,80 +9886,150 @@
           <a:lstStyle/>
           <a:p>
             <a:r>
-              <a:rPr lang="ja-JP" altLang="en-US" dirty="0" smtClean="0"/>
+              <a:rPr lang="ja-JP" altLang="en-US" b="1" dirty="0" smtClean="0">
+                <a:latin typeface="HG丸ｺﾞｼｯｸM-PRO" panose="020F0600000000000000" pitchFamily="50" charset="-128"/>
+                <a:ea typeface="HG丸ｺﾞｼｯｸM-PRO" panose="020F0600000000000000" pitchFamily="50" charset="-128"/>
+              </a:rPr>
               <a:t>デザイン評価</a:t>
             </a:r>
+            <a:endParaRPr lang="en-US" altLang="ja-JP" b="1" dirty="0" smtClean="0">
+              <a:latin typeface="HG丸ｺﾞｼｯｸM-PRO" panose="020F0600000000000000" pitchFamily="50" charset="-128"/>
+              <a:ea typeface="HG丸ｺﾞｼｯｸM-PRO" panose="020F0600000000000000" pitchFamily="50" charset="-128"/>
+            </a:endParaRPr>
+          </a:p>
+          <a:p>
+            <a:pPr marL="0" indent="0">
+              <a:buNone/>
+            </a:pPr>
+            <a:r>
+              <a:rPr lang="ja-JP" altLang="en-US" sz="2000" dirty="0" smtClean="0"/>
+              <a:t>　　</a:t>
+            </a:r>
+            <a:r>
+              <a:rPr lang="ja-JP" altLang="ja-JP" sz="2000" dirty="0" smtClean="0"/>
+              <a:t>定性的</a:t>
+            </a:r>
+            <a:r>
+              <a:rPr lang="ja-JP" altLang="ja-JP" sz="2000" dirty="0"/>
+              <a:t>ユーザビリティにおけるインタビューとヤコブ・ニールセンの</a:t>
+            </a:r>
+            <a:r>
+              <a:rPr lang="en-US" altLang="ja-JP" sz="2000" dirty="0"/>
+              <a:t>10</a:t>
+            </a:r>
+            <a:r>
+              <a:rPr lang="ja-JP" altLang="ja-JP" sz="2000" dirty="0"/>
+              <a:t>原則を</a:t>
+            </a:r>
+            <a:r>
+              <a:rPr lang="ja-JP" altLang="ja-JP" sz="2000" dirty="0" smtClean="0"/>
+              <a:t>用いた</a:t>
+            </a:r>
+            <a:endParaRPr lang="en-US" altLang="ja-JP" sz="2000" dirty="0" smtClean="0"/>
+          </a:p>
+          <a:p>
+            <a:pPr marL="0" indent="0">
+              <a:buNone/>
+            </a:pPr>
+            <a:r>
+              <a:rPr lang="ja-JP" altLang="en-US" sz="2000" dirty="0"/>
+              <a:t>　</a:t>
+            </a:r>
+            <a:r>
+              <a:rPr lang="ja-JP" altLang="en-US" sz="2000" dirty="0" smtClean="0"/>
+              <a:t>　</a:t>
+            </a:r>
+            <a:r>
+              <a:rPr lang="ja-JP" altLang="ja-JP" sz="2000" dirty="0" smtClean="0"/>
+              <a:t>本学</a:t>
+            </a:r>
+            <a:r>
+              <a:rPr lang="ja-JP" altLang="ja-JP" sz="2000" dirty="0"/>
+              <a:t>ポータルサイトの</a:t>
+            </a:r>
+            <a:r>
+              <a:rPr lang="ja-JP" altLang="ja-JP" sz="2000" dirty="0" smtClean="0"/>
+              <a:t>批評</a:t>
+            </a:r>
+            <a:r>
+              <a:rPr lang="ja-JP" altLang="en-US" sz="2000" dirty="0"/>
+              <a:t>。</a:t>
+            </a:r>
+            <a:endParaRPr lang="en-US" altLang="ja-JP" sz="2000" dirty="0" smtClean="0"/>
+          </a:p>
+          <a:p>
             <a:endParaRPr lang="en-US" altLang="ja-JP" dirty="0" smtClean="0"/>
           </a:p>
           <a:p>
+            <a:r>
+              <a:rPr lang="ja-JP" altLang="ja-JP" b="1" dirty="0">
+                <a:latin typeface="HG丸ｺﾞｼｯｸM-PRO" panose="020F0600000000000000" pitchFamily="50" charset="-128"/>
+                <a:ea typeface="HG丸ｺﾞｼｯｸM-PRO" panose="020F0600000000000000" pitchFamily="50" charset="-128"/>
+              </a:rPr>
+              <a:t>改善案における</a:t>
+            </a:r>
+            <a:r>
+              <a:rPr lang="ja-JP" altLang="ja-JP" b="1" dirty="0" smtClean="0">
+                <a:latin typeface="HG丸ｺﾞｼｯｸM-PRO" panose="020F0600000000000000" pitchFamily="50" charset="-128"/>
+                <a:ea typeface="HG丸ｺﾞｼｯｸM-PRO" panose="020F0600000000000000" pitchFamily="50" charset="-128"/>
+              </a:rPr>
+              <a:t>定量</a:t>
+            </a:r>
+            <a:r>
+              <a:rPr lang="ja-JP" altLang="en-US" b="1" dirty="0" smtClean="0">
+                <a:latin typeface="HG丸ｺﾞｼｯｸM-PRO" panose="020F0600000000000000" pitchFamily="50" charset="-128"/>
+                <a:ea typeface="HG丸ｺﾞｼｯｸM-PRO" panose="020F0600000000000000" pitchFamily="50" charset="-128"/>
+              </a:rPr>
+              <a:t>評価</a:t>
+            </a:r>
+            <a:endParaRPr lang="en-US" altLang="ja-JP" b="1" dirty="0" smtClean="0">
+              <a:latin typeface="HG丸ｺﾞｼｯｸM-PRO" panose="020F0600000000000000" pitchFamily="50" charset="-128"/>
+              <a:ea typeface="HG丸ｺﾞｼｯｸM-PRO" panose="020F0600000000000000" pitchFamily="50" charset="-128"/>
+            </a:endParaRPr>
+          </a:p>
+          <a:p>
             <a:pPr marL="0" indent="0">
               <a:buNone/>
             </a:pPr>
             <a:r>
-              <a:rPr lang="ja-JP" altLang="en-US" dirty="0" smtClean="0"/>
-              <a:t>　</a:t>
-            </a:r>
-            <a:r>
-              <a:rPr lang="ja-JP" altLang="ja-JP" dirty="0" smtClean="0"/>
-              <a:t>定性的</a:t>
-            </a:r>
-            <a:r>
-              <a:rPr lang="ja-JP" altLang="ja-JP" dirty="0"/>
-              <a:t>ユーザビリティにおけるインタビューとヤコブ・ニールセンの</a:t>
-            </a:r>
-            <a:r>
-              <a:rPr lang="en-US" altLang="ja-JP" dirty="0"/>
-              <a:t>10</a:t>
-            </a:r>
-            <a:r>
-              <a:rPr lang="ja-JP" altLang="ja-JP" dirty="0"/>
-              <a:t>原則を用いた本学ポータルサイトの</a:t>
-            </a:r>
-            <a:r>
-              <a:rPr lang="ja-JP" altLang="ja-JP" dirty="0" smtClean="0"/>
-              <a:t>批評</a:t>
-            </a:r>
-            <a:r>
-              <a:rPr lang="ja-JP" altLang="en-US" dirty="0"/>
-              <a:t>。</a:t>
-            </a:r>
-            <a:endParaRPr lang="en-US" altLang="ja-JP" dirty="0" smtClean="0"/>
-          </a:p>
-          <a:p>
-            <a:endParaRPr lang="en-US" altLang="ja-JP" dirty="0" smtClean="0"/>
-          </a:p>
-          <a:p>
-            <a:r>
-              <a:rPr lang="ja-JP" altLang="ja-JP" dirty="0"/>
-              <a:t>改善案における</a:t>
-            </a:r>
-            <a:r>
-              <a:rPr lang="ja-JP" altLang="ja-JP" dirty="0" smtClean="0"/>
-              <a:t>定量</a:t>
-            </a:r>
-            <a:r>
-              <a:rPr lang="ja-JP" altLang="en-US" dirty="0" smtClean="0"/>
-              <a:t>評価</a:t>
-            </a:r>
-            <a:endParaRPr lang="en-US" altLang="ja-JP" dirty="0" smtClean="0"/>
+              <a:rPr lang="ja-JP" altLang="en-US" sz="2000" dirty="0" smtClean="0"/>
+              <a:t>　　</a:t>
+            </a:r>
+            <a:r>
+              <a:rPr lang="en-US" altLang="ja-JP" sz="2000" dirty="0" smtClean="0"/>
+              <a:t>Material Design</a:t>
+            </a:r>
+            <a:r>
+              <a:rPr lang="ja-JP" altLang="en-US" sz="2000" dirty="0" smtClean="0"/>
+              <a:t>と東京工芸大学</a:t>
+            </a:r>
+            <a:r>
+              <a:rPr lang="en-US" altLang="ja-JP" sz="2000" dirty="0" smtClean="0"/>
+              <a:t>HP</a:t>
+            </a:r>
+            <a:r>
+              <a:rPr lang="ja-JP" altLang="en-US" sz="2000" dirty="0" smtClean="0"/>
+              <a:t>を用いた改善案を作成したのち、正科生</a:t>
+            </a:r>
+            <a:r>
+              <a:rPr lang="en-US" altLang="ja-JP" sz="2000" dirty="0" smtClean="0"/>
+              <a:t>B</a:t>
+            </a:r>
+            <a:r>
+              <a:rPr lang="ja-JP" altLang="en-US" sz="2000" dirty="0" smtClean="0"/>
+              <a:t>の方々に協</a:t>
+            </a:r>
+            <a:endParaRPr lang="en-US" altLang="ja-JP" sz="2000" dirty="0" smtClean="0"/>
           </a:p>
           <a:p>
             <a:pPr marL="0" indent="0">
               <a:buNone/>
             </a:pPr>
             <a:r>
-              <a:rPr lang="ja-JP" altLang="en-US" dirty="0" smtClean="0"/>
-              <a:t>　正科生</a:t>
-            </a:r>
-            <a:r>
-              <a:rPr lang="en-US" altLang="ja-JP" dirty="0" smtClean="0"/>
-              <a:t>B</a:t>
-            </a:r>
-            <a:r>
-              <a:rPr lang="ja-JP" altLang="en-US" dirty="0" smtClean="0"/>
-              <a:t>の方々に協力いただき、アンケートを採る。</a:t>
-            </a:r>
-            <a:endParaRPr lang="en-US" altLang="ja-JP" dirty="0" smtClean="0"/>
+              <a:rPr lang="ja-JP" altLang="en-US" sz="2000" dirty="0" smtClean="0"/>
+              <a:t>　　力いただき、アンケートを採り今後の展望などを考える。</a:t>
+            </a:r>
+            <a:endParaRPr lang="en-US" altLang="ja-JP" sz="2000" dirty="0" smtClean="0"/>
           </a:p>
         </p:txBody>
       </p:sp>
@@ -6863,17 +10125,24 @@
     </p:spTree>
     <p:extLst>
       <p:ext uri="{BB962C8B-B14F-4D97-AF65-F5344CB8AC3E}">
-        <p14:creationId xmlns:p14="http://schemas.microsoft.com/office/powerpoint/2010/main" val="2083245572"/>
+        <p14:creationId xmlns:p14="http://schemas.microsoft.com/office/powerpoint/2010/main" val="3455799493"/>
       </p:ext>
     </p:extLst>
   </p:cSld>
   <p:clrMapOvr>
     <a:masterClrMapping/>
   </p:clrMapOvr>
+  <p:timing>
+    <p:tnLst>
+      <p:par>
+        <p:cTn id="1" dur="indefinite" restart="never" nodeType="tmRoot"/>
+      </p:par>
+    </p:tnLst>
+  </p:timing>
 </p:sld>
 </file>
 
-<file path=ppt/slides/slide7.xml><?xml version="1.0" encoding="utf-8"?>
+<file path=ppt/slides/slide9.xml><?xml version="1.0" encoding="utf-8"?>
 <p:sld xmlns:a="http://schemas.openxmlformats.org/drawingml/2006/main" xmlns:r="http://schemas.openxmlformats.org/officeDocument/2006/relationships" xmlns:p="http://schemas.openxmlformats.org/presentationml/2006/main">
   <p:cSld>
     <p:spTree>
@@ -6902,8 +10171,8 @@
         </p:nvSpPr>
         <p:spPr>
           <a:xfrm>
-            <a:off x="838200" y="1288472"/>
-            <a:ext cx="10515600" cy="5569527"/>
+            <a:off x="838200" y="1567543"/>
+            <a:ext cx="10515600" cy="5290456"/>
           </a:xfrm>
         </p:spPr>
         <p:txBody>
@@ -6913,62 +10182,174 @@
           <a:lstStyle/>
           <a:p>
             <a:r>
-              <a:rPr lang="ja-JP" altLang="ja-JP" dirty="0" smtClean="0"/>
+              <a:rPr lang="ja-JP" altLang="ja-JP" dirty="0" smtClean="0">
+                <a:latin typeface="HG丸ｺﾞｼｯｸM-PRO" panose="020F0600000000000000" pitchFamily="50" charset="-128"/>
+                <a:ea typeface="HG丸ｺﾞｼｯｸM-PRO" panose="020F0600000000000000" pitchFamily="50" charset="-128"/>
+              </a:rPr>
               <a:t>現在</a:t>
             </a:r>
             <a:r>
-              <a:rPr lang="ja-JP" altLang="ja-JP" dirty="0"/>
+              <a:rPr lang="ja-JP" altLang="ja-JP" dirty="0">
+                <a:latin typeface="HG丸ｺﾞｼｯｸM-PRO" panose="020F0600000000000000" pitchFamily="50" charset="-128"/>
+                <a:ea typeface="HG丸ｺﾞｼｯｸM-PRO" panose="020F0600000000000000" pitchFamily="50" charset="-128"/>
+              </a:rPr>
               <a:t>使われている</a:t>
             </a:r>
             <a:r>
-              <a:rPr lang="ja-JP" altLang="ja-JP" dirty="0" smtClean="0"/>
+              <a:rPr lang="ja-JP" altLang="ja-JP" dirty="0" smtClean="0">
+                <a:latin typeface="HG丸ｺﾞｼｯｸM-PRO" panose="020F0600000000000000" pitchFamily="50" charset="-128"/>
+                <a:ea typeface="HG丸ｺﾞｼｯｸM-PRO" panose="020F0600000000000000" pitchFamily="50" charset="-128"/>
+              </a:rPr>
               <a:t>ポータルサイト</a:t>
             </a:r>
             <a:r>
-              <a:rPr lang="ja-JP" altLang="en-US" dirty="0" smtClean="0"/>
+              <a:rPr lang="ja-JP" altLang="en-US" dirty="0" smtClean="0">
+                <a:latin typeface="HG丸ｺﾞｼｯｸM-PRO" panose="020F0600000000000000" pitchFamily="50" charset="-128"/>
+                <a:ea typeface="HG丸ｺﾞｼｯｸM-PRO" panose="020F0600000000000000" pitchFamily="50" charset="-128"/>
+              </a:rPr>
               <a:t>のデザイン</a:t>
             </a:r>
             <a:r>
-              <a:rPr lang="ja-JP" altLang="ja-JP" dirty="0" smtClean="0"/>
-              <a:t>より、ガイドライン</a:t>
-            </a:r>
-            <a:r>
-              <a:rPr lang="ja-JP" altLang="ja-JP" dirty="0"/>
+              <a:rPr lang="ja-JP" altLang="ja-JP" dirty="0" smtClean="0">
+                <a:latin typeface="HG丸ｺﾞｼｯｸM-PRO" panose="020F0600000000000000" pitchFamily="50" charset="-128"/>
+                <a:ea typeface="HG丸ｺﾞｼｯｸM-PRO" panose="020F0600000000000000" pitchFamily="50" charset="-128"/>
+              </a:rPr>
+              <a:t>より、</a:t>
+            </a:r>
+            <a:endParaRPr lang="en-US" altLang="ja-JP" dirty="0" smtClean="0">
+              <a:latin typeface="HG丸ｺﾞｼｯｸM-PRO" panose="020F0600000000000000" pitchFamily="50" charset="-128"/>
+              <a:ea typeface="HG丸ｺﾞｼｯｸM-PRO" panose="020F0600000000000000" pitchFamily="50" charset="-128"/>
+            </a:endParaRPr>
+          </a:p>
+          <a:p>
+            <a:pPr marL="0" indent="0">
+              <a:buNone/>
+            </a:pPr>
+            <a:r>
+              <a:rPr lang="ja-JP" altLang="en-US" dirty="0" smtClean="0">
+                <a:latin typeface="HG丸ｺﾞｼｯｸM-PRO" panose="020F0600000000000000" pitchFamily="50" charset="-128"/>
+                <a:ea typeface="HG丸ｺﾞｼｯｸM-PRO" panose="020F0600000000000000" pitchFamily="50" charset="-128"/>
+              </a:rPr>
+              <a:t>  </a:t>
+            </a:r>
+            <a:r>
+              <a:rPr lang="ja-JP" altLang="ja-JP" dirty="0" smtClean="0">
+                <a:latin typeface="HG丸ｺﾞｼｯｸM-PRO" panose="020F0600000000000000" pitchFamily="50" charset="-128"/>
+                <a:ea typeface="HG丸ｺﾞｼｯｸM-PRO" panose="020F0600000000000000" pitchFamily="50" charset="-128"/>
+              </a:rPr>
+              <a:t>ガイドライン</a:t>
+            </a:r>
+            <a:r>
+              <a:rPr lang="ja-JP" altLang="ja-JP" dirty="0">
+                <a:latin typeface="HG丸ｺﾞｼｯｸM-PRO" panose="020F0600000000000000" pitchFamily="50" charset="-128"/>
+                <a:ea typeface="HG丸ｺﾞｼｯｸM-PRO" panose="020F0600000000000000" pitchFamily="50" charset="-128"/>
+              </a:rPr>
               <a:t>に沿って</a:t>
             </a:r>
             <a:r>
-              <a:rPr lang="en-US" altLang="ja-JP" dirty="0"/>
+              <a:rPr lang="en-US" altLang="ja-JP" dirty="0">
+                <a:latin typeface="HG丸ｺﾞｼｯｸM-PRO" panose="020F0600000000000000" pitchFamily="50" charset="-128"/>
+                <a:ea typeface="HG丸ｺﾞｼｯｸM-PRO" panose="020F0600000000000000" pitchFamily="50" charset="-128"/>
+              </a:rPr>
               <a:t>UI</a:t>
             </a:r>
             <a:r>
-              <a:rPr lang="ja-JP" altLang="ja-JP" dirty="0"/>
+              <a:rPr lang="ja-JP" altLang="ja-JP" dirty="0">
+                <a:latin typeface="HG丸ｺﾞｼｯｸM-PRO" panose="020F0600000000000000" pitchFamily="50" charset="-128"/>
+                <a:ea typeface="HG丸ｺﾞｼｯｸM-PRO" panose="020F0600000000000000" pitchFamily="50" charset="-128"/>
+              </a:rPr>
               <a:t>設計</a:t>
             </a:r>
             <a:r>
-              <a:rPr lang="ja-JP" altLang="ja-JP" dirty="0" smtClean="0"/>
+              <a:rPr lang="ja-JP" altLang="ja-JP" dirty="0" smtClean="0">
+                <a:latin typeface="HG丸ｺﾞｼｯｸM-PRO" panose="020F0600000000000000" pitchFamily="50" charset="-128"/>
+                <a:ea typeface="HG丸ｺﾞｼｯｸM-PRO" panose="020F0600000000000000" pitchFamily="50" charset="-128"/>
+              </a:rPr>
               <a:t>された</a:t>
             </a:r>
             <a:r>
-              <a:rPr lang="ja-JP" altLang="en-US" dirty="0" smtClean="0"/>
+              <a:rPr lang="ja-JP" altLang="en-US" dirty="0" smtClean="0">
+                <a:latin typeface="HG丸ｺﾞｼｯｸM-PRO" panose="020F0600000000000000" pitchFamily="50" charset="-128"/>
+                <a:ea typeface="HG丸ｺﾞｼｯｸM-PRO" panose="020F0600000000000000" pitchFamily="50" charset="-128"/>
+              </a:rPr>
               <a:t>デザイン</a:t>
             </a:r>
             <a:r>
-              <a:rPr lang="ja-JP" altLang="ja-JP" dirty="0" smtClean="0"/>
+              <a:rPr lang="ja-JP" altLang="ja-JP" dirty="0" smtClean="0">
+                <a:latin typeface="HG丸ｺﾞｼｯｸM-PRO" panose="020F0600000000000000" pitchFamily="50" charset="-128"/>
+                <a:ea typeface="HG丸ｺﾞｼｯｸM-PRO" panose="020F0600000000000000" pitchFamily="50" charset="-128"/>
+              </a:rPr>
               <a:t>の</a:t>
             </a:r>
             <a:r>
-              <a:rPr lang="ja-JP" altLang="ja-JP" dirty="0"/>
-              <a:t>ほうが視覚的に見やすく、利用</a:t>
-            </a:r>
-            <a:r>
-              <a:rPr lang="ja-JP" altLang="ja-JP" dirty="0" smtClean="0"/>
+              <a:rPr lang="ja-JP" altLang="ja-JP" dirty="0">
+                <a:latin typeface="HG丸ｺﾞｼｯｸM-PRO" panose="020F0600000000000000" pitchFamily="50" charset="-128"/>
+                <a:ea typeface="HG丸ｺﾞｼｯｸM-PRO" panose="020F0600000000000000" pitchFamily="50" charset="-128"/>
+              </a:rPr>
+              <a:t>ほうが視覚的</a:t>
+            </a:r>
+            <a:r>
+              <a:rPr lang="ja-JP" altLang="ja-JP" dirty="0" smtClean="0">
+                <a:latin typeface="HG丸ｺﾞｼｯｸM-PRO" panose="020F0600000000000000" pitchFamily="50" charset="-128"/>
+                <a:ea typeface="HG丸ｺﾞｼｯｸM-PRO" panose="020F0600000000000000" pitchFamily="50" charset="-128"/>
+              </a:rPr>
+              <a:t>に</a:t>
+            </a:r>
+            <a:endParaRPr lang="en-US" altLang="ja-JP" dirty="0" smtClean="0">
+              <a:latin typeface="HG丸ｺﾞｼｯｸM-PRO" panose="020F0600000000000000" pitchFamily="50" charset="-128"/>
+              <a:ea typeface="HG丸ｺﾞｼｯｸM-PRO" panose="020F0600000000000000" pitchFamily="50" charset="-128"/>
+            </a:endParaRPr>
+          </a:p>
+          <a:p>
+            <a:pPr marL="0" indent="0">
+              <a:buNone/>
+            </a:pPr>
+            <a:r>
+              <a:rPr lang="en-US" altLang="ja-JP" dirty="0">
+                <a:latin typeface="HG丸ｺﾞｼｯｸM-PRO" panose="020F0600000000000000" pitchFamily="50" charset="-128"/>
+                <a:ea typeface="HG丸ｺﾞｼｯｸM-PRO" panose="020F0600000000000000" pitchFamily="50" charset="-128"/>
+              </a:rPr>
+              <a:t> </a:t>
+            </a:r>
+            <a:r>
+              <a:rPr lang="en-US" altLang="ja-JP" dirty="0" smtClean="0">
+                <a:latin typeface="HG丸ｺﾞｼｯｸM-PRO" panose="020F0600000000000000" pitchFamily="50" charset="-128"/>
+                <a:ea typeface="HG丸ｺﾞｼｯｸM-PRO" panose="020F0600000000000000" pitchFamily="50" charset="-128"/>
+              </a:rPr>
+              <a:t> </a:t>
+            </a:r>
+            <a:r>
+              <a:rPr lang="ja-JP" altLang="ja-JP" dirty="0" smtClean="0">
+                <a:latin typeface="HG丸ｺﾞｼｯｸM-PRO" panose="020F0600000000000000" pitchFamily="50" charset="-128"/>
+                <a:ea typeface="HG丸ｺﾞｼｯｸM-PRO" panose="020F0600000000000000" pitchFamily="50" charset="-128"/>
+              </a:rPr>
+              <a:t>見やすく</a:t>
+            </a:r>
+            <a:r>
+              <a:rPr lang="ja-JP" altLang="ja-JP" dirty="0">
+                <a:latin typeface="HG丸ｺﾞｼｯｸM-PRO" panose="020F0600000000000000" pitchFamily="50" charset="-128"/>
+                <a:ea typeface="HG丸ｺﾞｼｯｸM-PRO" panose="020F0600000000000000" pitchFamily="50" charset="-128"/>
+              </a:rPr>
+              <a:t>、利用</a:t>
+            </a:r>
+            <a:r>
+              <a:rPr lang="ja-JP" altLang="ja-JP" dirty="0" smtClean="0">
+                <a:latin typeface="HG丸ｺﾞｼｯｸM-PRO" panose="020F0600000000000000" pitchFamily="50" charset="-128"/>
+                <a:ea typeface="HG丸ｺﾞｼｯｸM-PRO" panose="020F0600000000000000" pitchFamily="50" charset="-128"/>
+              </a:rPr>
               <a:t>しやすい</a:t>
             </a:r>
             <a:r>
-              <a:rPr lang="ja-JP" altLang="en-US" dirty="0" smtClean="0"/>
+              <a:rPr lang="ja-JP" altLang="en-US" dirty="0" smtClean="0">
+                <a:latin typeface="HG丸ｺﾞｼｯｸM-PRO" panose="020F0600000000000000" pitchFamily="50" charset="-128"/>
+                <a:ea typeface="HG丸ｺﾞｼｯｸM-PRO" panose="020F0600000000000000" pitchFamily="50" charset="-128"/>
+              </a:rPr>
               <a:t>となるのでは？</a:t>
             </a:r>
-            <a:endParaRPr lang="en-US" altLang="ja-JP" dirty="0" smtClean="0"/>
+            <a:endParaRPr lang="en-US" altLang="ja-JP" dirty="0" smtClean="0">
+              <a:latin typeface="HG丸ｺﾞｼｯｸM-PRO" panose="020F0600000000000000" pitchFamily="50" charset="-128"/>
+              <a:ea typeface="HG丸ｺﾞｼｯｸM-PRO" panose="020F0600000000000000" pitchFamily="50" charset="-128"/>
+            </a:endParaRPr>
           </a:p>
           <a:p>
             <a:pPr marL="0" indent="0">
@@ -6981,128 +10362,124 @@
               <a:buNone/>
             </a:pPr>
             <a:r>
-              <a:rPr lang="ja-JP" altLang="en-US" sz="1800" dirty="0"/>
-              <a:t>日本デザイン学会　第</a:t>
-            </a:r>
-            <a:r>
-              <a:rPr lang="en-US" altLang="ja-JP" sz="1800" dirty="0"/>
+              <a:rPr lang="ja-JP" altLang="en-US" sz="1400" dirty="0" smtClean="0"/>
+              <a:t>先行研究：</a:t>
+            </a:r>
+            <a:endParaRPr lang="en-US" altLang="ja-JP" sz="1400" dirty="0" smtClean="0"/>
+          </a:p>
+          <a:p>
+            <a:pPr marL="0" indent="0" fontAlgn="base">
+              <a:buNone/>
+            </a:pPr>
+            <a:r>
+              <a:rPr lang="ja-JP" altLang="en-US" sz="1400" dirty="0" smtClean="0"/>
+              <a:t>日本</a:t>
+            </a:r>
+            <a:r>
+              <a:rPr lang="ja-JP" altLang="en-US" sz="1400" dirty="0"/>
+              <a:t>デザイン学会　第</a:t>
+            </a:r>
+            <a:r>
+              <a:rPr lang="en-US" altLang="ja-JP" sz="1400" dirty="0"/>
               <a:t>65</a:t>
             </a:r>
             <a:r>
-              <a:rPr lang="ja-JP" altLang="en-US" sz="1800" dirty="0"/>
+              <a:rPr lang="ja-JP" altLang="en-US" sz="1400" dirty="0"/>
               <a:t>回春季研究発表</a:t>
             </a:r>
             <a:r>
-              <a:rPr lang="ja-JP" altLang="en-US" sz="1800" dirty="0" smtClean="0"/>
+              <a:rPr lang="ja-JP" altLang="en-US" sz="1400" dirty="0" smtClean="0"/>
               <a:t>大会</a:t>
             </a:r>
-            <a:endParaRPr lang="en-US" altLang="ja-JP" sz="1800" dirty="0" smtClean="0"/>
-          </a:p>
-          <a:p>
-            <a:pPr marL="0" indent="0" fontAlgn="base">
-              <a:buNone/>
-            </a:pPr>
-            <a:r>
-              <a:rPr lang="en-US" altLang="ja-JP" sz="1800" dirty="0" smtClean="0"/>
+            <a:r>
+              <a:rPr lang="en-US" altLang="ja-JP" sz="1400" dirty="0"/>
+              <a:t>-</a:t>
+            </a:r>
+            <a:r>
+              <a:rPr lang="en-US" altLang="ja-JP" sz="1400" dirty="0" smtClean="0"/>
               <a:t>UI</a:t>
             </a:r>
             <a:r>
-              <a:rPr lang="ja-JP" altLang="en-US" sz="1800" dirty="0"/>
+              <a:rPr lang="ja-JP" altLang="en-US" sz="1400" dirty="0"/>
               <a:t>デザインのデザインガイドラインの</a:t>
             </a:r>
             <a:r>
-              <a:rPr lang="ja-JP" altLang="en-US" sz="1800" dirty="0" smtClean="0"/>
+              <a:rPr lang="ja-JP" altLang="en-US" sz="1400" dirty="0" smtClean="0"/>
               <a:t>研究</a:t>
             </a:r>
             <a:r>
-              <a:rPr lang="en-US" altLang="ja-JP" sz="1800" dirty="0" smtClean="0"/>
+              <a:rPr lang="en-US" altLang="ja-JP" sz="1400" dirty="0" smtClean="0"/>
               <a:t>-UX</a:t>
             </a:r>
             <a:r>
-              <a:rPr lang="ja-JP" altLang="en-US" sz="1800" dirty="0"/>
+              <a:rPr lang="ja-JP" altLang="en-US" sz="1400" dirty="0"/>
               <a:t>視点でのデザインガイドラインのアプローチの</a:t>
             </a:r>
             <a:r>
-              <a:rPr lang="ja-JP" altLang="en-US" sz="1800" dirty="0" smtClean="0"/>
+              <a:rPr lang="ja-JP" altLang="en-US" sz="1400" dirty="0" smtClean="0"/>
               <a:t>提案</a:t>
             </a:r>
             <a:r>
-              <a:rPr lang="en-US" altLang="ja-JP" sz="1800" dirty="0" smtClean="0"/>
+              <a:rPr lang="en-US" altLang="ja-JP" sz="1400" dirty="0" smtClean="0"/>
               <a:t>-</a:t>
             </a:r>
-            <a:endParaRPr lang="en-US" altLang="ja-JP" sz="1800" dirty="0"/>
-          </a:p>
-          <a:p>
-            <a:pPr marL="0" indent="0" fontAlgn="base">
-              <a:buNone/>
-            </a:pPr>
-            <a:r>
-              <a:rPr lang="zh-CN" altLang="en-US" sz="1800" dirty="0">
+            <a:r>
+              <a:rPr lang="en-US" altLang="ja-JP" sz="1400" dirty="0"/>
+              <a:t> </a:t>
+            </a:r>
+            <a:r>
+              <a:rPr lang="ja-JP" altLang="en-US" sz="1400" dirty="0" smtClean="0">
                 <a:latin typeface="游ゴシック" panose="020B0400000000000000" pitchFamily="50" charset="-128"/>
                 <a:ea typeface="游ゴシック" panose="020B0400000000000000" pitchFamily="50" charset="-128"/>
               </a:rPr>
-              <a:t>千葉工業大学大学院 内堀裕一</a:t>
-            </a:r>
-            <a:r>
-              <a:rPr lang="zh-CN" altLang="en-US" sz="1800" dirty="0" smtClean="0">
+              <a:t>著</a:t>
+            </a:r>
+            <a:r>
+              <a:rPr lang="zh-CN" altLang="en-US" sz="1400" dirty="0" smtClean="0">
                 <a:latin typeface="游ゴシック" panose="020B0400000000000000" pitchFamily="50" charset="-128"/>
                 <a:ea typeface="游ゴシック" panose="020B0400000000000000" pitchFamily="50" charset="-128"/>
               </a:rPr>
-              <a:t>朗</a:t>
-            </a:r>
-            <a:r>
-              <a:rPr lang="en-US" altLang="zh-CN" sz="1800" dirty="0" smtClean="0">
+              <a:t>内堀</a:t>
+            </a:r>
+            <a:r>
+              <a:rPr lang="zh-CN" altLang="en-US" sz="1400" dirty="0">
                 <a:latin typeface="游ゴシック" panose="020B0400000000000000" pitchFamily="50" charset="-128"/>
                 <a:ea typeface="游ゴシック" panose="020B0400000000000000" pitchFamily="50" charset="-128"/>
               </a:rPr>
-              <a:t>/</a:t>
-            </a:r>
-            <a:r>
-              <a:rPr lang="zh-CN" altLang="en-US" sz="1800" dirty="0" smtClean="0">
+              <a:t>裕一</a:t>
+            </a:r>
+            <a:r>
+              <a:rPr lang="zh-CN" altLang="en-US" sz="1400" dirty="0" smtClean="0">
                 <a:latin typeface="游ゴシック" panose="020B0400000000000000" pitchFamily="50" charset="-128"/>
                 <a:ea typeface="游ゴシック" panose="020B0400000000000000" pitchFamily="50" charset="-128"/>
               </a:rPr>
-              <a:t>千葉</a:t>
-            </a:r>
-            <a:r>
-              <a:rPr lang="zh-CN" altLang="en-US" sz="1800" dirty="0">
+              <a:t>朗 山崎和彦</a:t>
+            </a:r>
+            <a:endParaRPr lang="en-US" altLang="zh-CN" sz="1400" dirty="0"/>
+          </a:p>
+          <a:p>
+            <a:pPr marL="0" indent="0" fontAlgn="base">
+              <a:buNone/>
+            </a:pPr>
+            <a:r>
+              <a:rPr lang="en-US" altLang="ja-JP" sz="1400" dirty="0">
                 <a:latin typeface="游ゴシック" panose="020B0400000000000000" pitchFamily="50" charset="-128"/>
-                <a:ea typeface="游ゴシック" panose="020B0400000000000000" pitchFamily="50" charset="-128"/>
-              </a:rPr>
-              <a:t>工業大学 山崎</a:t>
-            </a:r>
-            <a:r>
-              <a:rPr lang="zh-CN" altLang="en-US" sz="1800" dirty="0" smtClean="0">
+              </a:rPr>
+              <a:t>〔https://www.jstage.jst.go.jp/article/</a:t>
+            </a:r>
+            <a:r>
+              <a:rPr lang="en-US" altLang="ja-JP" sz="1400" dirty="0" err="1">
                 <a:latin typeface="游ゴシック" panose="020B0400000000000000" pitchFamily="50" charset="-128"/>
-                <a:ea typeface="游ゴシック" panose="020B0400000000000000" pitchFamily="50" charset="-128"/>
-              </a:rPr>
-              <a:t>和彦</a:t>
-            </a:r>
-            <a:endParaRPr lang="en-US" altLang="zh-CN" dirty="0"/>
-          </a:p>
-          <a:p>
-            <a:pPr marL="0" indent="0" fontAlgn="base">
-              <a:buNone/>
-            </a:pPr>
-            <a:r>
-              <a:rPr lang="en-US" altLang="ja-JP" sz="1800" dirty="0">
+              </a:rPr>
+              <a:t>jssd</a:t>
+            </a:r>
+            <a:r>
+              <a:rPr lang="en-US" altLang="ja-JP" sz="1400" dirty="0">
                 <a:latin typeface="游ゴシック" panose="020B0400000000000000" pitchFamily="50" charset="-128"/>
               </a:rPr>
-              <a:t>〔https://www.jstage.jst.go.jp/article/</a:t>
-            </a:r>
-            <a:r>
-              <a:rPr lang="en-US" altLang="ja-JP" sz="1800" dirty="0" err="1">
-                <a:latin typeface="游ゴシック" panose="020B0400000000000000" pitchFamily="50" charset="-128"/>
-              </a:rPr>
-              <a:t>jssd</a:t>
-            </a:r>
-            <a:r>
-              <a:rPr lang="en-US" altLang="ja-JP" sz="1800" dirty="0">
-                <a:latin typeface="游ゴシック" panose="020B0400000000000000" pitchFamily="50" charset="-128"/>
-              </a:rPr>
               <a:t>/65/0/65_134/_article/-char/ja/〕</a:t>
             </a:r>
-            <a:endParaRPr lang="zh-CN" altLang="en-US" sz="1800" dirty="0">
+            <a:endParaRPr lang="zh-CN" altLang="en-US" sz="1400" dirty="0">
               <a:latin typeface="游ゴシック" panose="020B0400000000000000" pitchFamily="50" charset="-128"/>
               <a:ea typeface="游ゴシック" panose="020B0400000000000000" pitchFamily="50" charset="-128"/>
             </a:endParaRPr>
@@ -7195,582 +10572,6 @@
     <p:extLst>
       <p:ext uri="{BB962C8B-B14F-4D97-AF65-F5344CB8AC3E}">
         <p14:creationId xmlns:p14="http://schemas.microsoft.com/office/powerpoint/2010/main" val="3422333725"/>
-      </p:ext>
-    </p:extLst>
-  </p:cSld>
-  <p:clrMapOvr>
-    <a:masterClrMapping/>
-  </p:clrMapOvr>
-</p:sld>
-</file>
-
-<file path=ppt/slides/slide8.xml><?xml version="1.0" encoding="utf-8"?>
-<p:sld xmlns:a="http://schemas.openxmlformats.org/drawingml/2006/main" xmlns:r="http://schemas.openxmlformats.org/officeDocument/2006/relationships" xmlns:p="http://schemas.openxmlformats.org/presentationml/2006/main">
-  <p:cSld>
-    <p:spTree>
-      <p:nvGrpSpPr>
-        <p:cNvPr id="1" name=""/>
-        <p:cNvGrpSpPr/>
-        <p:nvPr/>
-      </p:nvGrpSpPr>
-      <p:grpSpPr>
-        <a:xfrm>
-          <a:off x="0" y="0"/>
-          <a:ext cx="0" cy="0"/>
-          <a:chOff x="0" y="0"/>
-          <a:chExt cx="0" cy="0"/>
-        </a:xfrm>
-      </p:grpSpPr>
-      <p:sp>
-        <p:nvSpPr>
-          <p:cNvPr id="3" name="コンテンツ プレースホルダー 2"/>
-          <p:cNvSpPr>
-            <a:spLocks noGrp="1"/>
-          </p:cNvSpPr>
-          <p:nvPr>
-            <p:ph idx="1"/>
-          </p:nvPr>
-        </p:nvSpPr>
-        <p:spPr>
-          <a:xfrm>
-            <a:off x="838200" y="1289956"/>
-            <a:ext cx="10515600" cy="5290457"/>
-          </a:xfrm>
-        </p:spPr>
-        <p:txBody>
-          <a:bodyPr/>
-          <a:lstStyle/>
-          <a:p>
-            <a:pPr marL="514350" indent="-514350">
-              <a:buFont typeface="+mj-lt"/>
-              <a:buAutoNum type="alphaUcParenR"/>
-            </a:pPr>
-            <a:r>
-              <a:rPr kumimoji="1" lang="ja-JP" altLang="en-US" sz="3600" dirty="0" smtClean="0">
-                <a:effectLst>
-                  <a:outerShdw blurRad="38100" dist="38100" dir="2700000" algn="tl">
-                    <a:srgbClr val="000000">
-                      <a:alpha val="43137"/>
-                    </a:srgbClr>
-                  </a:outerShdw>
-                </a:effectLst>
-              </a:rPr>
-              <a:t>学生に対するインタビュー</a:t>
-            </a:r>
-            <a:endParaRPr kumimoji="1" lang="en-US" altLang="ja-JP" sz="3600" dirty="0" smtClean="0">
-              <a:effectLst>
-                <a:outerShdw blurRad="38100" dist="38100" dir="2700000" algn="tl">
-                  <a:srgbClr val="000000">
-                    <a:alpha val="43137"/>
-                  </a:srgbClr>
-                </a:outerShdw>
-              </a:effectLst>
-            </a:endParaRPr>
-          </a:p>
-          <a:p>
-            <a:pPr marL="0" indent="0">
-              <a:buNone/>
-            </a:pPr>
-            <a:r>
-              <a:rPr lang="ja-JP" altLang="en-US" dirty="0" smtClean="0"/>
-              <a:t>　</a:t>
-            </a:r>
-            <a:r>
-              <a:rPr lang="ja-JP" altLang="en-US" sz="2400" u="sng" dirty="0"/>
-              <a:t>対象</a:t>
-            </a:r>
-            <a:r>
-              <a:rPr lang="ja-JP" altLang="en-US" sz="2400" u="sng" dirty="0" smtClean="0"/>
-              <a:t>：北海道情報大学通信教育部 正科生</a:t>
-            </a:r>
-            <a:r>
-              <a:rPr lang="en-US" altLang="ja-JP" sz="2400" u="sng" dirty="0" smtClean="0"/>
-              <a:t>B</a:t>
-            </a:r>
-            <a:r>
-              <a:rPr lang="ja-JP" altLang="en-US" sz="2400" u="sng" dirty="0" smtClean="0"/>
-              <a:t>の</a:t>
-            </a:r>
-            <a:r>
-              <a:rPr lang="en-US" altLang="ja-JP" sz="2400" u="sng" dirty="0" smtClean="0"/>
-              <a:t>3</a:t>
-            </a:r>
-            <a:r>
-              <a:rPr lang="ja-JP" altLang="en-US" sz="2400" u="sng" dirty="0" smtClean="0"/>
-              <a:t>人</a:t>
-            </a:r>
-            <a:endParaRPr lang="en-US" altLang="ja-JP" sz="2400" u="sng" dirty="0" smtClean="0"/>
-          </a:p>
-          <a:p>
-            <a:pPr marL="0" indent="0">
-              <a:buNone/>
-            </a:pPr>
-            <a:r>
-              <a:rPr lang="ja-JP" altLang="en-US" dirty="0"/>
-              <a:t>　</a:t>
-            </a:r>
-            <a:r>
-              <a:rPr lang="ja-JP" altLang="en-US" dirty="0" smtClean="0"/>
-              <a:t>システムの利用状況、使用感、システムに期待することを中心にインタビューを行った。（定性的ユーザビリティ調査）</a:t>
-            </a:r>
-            <a:endParaRPr lang="en-US" altLang="ja-JP" dirty="0" smtClean="0"/>
-          </a:p>
-          <a:p>
-            <a:pPr marL="0" indent="0">
-              <a:buNone/>
-            </a:pPr>
-            <a:endParaRPr kumimoji="1" lang="en-US" altLang="ja-JP" dirty="0" smtClean="0"/>
-          </a:p>
-          <a:p>
-            <a:pPr marL="0" indent="0">
-              <a:buNone/>
-            </a:pPr>
-            <a:endParaRPr kumimoji="1" lang="en-US" altLang="ja-JP" dirty="0" smtClean="0"/>
-          </a:p>
-          <a:p>
-            <a:pPr marL="0" indent="0">
-              <a:buNone/>
-            </a:pPr>
-            <a:r>
-              <a:rPr lang="ja-JP" altLang="en-US" dirty="0" smtClean="0"/>
-              <a:t>結論：</a:t>
-            </a:r>
-            <a:endParaRPr lang="en-US" altLang="ja-JP" dirty="0"/>
-          </a:p>
-          <a:p>
-            <a:pPr marL="0" indent="0">
-              <a:buNone/>
-            </a:pPr>
-            <a:r>
-              <a:rPr lang="en-US" altLang="ja-JP" dirty="0" smtClean="0"/>
-              <a:t>3</a:t>
-            </a:r>
-            <a:r>
-              <a:rPr lang="ja-JP" altLang="en-US" dirty="0" smtClean="0"/>
-              <a:t>人それぞれが、使いにくい・満足度が低いと判断。</a:t>
-            </a:r>
-            <a:endParaRPr lang="en-US" altLang="ja-JP" dirty="0" smtClean="0"/>
-          </a:p>
-          <a:p>
-            <a:pPr marL="0" indent="0">
-              <a:buNone/>
-            </a:pPr>
-            <a:r>
-              <a:rPr lang="ja-JP" altLang="en-US" dirty="0" smtClean="0"/>
-              <a:t>少なからず、デザインに関して問題があるのではないか？</a:t>
-            </a:r>
-            <a:endParaRPr kumimoji="1" lang="en-US" altLang="ja-JP" dirty="0"/>
-          </a:p>
-          <a:p>
-            <a:pPr marL="0" indent="0">
-              <a:buNone/>
-            </a:pPr>
-            <a:endParaRPr kumimoji="1" lang="ja-JP" altLang="en-US" dirty="0"/>
-          </a:p>
-        </p:txBody>
-      </p:sp>
-      <p:sp>
-        <p:nvSpPr>
-          <p:cNvPr id="4" name="タイトル 1"/>
-          <p:cNvSpPr txBox="1">
-            <a:spLocks/>
-          </p:cNvSpPr>
-          <p:nvPr/>
-        </p:nvSpPr>
-        <p:spPr>
-          <a:xfrm>
-            <a:off x="838200" y="365126"/>
-            <a:ext cx="11353800" cy="761546"/>
-          </a:xfrm>
-          <a:prstGeom prst="rect">
-            <a:avLst/>
-          </a:prstGeom>
-        </p:spPr>
-        <p:txBody>
-          <a:bodyPr vert="horz" lIns="91440" tIns="45720" rIns="91440" bIns="45720" rtlCol="0" anchor="ctr">
-            <a:normAutofit/>
-          </a:bodyPr>
-          <a:lstStyle>
-            <a:lvl1pPr algn="l" defTabSz="914400" rtl="0" eaLnBrk="1" latinLnBrk="0" hangingPunct="1">
-              <a:lnSpc>
-                <a:spcPct val="90000"/>
-              </a:lnSpc>
-              <a:spcBef>
-                <a:spcPct val="0"/>
-              </a:spcBef>
-              <a:buNone/>
-              <a:defRPr kumimoji="1" sz="4400" kern="1200">
-                <a:solidFill>
-                  <a:schemeClr val="tx1"/>
-                </a:solidFill>
-                <a:latin typeface="+mj-lt"/>
-                <a:ea typeface="+mj-ea"/>
-                <a:cs typeface="+mj-cs"/>
-              </a:defRPr>
-            </a:lvl1pPr>
-          </a:lstStyle>
-          <a:p>
-            <a:r>
-              <a:rPr lang="ja-JP" altLang="en-US" dirty="0" smtClean="0">
-                <a:latin typeface="HG丸ｺﾞｼｯｸM-PRO" panose="020F0600000000000000" pitchFamily="50" charset="-128"/>
-                <a:ea typeface="HG丸ｺﾞｼｯｸM-PRO" panose="020F0600000000000000" pitchFamily="50" charset="-128"/>
-              </a:rPr>
-              <a:t>デザイン調査</a:t>
-            </a:r>
-            <a:endParaRPr lang="ja-JP" altLang="en-US" dirty="0">
-              <a:latin typeface="HG丸ｺﾞｼｯｸM-PRO" panose="020F0600000000000000" pitchFamily="50" charset="-128"/>
-              <a:ea typeface="HG丸ｺﾞｼｯｸM-PRO" panose="020F0600000000000000" pitchFamily="50" charset="-128"/>
-            </a:endParaRPr>
-          </a:p>
-        </p:txBody>
-      </p:sp>
-      <p:cxnSp>
-        <p:nvCxnSpPr>
-          <p:cNvPr id="6" name="直線コネクタ 5"/>
-          <p:cNvCxnSpPr/>
-          <p:nvPr/>
-        </p:nvCxnSpPr>
-        <p:spPr>
-          <a:xfrm>
-            <a:off x="838200" y="1126672"/>
-            <a:ext cx="10515600" cy="0"/>
-          </a:xfrm>
-          <a:prstGeom prst="line">
-            <a:avLst/>
-          </a:prstGeom>
-          <a:ln w="76200"/>
-        </p:spPr>
-        <p:style>
-          <a:lnRef idx="1">
-            <a:schemeClr val="accent1"/>
-          </a:lnRef>
-          <a:fillRef idx="0">
-            <a:schemeClr val="accent1"/>
-          </a:fillRef>
-          <a:effectRef idx="0">
-            <a:schemeClr val="accent1"/>
-          </a:effectRef>
-          <a:fontRef idx="minor">
-            <a:schemeClr val="tx1"/>
-          </a:fontRef>
-        </p:style>
-      </p:cxnSp>
-    </p:spTree>
-    <p:extLst>
-      <p:ext uri="{BB962C8B-B14F-4D97-AF65-F5344CB8AC3E}">
-        <p14:creationId xmlns:p14="http://schemas.microsoft.com/office/powerpoint/2010/main" val="1829055733"/>
-      </p:ext>
-    </p:extLst>
-  </p:cSld>
-  <p:clrMapOvr>
-    <a:masterClrMapping/>
-  </p:clrMapOvr>
-  <p:timing>
-    <p:tnLst>
-      <p:par>
-        <p:cTn id="1" dur="indefinite" restart="never" nodeType="tmRoot"/>
-      </p:par>
-    </p:tnLst>
-  </p:timing>
-</p:sld>
-</file>
-
-<file path=ppt/slides/slide9.xml><?xml version="1.0" encoding="utf-8"?>
-<p:sld xmlns:a="http://schemas.openxmlformats.org/drawingml/2006/main" xmlns:r="http://schemas.openxmlformats.org/officeDocument/2006/relationships" xmlns:p="http://schemas.openxmlformats.org/presentationml/2006/main">
-  <p:cSld>
-    <p:spTree>
-      <p:nvGrpSpPr>
-        <p:cNvPr id="1" name=""/>
-        <p:cNvGrpSpPr/>
-        <p:nvPr/>
-      </p:nvGrpSpPr>
-      <p:grpSpPr>
-        <a:xfrm>
-          <a:off x="0" y="0"/>
-          <a:ext cx="0" cy="0"/>
-          <a:chOff x="0" y="0"/>
-          <a:chExt cx="0" cy="0"/>
-        </a:xfrm>
-      </p:grpSpPr>
-      <p:sp>
-        <p:nvSpPr>
-          <p:cNvPr id="3" name="コンテンツ プレースホルダー 2"/>
-          <p:cNvSpPr>
-            <a:spLocks noGrp="1"/>
-          </p:cNvSpPr>
-          <p:nvPr>
-            <p:ph idx="1"/>
-          </p:nvPr>
-        </p:nvSpPr>
-        <p:spPr>
-          <a:xfrm>
-            <a:off x="838200" y="1289956"/>
-            <a:ext cx="10515600" cy="5355773"/>
-          </a:xfrm>
-        </p:spPr>
-        <p:txBody>
-          <a:bodyPr>
-            <a:normAutofit/>
-          </a:bodyPr>
-          <a:lstStyle/>
-          <a:p>
-            <a:pPr marL="514350" indent="-514350">
-              <a:buFont typeface="+mj-lt"/>
-              <a:buAutoNum type="alphaUcParenR" startAt="2"/>
-            </a:pPr>
-            <a:r>
-              <a:rPr lang="ja-JP" altLang="en-US" sz="3600" dirty="0">
-                <a:effectLst>
-                  <a:outerShdw blurRad="38100" dist="38100" dir="2700000" algn="tl">
-                    <a:srgbClr val="000000">
-                      <a:alpha val="43137"/>
-                    </a:srgbClr>
-                  </a:outerShdw>
-                </a:effectLst>
-              </a:rPr>
-              <a:t>問題点</a:t>
-            </a:r>
-            <a:r>
-              <a:rPr lang="ja-JP" altLang="en-US" sz="3600" dirty="0" smtClean="0">
-                <a:effectLst>
-                  <a:outerShdw blurRad="38100" dist="38100" dir="2700000" algn="tl">
-                    <a:srgbClr val="000000">
-                      <a:alpha val="43137"/>
-                    </a:srgbClr>
-                  </a:outerShdw>
-                </a:effectLst>
-              </a:rPr>
-              <a:t>を</a:t>
-            </a:r>
-            <a:r>
-              <a:rPr lang="ja-JP" altLang="en-US" sz="3600" dirty="0">
-                <a:effectLst>
-                  <a:outerShdw blurRad="38100" dist="38100" dir="2700000" algn="tl">
-                    <a:srgbClr val="000000">
-                      <a:alpha val="43137"/>
-                    </a:srgbClr>
-                  </a:outerShdw>
-                </a:effectLst>
-              </a:rPr>
-              <a:t>抽出</a:t>
-            </a:r>
-            <a:endParaRPr kumimoji="1" lang="en-US" altLang="ja-JP" sz="3600" dirty="0" smtClean="0">
-              <a:effectLst>
-                <a:outerShdw blurRad="38100" dist="38100" dir="2700000" algn="tl">
-                  <a:srgbClr val="000000">
-                    <a:alpha val="43137"/>
-                  </a:srgbClr>
-                </a:outerShdw>
-              </a:effectLst>
-            </a:endParaRPr>
-          </a:p>
-          <a:p>
-            <a:pPr marL="0" indent="0">
-              <a:buNone/>
-            </a:pPr>
-            <a:r>
-              <a:rPr lang="ja-JP" altLang="en-US" dirty="0" smtClean="0"/>
-              <a:t>　</a:t>
-            </a:r>
-            <a:r>
-              <a:rPr lang="ja-JP" altLang="en-US" sz="2400" u="sng" dirty="0" smtClean="0"/>
-              <a:t>対象：無限大キャンパス トップ画面</a:t>
-            </a:r>
-            <a:endParaRPr lang="en-US" altLang="ja-JP" sz="2400" u="sng" dirty="0" smtClean="0"/>
-          </a:p>
-          <a:p>
-            <a:pPr marL="0" indent="0">
-              <a:buNone/>
-            </a:pPr>
-            <a:r>
-              <a:rPr lang="ja-JP" altLang="en-US" dirty="0"/>
-              <a:t>　</a:t>
-            </a:r>
-            <a:r>
-              <a:rPr lang="ja-JP" altLang="en-US" dirty="0" smtClean="0"/>
-              <a:t>インタビュー結果を参考に、操作性や機能性の観点からトップ画面でのデザインにおける問題点を抽出した。</a:t>
-            </a:r>
-            <a:endParaRPr lang="en-US" altLang="ja-JP" dirty="0" smtClean="0"/>
-          </a:p>
-          <a:p>
-            <a:pPr marL="0" indent="0">
-              <a:buNone/>
-            </a:pPr>
-            <a:endParaRPr lang="en-US" altLang="ja-JP" dirty="0"/>
-          </a:p>
-          <a:p>
-            <a:pPr marL="0" indent="0">
-              <a:buNone/>
-            </a:pPr>
-            <a:endParaRPr lang="en-US" altLang="ja-JP" dirty="0" smtClean="0"/>
-          </a:p>
-          <a:p>
-            <a:pPr marL="0" indent="0">
-              <a:buNone/>
-            </a:pPr>
-            <a:r>
-              <a:rPr lang="ja-JP" altLang="en-US" dirty="0"/>
-              <a:t>結論</a:t>
-            </a:r>
-            <a:r>
-              <a:rPr lang="ja-JP" altLang="en-US" dirty="0" smtClean="0"/>
-              <a:t>：</a:t>
-            </a:r>
-            <a:endParaRPr lang="en-US" altLang="ja-JP" dirty="0" smtClean="0"/>
-          </a:p>
-          <a:p>
-            <a:pPr marL="0" indent="0">
-              <a:buNone/>
-            </a:pPr>
-            <a:r>
-              <a:rPr lang="ja-JP" altLang="en-US" dirty="0" smtClean="0"/>
-              <a:t>使用頻度の高い項目が画面買いに存在する状態であることや、</a:t>
-            </a:r>
-            <a:endParaRPr lang="en-US" altLang="ja-JP" dirty="0" smtClean="0"/>
-          </a:p>
-          <a:p>
-            <a:pPr marL="0" indent="0">
-              <a:buNone/>
-            </a:pPr>
-            <a:r>
-              <a:rPr lang="ja-JP" altLang="en-US" dirty="0" smtClean="0"/>
-              <a:t>遷移先が重複するにも拘らず名前の違うボタンなど、</a:t>
-            </a:r>
-            <a:endParaRPr lang="en-US" altLang="ja-JP" dirty="0" smtClean="0"/>
-          </a:p>
-          <a:p>
-            <a:pPr marL="0" indent="0">
-              <a:buNone/>
-            </a:pPr>
-            <a:r>
-              <a:rPr lang="ja-JP" altLang="en-US" dirty="0"/>
-              <a:t>様々</a:t>
-            </a:r>
-            <a:r>
-              <a:rPr lang="ja-JP" altLang="en-US" dirty="0" smtClean="0"/>
-              <a:t>な</a:t>
-            </a:r>
-            <a:r>
-              <a:rPr lang="ja-JP" altLang="en-US" dirty="0"/>
-              <a:t>問題</a:t>
-            </a:r>
-            <a:r>
-              <a:rPr lang="ja-JP" altLang="en-US" dirty="0" smtClean="0"/>
-              <a:t>が</a:t>
-            </a:r>
-            <a:r>
-              <a:rPr lang="ja-JP" altLang="en-US" dirty="0"/>
-              <a:t>発見</a:t>
-            </a:r>
-            <a:r>
-              <a:rPr lang="ja-JP" altLang="en-US" dirty="0" smtClean="0"/>
-              <a:t>できた</a:t>
-            </a:r>
-            <a:r>
-              <a:rPr lang="ja-JP" altLang="en-US" dirty="0"/>
-              <a:t>。</a:t>
-            </a:r>
-            <a:endParaRPr lang="en-US" altLang="ja-JP" dirty="0" smtClean="0"/>
-          </a:p>
-        </p:txBody>
-      </p:sp>
-      <p:sp>
-        <p:nvSpPr>
-          <p:cNvPr id="4" name="タイトル 1"/>
-          <p:cNvSpPr txBox="1">
-            <a:spLocks/>
-          </p:cNvSpPr>
-          <p:nvPr/>
-        </p:nvSpPr>
-        <p:spPr>
-          <a:xfrm>
-            <a:off x="838200" y="365126"/>
-            <a:ext cx="10515600" cy="761546"/>
-          </a:xfrm>
-          <a:prstGeom prst="rect">
-            <a:avLst/>
-          </a:prstGeom>
-        </p:spPr>
-        <p:txBody>
-          <a:bodyPr vert="horz" lIns="91440" tIns="45720" rIns="91440" bIns="45720" rtlCol="0" anchor="ctr">
-            <a:normAutofit/>
-          </a:bodyPr>
-          <a:lstStyle>
-            <a:lvl1pPr algn="l" defTabSz="914400" rtl="0" eaLnBrk="1" latinLnBrk="0" hangingPunct="1">
-              <a:lnSpc>
-                <a:spcPct val="90000"/>
-              </a:lnSpc>
-              <a:spcBef>
-                <a:spcPct val="0"/>
-              </a:spcBef>
-              <a:buNone/>
-              <a:defRPr kumimoji="1" sz="4400" kern="1200">
-                <a:solidFill>
-                  <a:schemeClr val="tx1"/>
-                </a:solidFill>
-                <a:latin typeface="+mj-lt"/>
-                <a:ea typeface="+mj-ea"/>
-                <a:cs typeface="+mj-cs"/>
-              </a:defRPr>
-            </a:lvl1pPr>
-          </a:lstStyle>
-          <a:p>
-            <a:r>
-              <a:rPr lang="ja-JP" altLang="en-US" dirty="0">
-                <a:latin typeface="HG丸ｺﾞｼｯｸM-PRO" panose="020F0600000000000000" pitchFamily="50" charset="-128"/>
-                <a:ea typeface="HG丸ｺﾞｼｯｸM-PRO" panose="020F0600000000000000" pitchFamily="50" charset="-128"/>
-              </a:rPr>
-              <a:t>デザイン</a:t>
-            </a:r>
-            <a:r>
-              <a:rPr lang="ja-JP" altLang="en-US" dirty="0" smtClean="0">
-                <a:latin typeface="HG丸ｺﾞｼｯｸM-PRO" panose="020F0600000000000000" pitchFamily="50" charset="-128"/>
-                <a:ea typeface="HG丸ｺﾞｼｯｸM-PRO" panose="020F0600000000000000" pitchFamily="50" charset="-128"/>
-              </a:rPr>
-              <a:t>調査</a:t>
-            </a:r>
-            <a:endParaRPr lang="ja-JP" altLang="en-US" dirty="0">
-              <a:latin typeface="HG丸ｺﾞｼｯｸM-PRO" panose="020F0600000000000000" pitchFamily="50" charset="-128"/>
-              <a:ea typeface="HG丸ｺﾞｼｯｸM-PRO" panose="020F0600000000000000" pitchFamily="50" charset="-128"/>
-            </a:endParaRPr>
-          </a:p>
-        </p:txBody>
-      </p:sp>
-      <p:cxnSp>
-        <p:nvCxnSpPr>
-          <p:cNvPr id="6" name="直線コネクタ 5"/>
-          <p:cNvCxnSpPr/>
-          <p:nvPr/>
-        </p:nvCxnSpPr>
-        <p:spPr>
-          <a:xfrm>
-            <a:off x="838200" y="1126672"/>
-            <a:ext cx="10515600" cy="0"/>
-          </a:xfrm>
-          <a:prstGeom prst="line">
-            <a:avLst/>
-          </a:prstGeom>
-          <a:ln w="76200"/>
-        </p:spPr>
-        <p:style>
-          <a:lnRef idx="1">
-            <a:schemeClr val="accent1"/>
-          </a:lnRef>
-          <a:fillRef idx="0">
-            <a:schemeClr val="accent1"/>
-          </a:fillRef>
-          <a:effectRef idx="0">
-            <a:schemeClr val="accent1"/>
-          </a:effectRef>
-          <a:fontRef idx="minor">
-            <a:schemeClr val="tx1"/>
-          </a:fontRef>
-        </p:style>
-      </p:cxnSp>
-    </p:spTree>
-    <p:extLst>
-      <p:ext uri="{BB962C8B-B14F-4D97-AF65-F5344CB8AC3E}">
-        <p14:creationId xmlns:p14="http://schemas.microsoft.com/office/powerpoint/2010/main" val="3548809219"/>
       </p:ext>
     </p:extLst>
   </p:cSld>

--- a/progress/樫本/2022_0203クラス内発表.pptx
+++ b/progress/樫本/2022_0203クラス内発表.pptx
@@ -9394,20 +9394,20 @@
           <a:lstStyle/>
           <a:p>
             <a:r>
-              <a:rPr lang="en-US" altLang="ja-JP" b="1" dirty="0" smtClean="0">
+              <a:rPr lang="en-US" altLang="ja-JP" dirty="0" smtClean="0">
                 <a:latin typeface="HG丸ｺﾞｼｯｸM-PRO" panose="020F0600000000000000" pitchFamily="50" charset="-128"/>
                 <a:ea typeface="HG丸ｺﾞｼｯｸM-PRO" panose="020F0600000000000000" pitchFamily="50" charset="-128"/>
               </a:rPr>
               <a:t>UI</a:t>
             </a:r>
             <a:r>
-              <a:rPr lang="ja-JP" altLang="en-US" b="1" dirty="0" smtClean="0">
+              <a:rPr lang="ja-JP" altLang="en-US" dirty="0" smtClean="0">
                 <a:latin typeface="HG丸ｺﾞｼｯｸM-PRO" panose="020F0600000000000000" pitchFamily="50" charset="-128"/>
                 <a:ea typeface="HG丸ｺﾞｼｯｸM-PRO" panose="020F0600000000000000" pitchFamily="50" charset="-128"/>
               </a:rPr>
               <a:t>デザインの複数の改善案を提案し、どのパターンがユーザビリティの観点で見やすい・使いやすいのかを検証</a:t>
             </a:r>
-            <a:endParaRPr lang="en-US" altLang="ja-JP" b="1" dirty="0" smtClean="0">
+            <a:endParaRPr lang="en-US" altLang="ja-JP" dirty="0" smtClean="0">
               <a:latin typeface="HG丸ｺﾞｼｯｸM-PRO" panose="020F0600000000000000" pitchFamily="50" charset="-128"/>
               <a:ea typeface="HG丸ｺﾞｼｯｸM-PRO" panose="020F0600000000000000" pitchFamily="50" charset="-128"/>
             </a:endParaRPr>
@@ -9423,15 +9423,15 @@
               <a:buNone/>
             </a:pPr>
             <a:r>
-              <a:rPr lang="ja-JP" altLang="en-US" u="sng" dirty="0" smtClean="0">
-                <a:latin typeface="+mj-ea"/>
-                <a:ea typeface="+mj-ea"/>
+              <a:rPr lang="ja-JP" altLang="en-US" b="1" dirty="0" smtClean="0">
+                <a:latin typeface="BIZ UDPゴシック" panose="020B0400000000000000" pitchFamily="50" charset="-128"/>
+                <a:ea typeface="BIZ UDPゴシック" panose="020B0400000000000000" pitchFamily="50" charset="-128"/>
               </a:rPr>
               <a:t>プロセス</a:t>
             </a:r>
-            <a:endParaRPr lang="en-US" altLang="ja-JP" u="sng" dirty="0" smtClean="0">
-              <a:latin typeface="+mj-ea"/>
-              <a:ea typeface="+mj-ea"/>
+            <a:endParaRPr lang="en-US" altLang="ja-JP" b="1" dirty="0" smtClean="0">
+              <a:latin typeface="BIZ UDPゴシック" panose="020B0400000000000000" pitchFamily="50" charset="-128"/>
+              <a:ea typeface="BIZ UDPゴシック" panose="020B0400000000000000" pitchFamily="50" charset="-128"/>
             </a:endParaRPr>
           </a:p>
           <a:p>
@@ -9439,8 +9439,12 @@
               <a:buNone/>
             </a:pPr>
             <a:r>
+              <a:rPr lang="ja-JP" altLang="en-US" sz="2000" b="1" dirty="0" smtClean="0"/>
+              <a:t>　</a:t>
+            </a:r>
+            <a:r>
               <a:rPr lang="ja-JP" altLang="en-US" sz="2000" dirty="0" smtClean="0"/>
-              <a:t>　現代のデザインのガイドラインについての調査、現在のポータルサイトのデザインの</a:t>
+              <a:t>現代のデザインのガイドラインについての調査、現在のポータルサイトのデザインの</a:t>
             </a:r>
             <a:endParaRPr lang="en-US" altLang="ja-JP" sz="2000" dirty="0" smtClean="0"/>
           </a:p>
@@ -9661,11 +9665,7 @@
             </a:r>
             <a:r>
               <a:rPr lang="ja-JP" altLang="en-US" sz="3200" dirty="0" smtClean="0"/>
-              <a:t>社の</a:t>
-            </a:r>
-            <a:r>
-              <a:rPr lang="ja-JP" altLang="en-US" sz="3200" dirty="0" smtClean="0"/>
-              <a:t>ガイドラインを調べ、</a:t>
+              <a:t>社のガイドラインを調べ、</a:t>
             </a:r>
             <a:endParaRPr lang="en-US" altLang="ja-JP" sz="3200" dirty="0" smtClean="0"/>
           </a:p>
@@ -9683,15 +9683,7 @@
             </a:r>
             <a:r>
               <a:rPr lang="ja-JP" altLang="en-US" sz="3200" dirty="0" smtClean="0"/>
-              <a:t>研究</a:t>
-            </a:r>
-            <a:r>
-              <a:rPr lang="ja-JP" altLang="en-US" sz="3200" dirty="0" smtClean="0"/>
-              <a:t>に適しているのが</a:t>
-            </a:r>
-            <a:r>
-              <a:rPr lang="ja-JP" altLang="en-US" sz="3200" dirty="0" smtClean="0"/>
-              <a:t>、</a:t>
+              <a:t>研究に適しているのが、</a:t>
             </a:r>
             <a:endParaRPr lang="en-US" altLang="ja-JP" sz="3200" dirty="0" smtClean="0"/>
           </a:p>
@@ -9705,22 +9697,18 @@
             </a:r>
             <a:r>
               <a:rPr lang="en-US" altLang="ja-JP" sz="3200" dirty="0" smtClean="0"/>
-              <a:t> </a:t>
-            </a:r>
-            <a:r>
-              <a:rPr lang="en-US" altLang="ja-JP" sz="3200" dirty="0" smtClean="0"/>
-              <a:t>Google</a:t>
+              <a:t> Google</a:t>
             </a:r>
             <a:r>
               <a:rPr lang="ja-JP" altLang="en-US" sz="3200" dirty="0" smtClean="0"/>
               <a:t>社の「</a:t>
             </a:r>
             <a:r>
-              <a:rPr lang="en-US" altLang="ja-JP" sz="3200" dirty="0" smtClean="0"/>
+              <a:rPr lang="en-US" altLang="ja-JP" sz="3200" u="sng" dirty="0" smtClean="0"/>
               <a:t>Material Design </a:t>
             </a:r>
             <a:r>
-              <a:rPr lang="en-US" altLang="ja-JP" sz="3200" dirty="0" err="1" smtClean="0"/>
+              <a:rPr lang="en-US" altLang="ja-JP" sz="3200" u="sng" dirty="0" err="1" smtClean="0"/>
               <a:t>GuideLines</a:t>
             </a:r>
             <a:r>
@@ -9826,6 +9814,107 @@
           </a:fontRef>
         </p:style>
       </p:cxnSp>
+      <p:pic>
+        <p:nvPicPr>
+          <p:cNvPr id="1026" name="Picture 2" descr="Material dark theme"/>
+          <p:cNvPicPr>
+            <a:picLocks noChangeAspect="1" noChangeArrowheads="1"/>
+          </p:cNvPicPr>
+          <p:nvPr/>
+        </p:nvPicPr>
+        <p:blipFill>
+          <a:blip r:embed="rId2">
+            <a:extLst>
+              <a:ext uri="{28A0092B-C50C-407E-A947-70E740481C1C}">
+                <a14:useLocalDpi xmlns:a14="http://schemas.microsoft.com/office/drawing/2010/main" val="0"/>
+              </a:ext>
+            </a:extLst>
+          </a:blip>
+          <a:srcRect/>
+          <a:stretch>
+            <a:fillRect/>
+          </a:stretch>
+        </p:blipFill>
+        <p:spPr bwMode="auto">
+          <a:xfrm>
+            <a:off x="838201" y="4585791"/>
+            <a:ext cx="3800302" cy="1800143"/>
+          </a:xfrm>
+          <a:prstGeom prst="rect">
+            <a:avLst/>
+          </a:prstGeom>
+          <a:noFill/>
+          <a:extLst>
+            <a:ext uri="{909E8E84-426E-40DD-AFC4-6F175D3DCCD1}">
+              <a14:hiddenFill xmlns:a14="http://schemas.microsoft.com/office/drawing/2010/main">
+                <a:solidFill>
+                  <a:srgbClr val="FFFFFF"/>
+                </a:solidFill>
+              </a14:hiddenFill>
+            </a:ext>
+          </a:extLst>
+        </p:spPr>
+      </p:pic>
+      <p:pic>
+        <p:nvPicPr>
+          <p:cNvPr id="8" name="図 7"/>
+          <p:cNvPicPr>
+            <a:picLocks noChangeAspect="1"/>
+          </p:cNvPicPr>
+          <p:nvPr/>
+        </p:nvPicPr>
+        <p:blipFill>
+          <a:blip r:embed="rId3">
+            <a:extLst>
+              <a:ext uri="{28A0092B-C50C-407E-A947-70E740481C1C}">
+                <a14:useLocalDpi xmlns:a14="http://schemas.microsoft.com/office/drawing/2010/main" val="0"/>
+              </a:ext>
+            </a:extLst>
+          </a:blip>
+          <a:stretch>
+            <a:fillRect/>
+          </a:stretch>
+        </p:blipFill>
+        <p:spPr>
+          <a:xfrm>
+            <a:off x="4232563" y="4589574"/>
+            <a:ext cx="3726873" cy="1679034"/>
+          </a:xfrm>
+          <a:prstGeom prst="rect">
+            <a:avLst/>
+          </a:prstGeom>
+        </p:spPr>
+      </p:pic>
+      <p:pic>
+        <p:nvPicPr>
+          <p:cNvPr id="9" name="図 8"/>
+          <p:cNvPicPr>
+            <a:picLocks noChangeAspect="1"/>
+          </p:cNvPicPr>
+          <p:nvPr/>
+        </p:nvPicPr>
+        <p:blipFill>
+          <a:blip r:embed="rId4">
+            <a:extLst>
+              <a:ext uri="{28A0092B-C50C-407E-A947-70E740481C1C}">
+                <a14:useLocalDpi xmlns:a14="http://schemas.microsoft.com/office/drawing/2010/main" val="0"/>
+              </a:ext>
+            </a:extLst>
+          </a:blip>
+          <a:stretch>
+            <a:fillRect/>
+          </a:stretch>
+        </p:blipFill>
+        <p:spPr>
+          <a:xfrm>
+            <a:off x="8513618" y="4099934"/>
+            <a:ext cx="2286000" cy="2286000"/>
+          </a:xfrm>
+          <a:prstGeom prst="rect">
+            <a:avLst/>
+          </a:prstGeom>
+        </p:spPr>
+      </p:pic>
     </p:spTree>
     <p:extLst>
       <p:ext uri="{BB962C8B-B14F-4D97-AF65-F5344CB8AC3E}">
